--- a/05_ML_Concepts_II_Data_Prep/machine_learning_bootcamp.pptx
+++ b/05_ML_Concepts_II_Data_Prep/machine_learning_bootcamp.pptx
@@ -5,10 +5,10 @@
     <p:sldMasterId id="2147483648" r:id="rId1"/>
   </p:sldMasterIdLst>
   <p:notesMasterIdLst>
-    <p:notesMasterId r:id="rId58"/>
+    <p:notesMasterId r:id="rId60"/>
   </p:notesMasterIdLst>
   <p:handoutMasterIdLst>
-    <p:handoutMasterId r:id="rId59"/>
+    <p:handoutMasterId r:id="rId61"/>
   </p:handoutMasterIdLst>
   <p:sldIdLst>
     <p:sldId id="2391" r:id="rId2"/>
@@ -56,17 +56,19 @@
     <p:sldId id="364" r:id="rId44"/>
     <p:sldId id="2440" r:id="rId45"/>
     <p:sldId id="2450" r:id="rId46"/>
-    <p:sldId id="2436" r:id="rId47"/>
-    <p:sldId id="2432" r:id="rId48"/>
-    <p:sldId id="2443" r:id="rId49"/>
-    <p:sldId id="626" r:id="rId50"/>
-    <p:sldId id="2442" r:id="rId51"/>
-    <p:sldId id="2422" r:id="rId52"/>
-    <p:sldId id="2377" r:id="rId53"/>
-    <p:sldId id="2395" r:id="rId54"/>
-    <p:sldId id="2400" r:id="rId55"/>
-    <p:sldId id="2401" r:id="rId56"/>
-    <p:sldId id="2373" r:id="rId57"/>
+    <p:sldId id="2464" r:id="rId47"/>
+    <p:sldId id="2465" r:id="rId48"/>
+    <p:sldId id="2432" r:id="rId49"/>
+    <p:sldId id="2436" r:id="rId50"/>
+    <p:sldId id="626" r:id="rId51"/>
+    <p:sldId id="2443" r:id="rId52"/>
+    <p:sldId id="2442" r:id="rId53"/>
+    <p:sldId id="2422" r:id="rId54"/>
+    <p:sldId id="2377" r:id="rId55"/>
+    <p:sldId id="2395" r:id="rId56"/>
+    <p:sldId id="2400" r:id="rId57"/>
+    <p:sldId id="2401" r:id="rId58"/>
+    <p:sldId id="2373" r:id="rId59"/>
   </p:sldIdLst>
   <p:sldSz cx="12192000" cy="6858000"/>
   <p:notesSz cx="6858000" cy="9144000"/>
@@ -270,7 +272,7 @@
           <a:p>
             <a:fld id="{27160A0F-9B86-4581-85D6-AE4500F6A801}" type="datetimeFigureOut">
               <a:rPr lang="en-US" smtClean="0"/>
-              <a:t>2/17/2022</a:t>
+              <a:t>2/21/2022</a:t>
             </a:fld>
             <a:endParaRPr lang="en-US"/>
           </a:p>
@@ -496,7 +498,7 @@
           <a:p>
             <a:fld id="{27BE458A-CC06-48BE-991B-B3ACDD14B597}" type="datetimeFigureOut">
               <a:rPr lang="en-US" smtClean="0"/>
-              <a:t>2/17/2022</a:t>
+              <a:t>2/21/2022</a:t>
             </a:fld>
             <a:endParaRPr lang="en-US"/>
           </a:p>
@@ -944,7 +946,7 @@
           <a:p>
             <a:fld id="{72459E79-B3EA-453E-BDBA-60E25D7173B4}" type="slidenum">
               <a:rPr lang="en-US" smtClean="0"/>
-              <a:t>53</a:t>
+              <a:t>55</a:t>
             </a:fld>
             <a:endParaRPr lang="en-US"/>
           </a:p>
@@ -1036,7 +1038,7 @@
           <a:p>
             <a:fld id="{72459E79-B3EA-453E-BDBA-60E25D7173B4}" type="slidenum">
               <a:rPr lang="en-US" smtClean="0"/>
-              <a:t>54</a:t>
+              <a:t>56</a:t>
             </a:fld>
             <a:endParaRPr lang="en-US"/>
           </a:p>
@@ -1128,7 +1130,7 @@
           <a:p>
             <a:fld id="{72459E79-B3EA-453E-BDBA-60E25D7173B4}" type="slidenum">
               <a:rPr lang="en-US" smtClean="0"/>
-              <a:t>55</a:t>
+              <a:t>57</a:t>
             </a:fld>
             <a:endParaRPr lang="en-US"/>
           </a:p>
@@ -1212,7 +1214,7 @@
           <a:p>
             <a:fld id="{72459E79-B3EA-453E-BDBA-60E25D7173B4}" type="slidenum">
               <a:rPr lang="en-US" smtClean="0"/>
-              <a:t>56</a:t>
+              <a:t>58</a:t>
             </a:fld>
             <a:endParaRPr lang="en-US"/>
           </a:p>
@@ -2106,7 +2108,7 @@
           <a:p>
             <a:fld id="{04C01D68-98F0-4413-A543-950947CC53F4}" type="datetime1">
               <a:rPr lang="en-US" smtClean="0"/>
-              <a:t>2/17/2022</a:t>
+              <a:t>2/21/2022</a:t>
             </a:fld>
             <a:endParaRPr lang="en-US"/>
           </a:p>
@@ -2263,7 +2265,7 @@
           <a:p>
             <a:fld id="{F5166586-FB24-4278-9591-82C4BBCDCA89}" type="datetime1">
               <a:rPr lang="en-US" smtClean="0"/>
-              <a:t>2/17/2022</a:t>
+              <a:t>2/21/2022</a:t>
             </a:fld>
             <a:endParaRPr lang="en-US"/>
           </a:p>
@@ -2457,7 +2459,7 @@
           <a:p>
             <a:fld id="{D5A5CA0D-3537-42D6-B0CE-3FBC0D012150}" type="datetime1">
               <a:rPr lang="en-US" smtClean="0"/>
-              <a:t>2/17/2022</a:t>
+              <a:t>2/21/2022</a:t>
             </a:fld>
             <a:endParaRPr lang="en-US"/>
           </a:p>
@@ -3512,7 +3514,7 @@
           <a:p>
             <a:fld id="{FDB3EDF1-F613-4DA2-A80A-754A6940B2FC}" type="datetime1">
               <a:rPr lang="en-US" smtClean="0"/>
-              <a:t>2/17/2022</a:t>
+              <a:t>2/21/2022</a:t>
             </a:fld>
             <a:endParaRPr lang="en-US"/>
           </a:p>
@@ -3757,7 +3759,7 @@
           <a:p>
             <a:fld id="{FD3B0033-72B4-4535-88FF-3AD028C99723}" type="datetime1">
               <a:rPr lang="en-US" smtClean="0"/>
-              <a:t>2/17/2022</a:t>
+              <a:t>2/21/2022</a:t>
             </a:fld>
             <a:endParaRPr lang="en-US"/>
           </a:p>
@@ -4137,7 +4139,7 @@
           <a:p>
             <a:fld id="{96B2EC89-E834-484E-B15B-8A782CBE7E42}" type="datetime1">
               <a:rPr lang="en-US" smtClean="0"/>
-              <a:t>2/17/2022</a:t>
+              <a:t>2/21/2022</a:t>
             </a:fld>
             <a:endParaRPr lang="en-US"/>
           </a:p>
@@ -4270,7 +4272,7 @@
           <a:p>
             <a:fld id="{B0BFDB64-FBD6-4851-B5A5-2376FDD55407}" type="datetime1">
               <a:rPr lang="en-US" smtClean="0"/>
-              <a:t>2/17/2022</a:t>
+              <a:t>2/21/2022</a:t>
             </a:fld>
             <a:endParaRPr lang="en-US"/>
           </a:p>
@@ -4381,7 +4383,7 @@
           <a:p>
             <a:fld id="{A796691A-4010-4E41-AAA5-8BA8423BEAFA}" type="datetime1">
               <a:rPr lang="en-US" smtClean="0"/>
-              <a:t>2/17/2022</a:t>
+              <a:t>2/21/2022</a:t>
             </a:fld>
             <a:endParaRPr lang="en-US"/>
           </a:p>
@@ -4672,7 +4674,7 @@
           <a:p>
             <a:fld id="{19A26292-8CED-46F0-BBB1-1BA0D2A33D09}" type="datetime1">
               <a:rPr lang="en-US" smtClean="0"/>
-              <a:t>2/17/2022</a:t>
+              <a:t>2/21/2022</a:t>
             </a:fld>
             <a:endParaRPr lang="en-US"/>
           </a:p>
@@ -4940,7 +4942,7 @@
           <a:p>
             <a:fld id="{961AD9AB-7BFD-44AF-B1FE-05602162B8C3}" type="datetime1">
               <a:rPr lang="en-US" smtClean="0"/>
-              <a:t>2/17/2022</a:t>
+              <a:t>2/21/2022</a:t>
             </a:fld>
             <a:endParaRPr lang="en-US"/>
           </a:p>
@@ -5167,7 +5169,7 @@
           <a:p>
             <a:fld id="{475570EF-A0EC-4C7C-9082-FFE56C4913AF}" type="datetime1">
               <a:rPr lang="en-US" smtClean="0"/>
-              <a:t>2/17/2022</a:t>
+              <a:t>2/21/2022</a:t>
             </a:fld>
             <a:endParaRPr lang="en-US"/>
           </a:p>
@@ -22859,13 +22861,13 @@
         </p:nvSpPr>
         <p:spPr>
           <a:xfrm>
-            <a:off x="80554" y="804929"/>
+            <a:off x="80554" y="535987"/>
             <a:ext cx="10515600" cy="5916545"/>
           </a:xfrm>
         </p:spPr>
         <p:txBody>
           <a:bodyPr>
-            <a:normAutofit fontScale="70000" lnSpcReduction="20000"/>
+            <a:normAutofit fontScale="77500" lnSpcReduction="20000"/>
           </a:bodyPr>
           <a:lstStyle/>
           <a:p>
@@ -23013,15 +23015,13 @@
             <a:pPr lvl="1"/>
             <a:r>
               <a:rPr lang="en-US" b="1" dirty="0"/>
-              <a:t> Model Evaluation</a:t>
-            </a:r>
-          </a:p>
-          <a:p>
-            <a:pPr lvl="1"/>
-            <a:r>
-              <a:rPr lang="en-US" b="1" dirty="0"/>
-              <a:t> Non-parametric modelling (random state)</a:t>
-            </a:r>
+              <a:t> Model Evaluation/Model Building Process - </a:t>
+            </a:r>
+            <a:r>
+              <a:rPr lang="en-US" b="1" dirty="0" err="1"/>
+              <a:t>kNN</a:t>
+            </a:r>
+            <a:endParaRPr lang="en-US" b="1" dirty="0"/>
           </a:p>
           <a:p>
             <a:endParaRPr lang="en-US" dirty="0"/>
@@ -23060,10 +23060,326 @@
       </p:grpSpPr>
       <p:sp>
         <p:nvSpPr>
+          <p:cNvPr id="61" name="Rectangle: Rounded Corners 60">
+            <a:extLst>
+              <a:ext uri="{FF2B5EF4-FFF2-40B4-BE49-F238E27FC236}">
+                <a16:creationId xmlns:a16="http://schemas.microsoft.com/office/drawing/2014/main" id="{42E0818F-CD6E-45C5-ABA2-960684890CF9}"/>
+              </a:ext>
+            </a:extLst>
+          </p:cNvPr>
+          <p:cNvSpPr/>
+          <p:nvPr/>
+        </p:nvSpPr>
+        <p:spPr>
+          <a:xfrm>
+            <a:off x="3540456" y="3091967"/>
+            <a:ext cx="4604335" cy="3264383"/>
+          </a:xfrm>
+          <a:prstGeom prst="roundRect">
+            <a:avLst/>
+          </a:prstGeom>
+          <a:solidFill>
+            <a:schemeClr val="accent4">
+              <a:lumMod val="20000"/>
+              <a:lumOff val="80000"/>
+              <a:alpha val="80000"/>
+            </a:schemeClr>
+          </a:solidFill>
+          <a:ln>
+            <a:noFill/>
+          </a:ln>
+        </p:spPr>
+        <p:style>
+          <a:lnRef idx="2">
+            <a:schemeClr val="accent1">
+              <a:shade val="50000"/>
+            </a:schemeClr>
+          </a:lnRef>
+          <a:fillRef idx="1">
+            <a:schemeClr val="accent1"/>
+          </a:fillRef>
+          <a:effectRef idx="0">
+            <a:schemeClr val="accent1"/>
+          </a:effectRef>
+          <a:fontRef idx="minor">
+            <a:schemeClr val="lt1"/>
+          </a:fontRef>
+        </p:style>
+        <p:txBody>
+          <a:bodyPr rtlCol="0" anchor="ctr"/>
+          <a:lstStyle/>
+          <a:p>
+            <a:pPr algn="ctr"/>
+            <a:endParaRPr lang="en-US" b="1"/>
+          </a:p>
+        </p:txBody>
+      </p:sp>
+      <p:sp>
+        <p:nvSpPr>
+          <p:cNvPr id="52" name="Rectangle: Rounded Corners 51">
+            <a:extLst>
+              <a:ext uri="{FF2B5EF4-FFF2-40B4-BE49-F238E27FC236}">
+                <a16:creationId xmlns:a16="http://schemas.microsoft.com/office/drawing/2014/main" id="{4ED2D0C8-F68D-4FB1-AA0D-29F8D819674D}"/>
+              </a:ext>
+            </a:extLst>
+          </p:cNvPr>
+          <p:cNvSpPr/>
+          <p:nvPr/>
+        </p:nvSpPr>
+        <p:spPr>
+          <a:xfrm>
+            <a:off x="8775076" y="1142304"/>
+            <a:ext cx="1932085" cy="3242848"/>
+          </a:xfrm>
+          <a:prstGeom prst="roundRect">
+            <a:avLst/>
+          </a:prstGeom>
+          <a:solidFill>
+            <a:schemeClr val="accent4">
+              <a:lumMod val="20000"/>
+              <a:lumOff val="80000"/>
+              <a:alpha val="80000"/>
+            </a:schemeClr>
+          </a:solidFill>
+          <a:ln>
+            <a:noFill/>
+          </a:ln>
+        </p:spPr>
+        <p:style>
+          <a:lnRef idx="2">
+            <a:schemeClr val="accent1">
+              <a:shade val="50000"/>
+            </a:schemeClr>
+          </a:lnRef>
+          <a:fillRef idx="1">
+            <a:schemeClr val="accent1"/>
+          </a:fillRef>
+          <a:effectRef idx="0">
+            <a:schemeClr val="accent1"/>
+          </a:effectRef>
+          <a:fontRef idx="minor">
+            <a:schemeClr val="lt1"/>
+          </a:fontRef>
+        </p:style>
+        <p:txBody>
+          <a:bodyPr rtlCol="0" anchor="ctr"/>
+          <a:lstStyle/>
+          <a:p>
+            <a:pPr algn="ctr"/>
+            <a:endParaRPr lang="en-US" b="1"/>
+          </a:p>
+        </p:txBody>
+      </p:sp>
+      <p:sp>
+        <p:nvSpPr>
+          <p:cNvPr id="51" name="Rectangle: Rounded Corners 50">
+            <a:extLst>
+              <a:ext uri="{FF2B5EF4-FFF2-40B4-BE49-F238E27FC236}">
+                <a16:creationId xmlns:a16="http://schemas.microsoft.com/office/drawing/2014/main" id="{098843CF-3A52-4B55-90E5-136E81C4C4CC}"/>
+              </a:ext>
+            </a:extLst>
+          </p:cNvPr>
+          <p:cNvSpPr/>
+          <p:nvPr/>
+        </p:nvSpPr>
+        <p:spPr>
+          <a:xfrm rot="5400000">
+            <a:off x="5231523" y="-750951"/>
+            <a:ext cx="1405238" cy="5098172"/>
+          </a:xfrm>
+          <a:prstGeom prst="roundRect">
+            <a:avLst/>
+          </a:prstGeom>
+          <a:solidFill>
+            <a:schemeClr val="accent4">
+              <a:lumMod val="40000"/>
+              <a:lumOff val="60000"/>
+              <a:alpha val="69000"/>
+            </a:schemeClr>
+          </a:solidFill>
+          <a:ln>
+            <a:noFill/>
+          </a:ln>
+        </p:spPr>
+        <p:style>
+          <a:lnRef idx="2">
+            <a:schemeClr val="accent1">
+              <a:shade val="50000"/>
+            </a:schemeClr>
+          </a:lnRef>
+          <a:fillRef idx="1">
+            <a:schemeClr val="accent1"/>
+          </a:fillRef>
+          <a:effectRef idx="0">
+            <a:schemeClr val="accent1"/>
+          </a:effectRef>
+          <a:fontRef idx="minor">
+            <a:schemeClr val="lt1"/>
+          </a:fontRef>
+        </p:style>
+        <p:txBody>
+          <a:bodyPr rtlCol="0" anchor="ctr"/>
+          <a:lstStyle/>
+          <a:p>
+            <a:pPr algn="ctr"/>
+            <a:endParaRPr lang="en-US" b="1"/>
+          </a:p>
+        </p:txBody>
+      </p:sp>
+      <p:sp>
+        <p:nvSpPr>
+          <p:cNvPr id="50" name="Rectangle: Rounded Corners 49">
+            <a:extLst>
+              <a:ext uri="{FF2B5EF4-FFF2-40B4-BE49-F238E27FC236}">
+                <a16:creationId xmlns:a16="http://schemas.microsoft.com/office/drawing/2014/main" id="{AA7BA40F-38D8-422D-BC17-A1B79BC8FF91}"/>
+              </a:ext>
+            </a:extLst>
+          </p:cNvPr>
+          <p:cNvSpPr/>
+          <p:nvPr/>
+        </p:nvSpPr>
+        <p:spPr>
+          <a:xfrm>
+            <a:off x="1509846" y="1095517"/>
+            <a:ext cx="1699259" cy="4008110"/>
+          </a:xfrm>
+          <a:prstGeom prst="roundRect">
+            <a:avLst/>
+          </a:prstGeom>
+          <a:solidFill>
+            <a:schemeClr val="accent4">
+              <a:lumMod val="20000"/>
+              <a:lumOff val="80000"/>
+              <a:alpha val="76000"/>
+            </a:schemeClr>
+          </a:solidFill>
+          <a:ln>
+            <a:noFill/>
+          </a:ln>
+        </p:spPr>
+        <p:style>
+          <a:lnRef idx="2">
+            <a:schemeClr val="accent1">
+              <a:shade val="50000"/>
+            </a:schemeClr>
+          </a:lnRef>
+          <a:fillRef idx="1">
+            <a:schemeClr val="accent1"/>
+          </a:fillRef>
+          <a:effectRef idx="0">
+            <a:schemeClr val="accent1"/>
+          </a:effectRef>
+          <a:fontRef idx="minor">
+            <a:schemeClr val="lt1"/>
+          </a:fontRef>
+        </p:style>
+        <p:txBody>
+          <a:bodyPr rtlCol="0" anchor="ctr"/>
+          <a:lstStyle/>
+          <a:p>
+            <a:pPr algn="ctr"/>
+            <a:endParaRPr lang="en-US" b="1"/>
+          </a:p>
+        </p:txBody>
+      </p:sp>
+      <p:sp>
+        <p:nvSpPr>
+          <p:cNvPr id="40" name="Arrow: Right 39">
+            <a:extLst>
+              <a:ext uri="{FF2B5EF4-FFF2-40B4-BE49-F238E27FC236}">
+                <a16:creationId xmlns:a16="http://schemas.microsoft.com/office/drawing/2014/main" id="{3DB45FFC-CB0C-496A-87DC-6C31C1D25335}"/>
+              </a:ext>
+            </a:extLst>
+          </p:cNvPr>
+          <p:cNvSpPr/>
+          <p:nvPr/>
+        </p:nvSpPr>
+        <p:spPr>
+          <a:xfrm>
+            <a:off x="1568078" y="1696628"/>
+            <a:ext cx="7264604" cy="252445"/>
+          </a:xfrm>
+          <a:prstGeom prst="rightArrow">
+            <a:avLst/>
+          </a:prstGeom>
+        </p:spPr>
+        <p:style>
+          <a:lnRef idx="2">
+            <a:schemeClr val="accent1">
+              <a:shade val="50000"/>
+            </a:schemeClr>
+          </a:lnRef>
+          <a:fillRef idx="1">
+            <a:schemeClr val="accent1"/>
+          </a:fillRef>
+          <a:effectRef idx="0">
+            <a:schemeClr val="accent1"/>
+          </a:effectRef>
+          <a:fontRef idx="minor">
+            <a:schemeClr val="lt1"/>
+          </a:fontRef>
+        </p:style>
+        <p:txBody>
+          <a:bodyPr rtlCol="0" anchor="ctr"/>
+          <a:lstStyle/>
+          <a:p>
+            <a:pPr algn="ctr"/>
+            <a:endParaRPr lang="en-US" b="1"/>
+          </a:p>
+        </p:txBody>
+      </p:sp>
+      <p:sp>
+        <p:nvSpPr>
+          <p:cNvPr id="41" name="Arrow: Right 40">
+            <a:extLst>
+              <a:ext uri="{FF2B5EF4-FFF2-40B4-BE49-F238E27FC236}">
+                <a16:creationId xmlns:a16="http://schemas.microsoft.com/office/drawing/2014/main" id="{1F266BDD-9682-4E5C-8F12-DF3CA91EABF0}"/>
+              </a:ext>
+            </a:extLst>
+          </p:cNvPr>
+          <p:cNvSpPr/>
+          <p:nvPr/>
+        </p:nvSpPr>
+        <p:spPr>
+          <a:xfrm rot="16200000">
+            <a:off x="966848" y="3447437"/>
+            <a:ext cx="2790838" cy="236770"/>
+          </a:xfrm>
+          <a:prstGeom prst="rightArrow">
+            <a:avLst/>
+          </a:prstGeom>
+        </p:spPr>
+        <p:style>
+          <a:lnRef idx="2">
+            <a:schemeClr val="accent1">
+              <a:shade val="50000"/>
+            </a:schemeClr>
+          </a:lnRef>
+          <a:fillRef idx="1">
+            <a:schemeClr val="accent1"/>
+          </a:fillRef>
+          <a:effectRef idx="0">
+            <a:schemeClr val="accent1"/>
+          </a:effectRef>
+          <a:fontRef idx="minor">
+            <a:schemeClr val="lt1"/>
+          </a:fontRef>
+        </p:style>
+        <p:txBody>
+          <a:bodyPr rtlCol="0" anchor="ctr"/>
+          <a:lstStyle/>
+          <a:p>
+            <a:pPr algn="ctr"/>
+            <a:endParaRPr lang="en-US" b="1"/>
+          </a:p>
+        </p:txBody>
+      </p:sp>
+      <p:sp>
+        <p:nvSpPr>
           <p:cNvPr id="2" name="Title 1">
             <a:extLst>
               <a:ext uri="{FF2B5EF4-FFF2-40B4-BE49-F238E27FC236}">
-                <a16:creationId xmlns:a16="http://schemas.microsoft.com/office/drawing/2014/main" id="{00C29119-EB12-4B2B-BF70-415E235B92E2}"/>
+                <a16:creationId xmlns:a16="http://schemas.microsoft.com/office/drawing/2014/main" id="{8BE68CD8-005F-40A5-A672-48E7D4D9863A}"/>
               </a:ext>
             </a:extLst>
           </p:cNvPr>
@@ -23074,49 +23390,23 @@
             <p:ph type="title"/>
           </p:nvPr>
         </p:nvSpPr>
-        <p:spPr/>
-        <p:txBody>
-          <a:bodyPr/>
-          <a:lstStyle/>
-          <a:p>
-            <a:r>
-              <a:rPr lang="en-US" dirty="0"/>
-              <a:t>Overview of Key ML Methods/Terms </a:t>
-            </a:r>
-          </a:p>
-        </p:txBody>
-      </p:sp>
-      <p:sp>
-        <p:nvSpPr>
-          <p:cNvPr id="3" name="Content Placeholder 2">
-            <a:extLst>
-              <a:ext uri="{FF2B5EF4-FFF2-40B4-BE49-F238E27FC236}">
-                <a16:creationId xmlns:a16="http://schemas.microsoft.com/office/drawing/2014/main" id="{7D9C13FB-F3EB-4BC0-B130-143DCC8FEBB4}"/>
-              </a:ext>
-            </a:extLst>
-          </p:cNvPr>
-          <p:cNvSpPr>
-            <a:spLocks noGrp="1"/>
-          </p:cNvSpPr>
-          <p:nvPr>
-            <p:ph idx="1"/>
-          </p:nvPr>
-        </p:nvSpPr>
         <p:spPr>
           <a:xfrm>
-            <a:off x="80554" y="804930"/>
-            <a:ext cx="10515600" cy="5248208"/>
+            <a:off x="1036708" y="-8394"/>
+            <a:ext cx="9709248" cy="731520"/>
           </a:xfrm>
         </p:spPr>
         <p:txBody>
-          <a:bodyPr>
-            <a:normAutofit/>
-          </a:bodyPr>
-          <a:lstStyle/>
-          <a:p>
-            <a:r>
-              <a:rPr lang="en-US" dirty="0"/>
-              <a:t># Feature Engineering – Combining or exploring different levels of variable that best work in your model. Likely going to dedicate a week to just this topic.  </a:t>
+          <a:bodyPr/>
+          <a:lstStyle/>
+          <a:p>
+            <a:pPr algn="ctr"/>
+            <a:r>
+              <a:rPr lang="en-US" dirty="0">
+                <a:latin typeface="Aharoni" panose="02010803020104030203" pitchFamily="2" charset="-79"/>
+                <a:cs typeface="Aharoni" panose="02010803020104030203" pitchFamily="2" charset="-79"/>
+              </a:rPr>
+              <a:t>Brian’s Version of Data Science Lifecycle</a:t>
             </a:r>
           </a:p>
         </p:txBody>
@@ -23126,7 +23416,7 @@
           <p:cNvPr id="4" name="Slide Number Placeholder 3">
             <a:extLst>
               <a:ext uri="{FF2B5EF4-FFF2-40B4-BE49-F238E27FC236}">
-                <a16:creationId xmlns:a16="http://schemas.microsoft.com/office/drawing/2014/main" id="{D92C9808-45ED-4122-BCBD-B3884450838E}"/>
+                <a16:creationId xmlns:a16="http://schemas.microsoft.com/office/drawing/2014/main" id="{383701AC-B6F2-46AD-A8C8-58A5866B969D}"/>
               </a:ext>
             </a:extLst>
           </p:cNvPr>
@@ -23147,20 +23437,1844 @@
               <a:pPr/>
               <a:t>46</a:t>
             </a:fld>
-            <a:endParaRPr lang="en-US"/>
+            <a:endParaRPr lang="en-US" dirty="0"/>
+          </a:p>
+        </p:txBody>
+      </p:sp>
+      <p:sp>
+        <p:nvSpPr>
+          <p:cNvPr id="7" name="Rectangle: Rounded Corners 6">
+            <a:extLst>
+              <a:ext uri="{FF2B5EF4-FFF2-40B4-BE49-F238E27FC236}">
+                <a16:creationId xmlns:a16="http://schemas.microsoft.com/office/drawing/2014/main" id="{8132E6D0-5FFE-4E6C-B597-CB362A1D87B6}"/>
+              </a:ext>
+            </a:extLst>
+          </p:cNvPr>
+          <p:cNvSpPr/>
+          <p:nvPr/>
+        </p:nvSpPr>
+        <p:spPr>
+          <a:xfrm>
+            <a:off x="1561929" y="3346410"/>
+            <a:ext cx="1610940" cy="667451"/>
+          </a:xfrm>
+          <a:prstGeom prst="roundRect">
+            <a:avLst/>
+          </a:prstGeom>
+        </p:spPr>
+        <p:style>
+          <a:lnRef idx="2">
+            <a:schemeClr val="accent2">
+              <a:shade val="50000"/>
+            </a:schemeClr>
+          </a:lnRef>
+          <a:fillRef idx="1">
+            <a:schemeClr val="accent2"/>
+          </a:fillRef>
+          <a:effectRef idx="0">
+            <a:schemeClr val="accent2"/>
+          </a:effectRef>
+          <a:fontRef idx="minor">
+            <a:schemeClr val="lt1"/>
+          </a:fontRef>
+        </p:style>
+        <p:txBody>
+          <a:bodyPr rtlCol="0" anchor="ctr"/>
+          <a:lstStyle/>
+          <a:p>
+            <a:pPr algn="ctr"/>
+            <a:r>
+              <a:rPr lang="en-US" b="1" dirty="0"/>
+              <a:t>Question ID</a:t>
+            </a:r>
+          </a:p>
+        </p:txBody>
+      </p:sp>
+      <p:sp>
+        <p:nvSpPr>
+          <p:cNvPr id="8" name="Rectangle: Rounded Corners 7">
+            <a:extLst>
+              <a:ext uri="{FF2B5EF4-FFF2-40B4-BE49-F238E27FC236}">
+                <a16:creationId xmlns:a16="http://schemas.microsoft.com/office/drawing/2014/main" id="{18974549-313B-4C60-9BCE-BDFEB28E1CEF}"/>
+              </a:ext>
+            </a:extLst>
+          </p:cNvPr>
+          <p:cNvSpPr/>
+          <p:nvPr/>
+        </p:nvSpPr>
+        <p:spPr>
+          <a:xfrm>
+            <a:off x="1561929" y="4295535"/>
+            <a:ext cx="1610940" cy="667451"/>
+          </a:xfrm>
+          <a:prstGeom prst="roundRect">
+            <a:avLst/>
+          </a:prstGeom>
+        </p:spPr>
+        <p:style>
+          <a:lnRef idx="2">
+            <a:schemeClr val="accent1">
+              <a:shade val="50000"/>
+            </a:schemeClr>
+          </a:lnRef>
+          <a:fillRef idx="1">
+            <a:schemeClr val="accent1"/>
+          </a:fillRef>
+          <a:effectRef idx="0">
+            <a:schemeClr val="accent1"/>
+          </a:effectRef>
+          <a:fontRef idx="minor">
+            <a:schemeClr val="lt1"/>
+          </a:fontRef>
+        </p:style>
+        <p:txBody>
+          <a:bodyPr rtlCol="0" anchor="ctr"/>
+          <a:lstStyle/>
+          <a:p>
+            <a:pPr algn="ctr"/>
+            <a:r>
+              <a:rPr lang="en-US" sz="1750" b="1" dirty="0"/>
+              <a:t>Business Understanding</a:t>
+            </a:r>
+          </a:p>
+        </p:txBody>
+      </p:sp>
+      <p:sp>
+        <p:nvSpPr>
+          <p:cNvPr id="9" name="Rectangle: Rounded Corners 8">
+            <a:extLst>
+              <a:ext uri="{FF2B5EF4-FFF2-40B4-BE49-F238E27FC236}">
+                <a16:creationId xmlns:a16="http://schemas.microsoft.com/office/drawing/2014/main" id="{EE604398-D55E-4AC2-9A50-01A9084A912E}"/>
+              </a:ext>
+            </a:extLst>
+          </p:cNvPr>
+          <p:cNvSpPr/>
+          <p:nvPr/>
+        </p:nvSpPr>
+        <p:spPr>
+          <a:xfrm>
+            <a:off x="1538049" y="1476029"/>
+            <a:ext cx="1610940" cy="667451"/>
+          </a:xfrm>
+          <a:prstGeom prst="roundRect">
+            <a:avLst/>
+          </a:prstGeom>
+          <a:solidFill>
+            <a:srgbClr val="FF0000"/>
+          </a:solidFill>
+        </p:spPr>
+        <p:style>
+          <a:lnRef idx="2">
+            <a:schemeClr val="accent2">
+              <a:shade val="50000"/>
+            </a:schemeClr>
+          </a:lnRef>
+          <a:fillRef idx="1">
+            <a:schemeClr val="accent2"/>
+          </a:fillRef>
+          <a:effectRef idx="0">
+            <a:schemeClr val="accent2"/>
+          </a:effectRef>
+          <a:fontRef idx="minor">
+            <a:schemeClr val="lt1"/>
+          </a:fontRef>
+        </p:style>
+        <p:txBody>
+          <a:bodyPr rtlCol="0" anchor="ctr"/>
+          <a:lstStyle/>
+          <a:p>
+            <a:pPr algn="ctr"/>
+            <a:r>
+              <a:rPr lang="en-US" sz="1600" b="1" dirty="0"/>
+              <a:t>Data Acquisition/ Representation</a:t>
+            </a:r>
+          </a:p>
+        </p:txBody>
+      </p:sp>
+      <p:sp>
+        <p:nvSpPr>
+          <p:cNvPr id="11" name="Rectangle: Rounded Corners 10">
+            <a:extLst>
+              <a:ext uri="{FF2B5EF4-FFF2-40B4-BE49-F238E27FC236}">
+                <a16:creationId xmlns:a16="http://schemas.microsoft.com/office/drawing/2014/main" id="{A6258711-E7C8-4F91-A98B-A681D3EB9BAE}"/>
+              </a:ext>
+            </a:extLst>
+          </p:cNvPr>
+          <p:cNvSpPr/>
+          <p:nvPr/>
+        </p:nvSpPr>
+        <p:spPr>
+          <a:xfrm>
+            <a:off x="6872288" y="1504779"/>
+            <a:ext cx="1610940" cy="667451"/>
+          </a:xfrm>
+          <a:prstGeom prst="roundRect">
+            <a:avLst/>
+          </a:prstGeom>
+        </p:spPr>
+        <p:style>
+          <a:lnRef idx="2">
+            <a:schemeClr val="accent2">
+              <a:shade val="50000"/>
+            </a:schemeClr>
+          </a:lnRef>
+          <a:fillRef idx="1">
+            <a:schemeClr val="accent2"/>
+          </a:fillRef>
+          <a:effectRef idx="0">
+            <a:schemeClr val="accent2"/>
+          </a:effectRef>
+          <a:fontRef idx="minor">
+            <a:schemeClr val="lt1"/>
+          </a:fontRef>
+        </p:style>
+        <p:txBody>
+          <a:bodyPr rtlCol="0" anchor="ctr"/>
+          <a:lstStyle/>
+          <a:p>
+            <a:pPr algn="ctr"/>
+            <a:r>
+              <a:rPr lang="en-US" b="1" dirty="0"/>
+              <a:t>Initial Model</a:t>
+            </a:r>
+          </a:p>
+          <a:p>
+            <a:pPr algn="ctr"/>
+            <a:r>
+              <a:rPr lang="en-US" b="1" dirty="0"/>
+              <a:t>Evaluation</a:t>
+            </a:r>
+          </a:p>
+        </p:txBody>
+      </p:sp>
+      <p:sp>
+        <p:nvSpPr>
+          <p:cNvPr id="12" name="Rectangle: Rounded Corners 11">
+            <a:extLst>
+              <a:ext uri="{FF2B5EF4-FFF2-40B4-BE49-F238E27FC236}">
+                <a16:creationId xmlns:a16="http://schemas.microsoft.com/office/drawing/2014/main" id="{A6F9BAF6-781F-473F-9EDC-37AE1902159A}"/>
+              </a:ext>
+            </a:extLst>
+          </p:cNvPr>
+          <p:cNvSpPr/>
+          <p:nvPr/>
+        </p:nvSpPr>
+        <p:spPr>
+          <a:xfrm>
+            <a:off x="3385056" y="1493434"/>
+            <a:ext cx="1610940" cy="667451"/>
+          </a:xfrm>
+          <a:prstGeom prst="roundRect">
+            <a:avLst/>
+          </a:prstGeom>
+          <a:solidFill>
+            <a:srgbClr val="FF0000"/>
+          </a:solidFill>
+        </p:spPr>
+        <p:style>
+          <a:lnRef idx="2">
+            <a:schemeClr val="accent6">
+              <a:shade val="50000"/>
+            </a:schemeClr>
+          </a:lnRef>
+          <a:fillRef idx="1">
+            <a:schemeClr val="accent6"/>
+          </a:fillRef>
+          <a:effectRef idx="0">
+            <a:schemeClr val="accent6"/>
+          </a:effectRef>
+          <a:fontRef idx="minor">
+            <a:schemeClr val="lt1"/>
+          </a:fontRef>
+        </p:style>
+        <p:txBody>
+          <a:bodyPr rtlCol="0" anchor="ctr"/>
+          <a:lstStyle/>
+          <a:p>
+            <a:pPr algn="ctr"/>
+            <a:r>
+              <a:rPr lang="en-US" sz="1600" b="1" dirty="0"/>
+              <a:t>Data Understanding - EDA</a:t>
+            </a:r>
+          </a:p>
+        </p:txBody>
+      </p:sp>
+      <p:sp>
+        <p:nvSpPr>
+          <p:cNvPr id="15" name="Rectangle: Rounded Corners 14">
+            <a:extLst>
+              <a:ext uri="{FF2B5EF4-FFF2-40B4-BE49-F238E27FC236}">
+                <a16:creationId xmlns:a16="http://schemas.microsoft.com/office/drawing/2014/main" id="{B2D07150-68D8-4102-BDA6-D5DE4F3374BA}"/>
+              </a:ext>
+            </a:extLst>
+          </p:cNvPr>
+          <p:cNvSpPr/>
+          <p:nvPr/>
+        </p:nvSpPr>
+        <p:spPr>
+          <a:xfrm>
+            <a:off x="5171947" y="1493433"/>
+            <a:ext cx="1610940" cy="667451"/>
+          </a:xfrm>
+          <a:prstGeom prst="roundRect">
+            <a:avLst/>
+          </a:prstGeom>
+        </p:spPr>
+        <p:style>
+          <a:lnRef idx="2">
+            <a:schemeClr val="accent6">
+              <a:shade val="50000"/>
+            </a:schemeClr>
+          </a:lnRef>
+          <a:fillRef idx="1">
+            <a:schemeClr val="accent6"/>
+          </a:fillRef>
+          <a:effectRef idx="0">
+            <a:schemeClr val="accent6"/>
+          </a:effectRef>
+          <a:fontRef idx="minor">
+            <a:schemeClr val="lt1"/>
+          </a:fontRef>
+        </p:style>
+        <p:txBody>
+          <a:bodyPr rtlCol="0" anchor="ctr"/>
+          <a:lstStyle/>
+          <a:p>
+            <a:pPr algn="ctr"/>
+            <a:r>
+              <a:rPr lang="en-US" sz="1600" b="1" dirty="0"/>
+              <a:t>Initial Model(s) Building</a:t>
+            </a:r>
+          </a:p>
+        </p:txBody>
+      </p:sp>
+      <p:sp>
+        <p:nvSpPr>
+          <p:cNvPr id="16" name="Rectangle: Rounded Corners 15">
+            <a:extLst>
+              <a:ext uri="{FF2B5EF4-FFF2-40B4-BE49-F238E27FC236}">
+                <a16:creationId xmlns:a16="http://schemas.microsoft.com/office/drawing/2014/main" id="{EB58804A-3DBD-4112-B504-0642C765F24B}"/>
+              </a:ext>
+            </a:extLst>
+          </p:cNvPr>
+          <p:cNvSpPr/>
+          <p:nvPr/>
+        </p:nvSpPr>
+        <p:spPr>
+          <a:xfrm>
+            <a:off x="1538049" y="2445704"/>
+            <a:ext cx="1610940" cy="667451"/>
+          </a:xfrm>
+          <a:prstGeom prst="roundRect">
+            <a:avLst/>
+          </a:prstGeom>
+        </p:spPr>
+        <p:style>
+          <a:lnRef idx="2">
+            <a:schemeClr val="accent2">
+              <a:shade val="50000"/>
+            </a:schemeClr>
+          </a:lnRef>
+          <a:fillRef idx="1">
+            <a:schemeClr val="accent2"/>
+          </a:fillRef>
+          <a:effectRef idx="0">
+            <a:schemeClr val="accent2"/>
+          </a:effectRef>
+          <a:fontRef idx="minor">
+            <a:schemeClr val="lt1"/>
+          </a:fontRef>
+        </p:style>
+        <p:txBody>
+          <a:bodyPr rtlCol="0" anchor="ctr"/>
+          <a:lstStyle/>
+          <a:p>
+            <a:pPr algn="ctr"/>
+            <a:r>
+              <a:rPr lang="en-US" sz="1600" b="1" dirty="0"/>
+              <a:t>Evaluation Criteria/Value Metric </a:t>
+            </a:r>
+          </a:p>
+        </p:txBody>
+      </p:sp>
+      <p:sp>
+        <p:nvSpPr>
+          <p:cNvPr id="17" name="Rectangle: Rounded Corners 16">
+            <a:extLst>
+              <a:ext uri="{FF2B5EF4-FFF2-40B4-BE49-F238E27FC236}">
+                <a16:creationId xmlns:a16="http://schemas.microsoft.com/office/drawing/2014/main" id="{065FA721-959C-41C6-A252-DA46782D635D}"/>
+              </a:ext>
+            </a:extLst>
+          </p:cNvPr>
+          <p:cNvSpPr/>
+          <p:nvPr/>
+        </p:nvSpPr>
+        <p:spPr>
+          <a:xfrm>
+            <a:off x="8832682" y="1504779"/>
+            <a:ext cx="1610940" cy="667451"/>
+          </a:xfrm>
+          <a:prstGeom prst="roundRect">
+            <a:avLst/>
+          </a:prstGeom>
+        </p:spPr>
+        <p:style>
+          <a:lnRef idx="2">
+            <a:schemeClr val="accent6">
+              <a:shade val="50000"/>
+            </a:schemeClr>
+          </a:lnRef>
+          <a:fillRef idx="1">
+            <a:schemeClr val="accent6"/>
+          </a:fillRef>
+          <a:effectRef idx="0">
+            <a:schemeClr val="accent6"/>
+          </a:effectRef>
+          <a:fontRef idx="minor">
+            <a:schemeClr val="lt1"/>
+          </a:fontRef>
+        </p:style>
+        <p:txBody>
+          <a:bodyPr rtlCol="0" anchor="ctr"/>
+          <a:lstStyle/>
+          <a:p>
+            <a:pPr algn="ctr"/>
+            <a:r>
+              <a:rPr lang="en-US" sz="1600" b="1" dirty="0"/>
+              <a:t>Model Creation &amp; Training </a:t>
+            </a:r>
+          </a:p>
+        </p:txBody>
+      </p:sp>
+      <p:sp>
+        <p:nvSpPr>
+          <p:cNvPr id="18" name="Rectangle: Rounded Corners 17">
+            <a:extLst>
+              <a:ext uri="{FF2B5EF4-FFF2-40B4-BE49-F238E27FC236}">
+                <a16:creationId xmlns:a16="http://schemas.microsoft.com/office/drawing/2014/main" id="{1C6F63F8-239D-42C8-B09E-5FEF25B5514E}"/>
+              </a:ext>
+            </a:extLst>
+          </p:cNvPr>
+          <p:cNvSpPr/>
+          <p:nvPr/>
+        </p:nvSpPr>
+        <p:spPr>
+          <a:xfrm>
+            <a:off x="8890914" y="2369737"/>
+            <a:ext cx="1610940" cy="739334"/>
+          </a:xfrm>
+          <a:prstGeom prst="roundRect">
+            <a:avLst/>
+          </a:prstGeom>
+        </p:spPr>
+        <p:style>
+          <a:lnRef idx="2">
+            <a:schemeClr val="accent2">
+              <a:shade val="50000"/>
+            </a:schemeClr>
+          </a:lnRef>
+          <a:fillRef idx="1">
+            <a:schemeClr val="accent2"/>
+          </a:fillRef>
+          <a:effectRef idx="0">
+            <a:schemeClr val="accent2"/>
+          </a:effectRef>
+          <a:fontRef idx="minor">
+            <a:schemeClr val="lt1"/>
+          </a:fontRef>
+        </p:style>
+        <p:txBody>
+          <a:bodyPr rtlCol="0" anchor="ctr"/>
+          <a:lstStyle/>
+          <a:p>
+            <a:pPr algn="ctr"/>
+            <a:r>
+              <a:rPr lang="en-US" sz="1600" b="1" dirty="0"/>
+              <a:t>Feature Engineering and Evaluation</a:t>
+            </a:r>
+          </a:p>
+        </p:txBody>
+      </p:sp>
+      <p:sp>
+        <p:nvSpPr>
+          <p:cNvPr id="19" name="Rectangle: Rounded Corners 18">
+            <a:extLst>
+              <a:ext uri="{FF2B5EF4-FFF2-40B4-BE49-F238E27FC236}">
+                <a16:creationId xmlns:a16="http://schemas.microsoft.com/office/drawing/2014/main" id="{32BDDAD9-B118-4A34-A882-B57BD4A1F47C}"/>
+              </a:ext>
+            </a:extLst>
+          </p:cNvPr>
+          <p:cNvSpPr/>
+          <p:nvPr/>
+        </p:nvSpPr>
+        <p:spPr>
+          <a:xfrm>
+            <a:off x="8907208" y="3329558"/>
+            <a:ext cx="1610940" cy="739334"/>
+          </a:xfrm>
+          <a:prstGeom prst="roundRect">
+            <a:avLst/>
+          </a:prstGeom>
+        </p:spPr>
+        <p:style>
+          <a:lnRef idx="2">
+            <a:schemeClr val="accent6">
+              <a:shade val="50000"/>
+            </a:schemeClr>
+          </a:lnRef>
+          <a:fillRef idx="1">
+            <a:schemeClr val="accent6"/>
+          </a:fillRef>
+          <a:effectRef idx="0">
+            <a:schemeClr val="accent6"/>
+          </a:effectRef>
+          <a:fontRef idx="minor">
+            <a:schemeClr val="lt1"/>
+          </a:fontRef>
+        </p:style>
+        <p:txBody>
+          <a:bodyPr rtlCol="0" anchor="ctr"/>
+          <a:lstStyle/>
+          <a:p>
+            <a:pPr algn="ctr"/>
+            <a:r>
+              <a:rPr lang="en-US" sz="1600" b="1" dirty="0"/>
+              <a:t>Final Model Development</a:t>
+            </a:r>
+          </a:p>
+        </p:txBody>
+      </p:sp>
+      <p:cxnSp>
+        <p:nvCxnSpPr>
+          <p:cNvPr id="21" name="Connector: Elbow 20">
+            <a:extLst>
+              <a:ext uri="{FF2B5EF4-FFF2-40B4-BE49-F238E27FC236}">
+                <a16:creationId xmlns:a16="http://schemas.microsoft.com/office/drawing/2014/main" id="{D03B33D7-D401-4E81-A692-337E50ED4C5C}"/>
+              </a:ext>
+            </a:extLst>
+          </p:cNvPr>
+          <p:cNvCxnSpPr>
+            <a:stCxn id="18" idx="3"/>
+            <a:endCxn id="17" idx="3"/>
+          </p:cNvCxnSpPr>
+          <p:nvPr/>
+        </p:nvCxnSpPr>
+        <p:spPr>
+          <a:xfrm flipH="1" flipV="1">
+            <a:off x="10443622" y="1838505"/>
+            <a:ext cx="58232" cy="900899"/>
+          </a:xfrm>
+          <a:prstGeom prst="bentConnector3">
+            <a:avLst>
+              <a:gd name="adj1" fmla="val -392568"/>
+            </a:avLst>
+          </a:prstGeom>
+          <a:ln>
+            <a:tailEnd type="triangle"/>
+          </a:ln>
+        </p:spPr>
+        <p:style>
+          <a:lnRef idx="2">
+            <a:schemeClr val="accent4"/>
+          </a:lnRef>
+          <a:fillRef idx="0">
+            <a:schemeClr val="accent4"/>
+          </a:fillRef>
+          <a:effectRef idx="1">
+            <a:schemeClr val="accent4"/>
+          </a:effectRef>
+          <a:fontRef idx="minor">
+            <a:schemeClr val="tx1"/>
+          </a:fontRef>
+        </p:style>
+      </p:cxnSp>
+      <p:cxnSp>
+        <p:nvCxnSpPr>
+          <p:cNvPr id="23" name="Connector: Elbow 22">
+            <a:extLst>
+              <a:ext uri="{FF2B5EF4-FFF2-40B4-BE49-F238E27FC236}">
+                <a16:creationId xmlns:a16="http://schemas.microsoft.com/office/drawing/2014/main" id="{2DBAA230-32B8-4994-8182-FFF941A80462}"/>
+              </a:ext>
+            </a:extLst>
+          </p:cNvPr>
+          <p:cNvCxnSpPr>
+            <a:stCxn id="17" idx="1"/>
+            <a:endCxn id="18" idx="1"/>
+          </p:cNvCxnSpPr>
+          <p:nvPr/>
+        </p:nvCxnSpPr>
+        <p:spPr>
+          <a:xfrm rot="10800000" flipH="1" flipV="1">
+            <a:off x="8832682" y="1838504"/>
+            <a:ext cx="58232" cy="900899"/>
+          </a:xfrm>
+          <a:prstGeom prst="bentConnector3">
+            <a:avLst>
+              <a:gd name="adj1" fmla="val -392568"/>
+            </a:avLst>
+          </a:prstGeom>
+          <a:ln>
+            <a:tailEnd type="triangle"/>
+          </a:ln>
+        </p:spPr>
+        <p:style>
+          <a:lnRef idx="3">
+            <a:schemeClr val="accent4"/>
+          </a:lnRef>
+          <a:fillRef idx="0">
+            <a:schemeClr val="accent4"/>
+          </a:fillRef>
+          <a:effectRef idx="2">
+            <a:schemeClr val="accent4"/>
+          </a:effectRef>
+          <a:fontRef idx="minor">
+            <a:schemeClr val="tx1"/>
+          </a:fontRef>
+        </p:style>
+      </p:cxnSp>
+      <p:cxnSp>
+        <p:nvCxnSpPr>
+          <p:cNvPr id="26" name="Connector: Elbow 25">
+            <a:extLst>
+              <a:ext uri="{FF2B5EF4-FFF2-40B4-BE49-F238E27FC236}">
+                <a16:creationId xmlns:a16="http://schemas.microsoft.com/office/drawing/2014/main" id="{24B78FA5-50B6-43F8-AA56-774F960AC137}"/>
+              </a:ext>
+            </a:extLst>
+          </p:cNvPr>
+          <p:cNvCxnSpPr>
+            <a:stCxn id="15" idx="2"/>
+            <a:endCxn id="11" idx="2"/>
+          </p:cNvCxnSpPr>
+          <p:nvPr/>
+        </p:nvCxnSpPr>
+        <p:spPr>
+          <a:xfrm rot="16200000" flipH="1">
+            <a:off x="6821914" y="1316386"/>
+            <a:ext cx="11346" cy="1700341"/>
+          </a:xfrm>
+          <a:prstGeom prst="bentConnector3">
+            <a:avLst>
+              <a:gd name="adj1" fmla="val 2114807"/>
+            </a:avLst>
+          </a:prstGeom>
+          <a:ln>
+            <a:tailEnd type="triangle"/>
+          </a:ln>
+        </p:spPr>
+        <p:style>
+          <a:lnRef idx="2">
+            <a:schemeClr val="accent2"/>
+          </a:lnRef>
+          <a:fillRef idx="0">
+            <a:schemeClr val="accent2"/>
+          </a:fillRef>
+          <a:effectRef idx="1">
+            <a:schemeClr val="accent2"/>
+          </a:effectRef>
+          <a:fontRef idx="minor">
+            <a:schemeClr val="tx1"/>
+          </a:fontRef>
+        </p:style>
+      </p:cxnSp>
+      <p:cxnSp>
+        <p:nvCxnSpPr>
+          <p:cNvPr id="28" name="Connector: Elbow 27">
+            <a:extLst>
+              <a:ext uri="{FF2B5EF4-FFF2-40B4-BE49-F238E27FC236}">
+                <a16:creationId xmlns:a16="http://schemas.microsoft.com/office/drawing/2014/main" id="{A9738A36-AEF1-49F1-9FDA-54CBB1FE9184}"/>
+              </a:ext>
+            </a:extLst>
+          </p:cNvPr>
+          <p:cNvCxnSpPr>
+            <a:stCxn id="11" idx="0"/>
+            <a:endCxn id="15" idx="0"/>
+          </p:cNvCxnSpPr>
+          <p:nvPr/>
+        </p:nvCxnSpPr>
+        <p:spPr>
+          <a:xfrm rot="16200000" flipV="1">
+            <a:off x="6821915" y="648935"/>
+            <a:ext cx="11346" cy="1700341"/>
+          </a:xfrm>
+          <a:prstGeom prst="bentConnector3">
+            <a:avLst>
+              <a:gd name="adj1" fmla="val 2114807"/>
+            </a:avLst>
+          </a:prstGeom>
+          <a:ln>
+            <a:tailEnd type="triangle"/>
+          </a:ln>
+        </p:spPr>
+        <p:style>
+          <a:lnRef idx="2">
+            <a:schemeClr val="accent2"/>
+          </a:lnRef>
+          <a:fillRef idx="0">
+            <a:schemeClr val="accent2"/>
+          </a:fillRef>
+          <a:effectRef idx="1">
+            <a:schemeClr val="accent2"/>
+          </a:effectRef>
+          <a:fontRef idx="minor">
+            <a:schemeClr val="tx1"/>
+          </a:fontRef>
+        </p:style>
+      </p:cxnSp>
+      <p:sp>
+        <p:nvSpPr>
+          <p:cNvPr id="32" name="Rectangle: Rounded Corners 31">
+            <a:extLst>
+              <a:ext uri="{FF2B5EF4-FFF2-40B4-BE49-F238E27FC236}">
+                <a16:creationId xmlns:a16="http://schemas.microsoft.com/office/drawing/2014/main" id="{7762EAC7-0534-462B-BF89-010FE3796A4E}"/>
+              </a:ext>
+            </a:extLst>
+          </p:cNvPr>
+          <p:cNvSpPr/>
+          <p:nvPr/>
+        </p:nvSpPr>
+        <p:spPr>
+          <a:xfrm>
+            <a:off x="4974433" y="3197530"/>
+            <a:ext cx="1610940" cy="667451"/>
+          </a:xfrm>
+          <a:prstGeom prst="roundRect">
+            <a:avLst/>
+          </a:prstGeom>
+          <a:solidFill>
+            <a:srgbClr val="FF0000"/>
+          </a:solidFill>
+        </p:spPr>
+        <p:style>
+          <a:lnRef idx="2">
+            <a:schemeClr val="accent6">
+              <a:shade val="50000"/>
+            </a:schemeClr>
+          </a:lnRef>
+          <a:fillRef idx="1">
+            <a:schemeClr val="accent6"/>
+          </a:fillRef>
+          <a:effectRef idx="0">
+            <a:schemeClr val="accent6"/>
+          </a:effectRef>
+          <a:fontRef idx="minor">
+            <a:schemeClr val="lt1"/>
+          </a:fontRef>
+        </p:style>
+        <p:txBody>
+          <a:bodyPr rtlCol="0" anchor="ctr"/>
+          <a:lstStyle/>
+          <a:p>
+            <a:pPr algn="ctr"/>
+            <a:r>
+              <a:rPr lang="en-US" b="1" dirty="0"/>
+              <a:t>Model Deployment</a:t>
+            </a:r>
+          </a:p>
+        </p:txBody>
+      </p:sp>
+      <p:sp>
+        <p:nvSpPr>
+          <p:cNvPr id="33" name="Rectangle: Rounded Corners 32">
+            <a:extLst>
+              <a:ext uri="{FF2B5EF4-FFF2-40B4-BE49-F238E27FC236}">
+                <a16:creationId xmlns:a16="http://schemas.microsoft.com/office/drawing/2014/main" id="{B8D773ED-BBB4-4D56-83F2-A1DD2BCA9394}"/>
+              </a:ext>
+            </a:extLst>
+          </p:cNvPr>
+          <p:cNvSpPr/>
+          <p:nvPr/>
+        </p:nvSpPr>
+        <p:spPr>
+          <a:xfrm>
+            <a:off x="3910013" y="4002571"/>
+            <a:ext cx="1610940" cy="739334"/>
+          </a:xfrm>
+          <a:prstGeom prst="roundRect">
+            <a:avLst/>
+          </a:prstGeom>
+        </p:spPr>
+        <p:style>
+          <a:lnRef idx="2">
+            <a:schemeClr val="accent6">
+              <a:shade val="50000"/>
+            </a:schemeClr>
+          </a:lnRef>
+          <a:fillRef idx="1">
+            <a:schemeClr val="accent6"/>
+          </a:fillRef>
+          <a:effectRef idx="0">
+            <a:schemeClr val="accent6"/>
+          </a:effectRef>
+          <a:fontRef idx="minor">
+            <a:schemeClr val="lt1"/>
+          </a:fontRef>
+        </p:style>
+        <p:txBody>
+          <a:bodyPr rtlCol="0" anchor="ctr"/>
+          <a:lstStyle/>
+          <a:p>
+            <a:pPr algn="ctr"/>
+            <a:r>
+              <a:rPr lang="en-US" b="1" dirty="0"/>
+              <a:t>Data Drift Analysis</a:t>
+            </a:r>
+          </a:p>
+        </p:txBody>
+      </p:sp>
+      <p:sp>
+        <p:nvSpPr>
+          <p:cNvPr id="34" name="Rectangle: Rounded Corners 33">
+            <a:extLst>
+              <a:ext uri="{FF2B5EF4-FFF2-40B4-BE49-F238E27FC236}">
+                <a16:creationId xmlns:a16="http://schemas.microsoft.com/office/drawing/2014/main" id="{BD2906E5-25C0-4280-97C2-3444F49130A1}"/>
+              </a:ext>
+            </a:extLst>
+          </p:cNvPr>
+          <p:cNvSpPr/>
+          <p:nvPr/>
+        </p:nvSpPr>
+        <p:spPr>
+          <a:xfrm>
+            <a:off x="5896193" y="4002570"/>
+            <a:ext cx="1610940" cy="739334"/>
+          </a:xfrm>
+          <a:prstGeom prst="roundRect">
+            <a:avLst/>
+          </a:prstGeom>
+        </p:spPr>
+        <p:style>
+          <a:lnRef idx="2">
+            <a:schemeClr val="accent2">
+              <a:shade val="50000"/>
+            </a:schemeClr>
+          </a:lnRef>
+          <a:fillRef idx="1">
+            <a:schemeClr val="accent2"/>
+          </a:fillRef>
+          <a:effectRef idx="0">
+            <a:schemeClr val="accent2"/>
+          </a:effectRef>
+          <a:fontRef idx="minor">
+            <a:schemeClr val="lt1"/>
+          </a:fontRef>
+        </p:style>
+        <p:txBody>
+          <a:bodyPr rtlCol="0" anchor="ctr"/>
+          <a:lstStyle/>
+          <a:p>
+            <a:pPr algn="ctr"/>
+            <a:r>
+              <a:rPr lang="en-US" sz="1250" b="1" dirty="0"/>
+              <a:t>Model Performance – Evaluation Value Metric</a:t>
+            </a:r>
+          </a:p>
+        </p:txBody>
+      </p:sp>
+      <p:sp>
+        <p:nvSpPr>
+          <p:cNvPr id="35" name="Rectangle: Rounded Corners 34">
+            <a:extLst>
+              <a:ext uri="{FF2B5EF4-FFF2-40B4-BE49-F238E27FC236}">
+                <a16:creationId xmlns:a16="http://schemas.microsoft.com/office/drawing/2014/main" id="{F1CB4373-20C3-40C5-8781-053279E57E6B}"/>
+              </a:ext>
+            </a:extLst>
+          </p:cNvPr>
+          <p:cNvSpPr/>
+          <p:nvPr/>
+        </p:nvSpPr>
+        <p:spPr>
+          <a:xfrm>
+            <a:off x="4934760" y="4908915"/>
+            <a:ext cx="1610940" cy="739334"/>
+          </a:xfrm>
+          <a:prstGeom prst="roundRect">
+            <a:avLst/>
+          </a:prstGeom>
+        </p:spPr>
+        <p:style>
+          <a:lnRef idx="2">
+            <a:schemeClr val="accent2">
+              <a:shade val="50000"/>
+            </a:schemeClr>
+          </a:lnRef>
+          <a:fillRef idx="1">
+            <a:schemeClr val="accent2"/>
+          </a:fillRef>
+          <a:effectRef idx="0">
+            <a:schemeClr val="accent2"/>
+          </a:effectRef>
+          <a:fontRef idx="minor">
+            <a:schemeClr val="lt1"/>
+          </a:fontRef>
+        </p:style>
+        <p:txBody>
+          <a:bodyPr rtlCol="0" anchor="ctr"/>
+          <a:lstStyle/>
+          <a:p>
+            <a:pPr algn="ctr"/>
+            <a:r>
+              <a:rPr lang="en-US" sz="1400" b="1" dirty="0"/>
+              <a:t>Model Drift Analysis – Model Evaluation</a:t>
+            </a:r>
+          </a:p>
+        </p:txBody>
+      </p:sp>
+      <p:sp>
+        <p:nvSpPr>
+          <p:cNvPr id="38" name="Arrow: Curved Right 37">
+            <a:extLst>
+              <a:ext uri="{FF2B5EF4-FFF2-40B4-BE49-F238E27FC236}">
+                <a16:creationId xmlns:a16="http://schemas.microsoft.com/office/drawing/2014/main" id="{E111F11C-F617-422A-8C4A-4F846F548F57}"/>
+              </a:ext>
+            </a:extLst>
+          </p:cNvPr>
+          <p:cNvSpPr/>
+          <p:nvPr/>
+        </p:nvSpPr>
+        <p:spPr>
+          <a:xfrm>
+            <a:off x="3626403" y="3351120"/>
+            <a:ext cx="1132406" cy="2274468"/>
+          </a:xfrm>
+          <a:prstGeom prst="curvedRightArrow">
+            <a:avLst/>
+          </a:prstGeom>
+        </p:spPr>
+        <p:style>
+          <a:lnRef idx="2">
+            <a:schemeClr val="accent1">
+              <a:shade val="50000"/>
+            </a:schemeClr>
+          </a:lnRef>
+          <a:fillRef idx="1">
+            <a:schemeClr val="accent1"/>
+          </a:fillRef>
+          <a:effectRef idx="0">
+            <a:schemeClr val="accent1"/>
+          </a:effectRef>
+          <a:fontRef idx="minor">
+            <a:schemeClr val="lt1"/>
+          </a:fontRef>
+        </p:style>
+        <p:txBody>
+          <a:bodyPr rtlCol="0" anchor="ctr"/>
+          <a:lstStyle/>
+          <a:p>
+            <a:pPr algn="ctr"/>
+            <a:endParaRPr lang="en-US" b="1">
+              <a:solidFill>
+                <a:schemeClr val="tx1"/>
+              </a:solidFill>
+            </a:endParaRPr>
+          </a:p>
+        </p:txBody>
+      </p:sp>
+      <p:sp>
+        <p:nvSpPr>
+          <p:cNvPr id="39" name="Arrow: Curved Right 38">
+            <a:extLst>
+              <a:ext uri="{FF2B5EF4-FFF2-40B4-BE49-F238E27FC236}">
+                <a16:creationId xmlns:a16="http://schemas.microsoft.com/office/drawing/2014/main" id="{213230FB-7561-4448-94DA-BE1AD0838BEA}"/>
+              </a:ext>
+            </a:extLst>
+          </p:cNvPr>
+          <p:cNvSpPr/>
+          <p:nvPr/>
+        </p:nvSpPr>
+        <p:spPr>
+          <a:xfrm rot="10800000">
+            <a:off x="6761325" y="3243739"/>
+            <a:ext cx="1132406" cy="2274468"/>
+          </a:xfrm>
+          <a:prstGeom prst="curvedRightArrow">
+            <a:avLst/>
+          </a:prstGeom>
+        </p:spPr>
+        <p:style>
+          <a:lnRef idx="2">
+            <a:schemeClr val="accent1">
+              <a:shade val="50000"/>
+            </a:schemeClr>
+          </a:lnRef>
+          <a:fillRef idx="1">
+            <a:schemeClr val="accent1"/>
+          </a:fillRef>
+          <a:effectRef idx="0">
+            <a:schemeClr val="accent1"/>
+          </a:effectRef>
+          <a:fontRef idx="minor">
+            <a:schemeClr val="lt1"/>
+          </a:fontRef>
+        </p:style>
+        <p:txBody>
+          <a:bodyPr rtlCol="0" anchor="ctr"/>
+          <a:lstStyle/>
+          <a:p>
+            <a:pPr algn="ctr"/>
+            <a:endParaRPr lang="en-US" b="1">
+              <a:solidFill>
+                <a:schemeClr val="tx1"/>
+              </a:solidFill>
+            </a:endParaRPr>
+          </a:p>
+        </p:txBody>
+      </p:sp>
+      <p:cxnSp>
+        <p:nvCxnSpPr>
+          <p:cNvPr id="43" name="Connector: Elbow 42">
+            <a:extLst>
+              <a:ext uri="{FF2B5EF4-FFF2-40B4-BE49-F238E27FC236}">
+                <a16:creationId xmlns:a16="http://schemas.microsoft.com/office/drawing/2014/main" id="{755CCE56-32CD-46D1-B9AD-3D3246BDEB1C}"/>
+              </a:ext>
+            </a:extLst>
+          </p:cNvPr>
+          <p:cNvCxnSpPr>
+            <a:stCxn id="19" idx="3"/>
+            <a:endCxn id="17" idx="3"/>
+          </p:cNvCxnSpPr>
+          <p:nvPr/>
+        </p:nvCxnSpPr>
+        <p:spPr>
+          <a:xfrm flipH="1" flipV="1">
+            <a:off x="10443622" y="1838505"/>
+            <a:ext cx="74526" cy="1860720"/>
+          </a:xfrm>
+          <a:prstGeom prst="bentConnector3">
+            <a:avLst>
+              <a:gd name="adj1" fmla="val -306739"/>
+            </a:avLst>
+          </a:prstGeom>
+          <a:ln>
+            <a:tailEnd type="triangle"/>
+          </a:ln>
+        </p:spPr>
+        <p:style>
+          <a:lnRef idx="2">
+            <a:schemeClr val="accent4"/>
+          </a:lnRef>
+          <a:fillRef idx="0">
+            <a:schemeClr val="accent4"/>
+          </a:fillRef>
+          <a:effectRef idx="1">
+            <a:schemeClr val="accent4"/>
+          </a:effectRef>
+          <a:fontRef idx="minor">
+            <a:schemeClr val="tx1"/>
+          </a:fontRef>
+        </p:style>
+      </p:cxnSp>
+      <p:cxnSp>
+        <p:nvCxnSpPr>
+          <p:cNvPr id="46" name="Connector: Elbow 45">
+            <a:extLst>
+              <a:ext uri="{FF2B5EF4-FFF2-40B4-BE49-F238E27FC236}">
+                <a16:creationId xmlns:a16="http://schemas.microsoft.com/office/drawing/2014/main" id="{E2368AD1-A24A-479B-BD33-C29C95EEB6AC}"/>
+              </a:ext>
+            </a:extLst>
+          </p:cNvPr>
+          <p:cNvCxnSpPr>
+            <a:stCxn id="17" idx="1"/>
+            <a:endCxn id="19" idx="1"/>
+          </p:cNvCxnSpPr>
+          <p:nvPr/>
+        </p:nvCxnSpPr>
+        <p:spPr>
+          <a:xfrm rot="10800000" flipH="1" flipV="1">
+            <a:off x="8832682" y="1838505"/>
+            <a:ext cx="74526" cy="1860720"/>
+          </a:xfrm>
+          <a:prstGeom prst="bentConnector3">
+            <a:avLst>
+              <a:gd name="adj1" fmla="val -306739"/>
+            </a:avLst>
+          </a:prstGeom>
+          <a:ln>
+            <a:tailEnd type="triangle"/>
+          </a:ln>
+        </p:spPr>
+        <p:style>
+          <a:lnRef idx="2">
+            <a:schemeClr val="accent4"/>
+          </a:lnRef>
+          <a:fillRef idx="0">
+            <a:schemeClr val="accent4"/>
+          </a:fillRef>
+          <a:effectRef idx="1">
+            <a:schemeClr val="accent4"/>
+          </a:effectRef>
+          <a:fontRef idx="minor">
+            <a:schemeClr val="tx1"/>
+          </a:fontRef>
+        </p:style>
+      </p:cxnSp>
+      <p:sp>
+        <p:nvSpPr>
+          <p:cNvPr id="48" name="Rectangle: Rounded Corners 47">
+            <a:extLst>
+              <a:ext uri="{FF2B5EF4-FFF2-40B4-BE49-F238E27FC236}">
+                <a16:creationId xmlns:a16="http://schemas.microsoft.com/office/drawing/2014/main" id="{972E2C95-AEB8-4319-AF0F-3DFD1D1A5AF2}"/>
+              </a:ext>
+            </a:extLst>
+          </p:cNvPr>
+          <p:cNvSpPr/>
+          <p:nvPr/>
+        </p:nvSpPr>
+        <p:spPr>
+          <a:xfrm>
+            <a:off x="3649491" y="5851342"/>
+            <a:ext cx="4386263" cy="292066"/>
+          </a:xfrm>
+          <a:prstGeom prst="roundRect">
+            <a:avLst/>
+          </a:prstGeom>
+        </p:spPr>
+        <p:style>
+          <a:lnRef idx="2">
+            <a:schemeClr val="accent1">
+              <a:shade val="50000"/>
+            </a:schemeClr>
+          </a:lnRef>
+          <a:fillRef idx="1">
+            <a:schemeClr val="accent1"/>
+          </a:fillRef>
+          <a:effectRef idx="0">
+            <a:schemeClr val="accent1"/>
+          </a:effectRef>
+          <a:fontRef idx="minor">
+            <a:schemeClr val="lt1"/>
+          </a:fontRef>
+        </p:style>
+        <p:txBody>
+          <a:bodyPr rtlCol="0" anchor="ctr"/>
+          <a:lstStyle/>
+          <a:p>
+            <a:pPr algn="ctr"/>
+            <a:r>
+              <a:rPr lang="en-US" sz="1750" b="1" dirty="0"/>
+              <a:t>Reports – Dashboards - Products </a:t>
+            </a:r>
+          </a:p>
+        </p:txBody>
+      </p:sp>
+      <p:sp>
+        <p:nvSpPr>
+          <p:cNvPr id="49" name="Arrow: Right 48">
+            <a:extLst>
+              <a:ext uri="{FF2B5EF4-FFF2-40B4-BE49-F238E27FC236}">
+                <a16:creationId xmlns:a16="http://schemas.microsoft.com/office/drawing/2014/main" id="{F441B986-4D0A-48D7-B51A-912713EA2640}"/>
+              </a:ext>
+            </a:extLst>
+          </p:cNvPr>
+          <p:cNvSpPr/>
+          <p:nvPr/>
+        </p:nvSpPr>
+        <p:spPr>
+          <a:xfrm rot="10800000">
+            <a:off x="8181672" y="3347571"/>
+            <a:ext cx="503935" cy="341103"/>
+          </a:xfrm>
+          <a:prstGeom prst="rightArrow">
+            <a:avLst/>
+          </a:prstGeom>
+        </p:spPr>
+        <p:style>
+          <a:lnRef idx="2">
+            <a:schemeClr val="accent1">
+              <a:shade val="50000"/>
+            </a:schemeClr>
+          </a:lnRef>
+          <a:fillRef idx="1">
+            <a:schemeClr val="accent1"/>
+          </a:fillRef>
+          <a:effectRef idx="0">
+            <a:schemeClr val="accent1"/>
+          </a:effectRef>
+          <a:fontRef idx="minor">
+            <a:schemeClr val="lt1"/>
+          </a:fontRef>
+        </p:style>
+        <p:txBody>
+          <a:bodyPr rtlCol="0" anchor="ctr"/>
+          <a:lstStyle/>
+          <a:p>
+            <a:pPr algn="ctr"/>
+            <a:endParaRPr lang="en-US" b="1"/>
+          </a:p>
+        </p:txBody>
+      </p:sp>
+      <p:sp>
+        <p:nvSpPr>
+          <p:cNvPr id="62" name="TextBox 61">
+            <a:extLst>
+              <a:ext uri="{FF2B5EF4-FFF2-40B4-BE49-F238E27FC236}">
+                <a16:creationId xmlns:a16="http://schemas.microsoft.com/office/drawing/2014/main" id="{915A5A45-6E4B-4AF2-8B9D-0EEE6331031F}"/>
+              </a:ext>
+            </a:extLst>
+          </p:cNvPr>
+          <p:cNvSpPr txBox="1"/>
+          <p:nvPr/>
+        </p:nvSpPr>
+        <p:spPr>
+          <a:xfrm>
+            <a:off x="0" y="2701240"/>
+            <a:ext cx="1472423" cy="646331"/>
+          </a:xfrm>
+          <a:prstGeom prst="rect">
+            <a:avLst/>
+          </a:prstGeom>
+          <a:noFill/>
+        </p:spPr>
+        <p:txBody>
+          <a:bodyPr wrap="square" rtlCol="0">
+            <a:spAutoFit/>
+            <a:scene3d>
+              <a:camera prst="orthographicFront"/>
+              <a:lightRig rig="harsh" dir="t"/>
+            </a:scene3d>
+            <a:sp3d extrusionH="57150" prstMaterial="matte">
+              <a:bevelT w="63500" h="12700" prst="angle"/>
+              <a:contourClr>
+                <a:schemeClr val="bg1">
+                  <a:lumMod val="65000"/>
+                </a:schemeClr>
+              </a:contourClr>
+            </a:sp3d>
+          </a:bodyPr>
+          <a:lstStyle/>
+          <a:p>
+            <a:pPr algn="ctr"/>
+            <a:r>
+              <a:rPr lang="en-US" b="1" dirty="0">
+                <a:ln/>
+                <a:solidFill>
+                  <a:schemeClr val="accent3"/>
+                </a:solidFill>
+              </a:rPr>
+              <a:t>Phase 1: Idea Development </a:t>
+            </a:r>
+          </a:p>
+        </p:txBody>
+      </p:sp>
+      <p:sp>
+        <p:nvSpPr>
+          <p:cNvPr id="63" name="TextBox 62">
+            <a:extLst>
+              <a:ext uri="{FF2B5EF4-FFF2-40B4-BE49-F238E27FC236}">
+                <a16:creationId xmlns:a16="http://schemas.microsoft.com/office/drawing/2014/main" id="{A4DCC781-F002-49C5-A0C3-0CB8C15B9DF6}"/>
+              </a:ext>
+            </a:extLst>
+          </p:cNvPr>
+          <p:cNvSpPr txBox="1"/>
+          <p:nvPr/>
+        </p:nvSpPr>
+        <p:spPr>
+          <a:xfrm>
+            <a:off x="10653864" y="2232659"/>
+            <a:ext cx="1502474" cy="923330"/>
+          </a:xfrm>
+          <a:prstGeom prst="rect">
+            <a:avLst/>
+          </a:prstGeom>
+          <a:noFill/>
+        </p:spPr>
+        <p:txBody>
+          <a:bodyPr wrap="square" rtlCol="0">
+            <a:spAutoFit/>
+            <a:scene3d>
+              <a:camera prst="orthographicFront"/>
+              <a:lightRig rig="harsh" dir="t"/>
+            </a:scene3d>
+            <a:sp3d extrusionH="57150" prstMaterial="matte">
+              <a:bevelT w="63500" h="12700" prst="angle"/>
+              <a:contourClr>
+                <a:schemeClr val="bg1">
+                  <a:lumMod val="65000"/>
+                </a:schemeClr>
+              </a:contourClr>
+            </a:sp3d>
+          </a:bodyPr>
+          <a:lstStyle/>
+          <a:p>
+            <a:pPr algn="ctr"/>
+            <a:r>
+              <a:rPr lang="en-US" b="1" dirty="0">
+                <a:ln/>
+                <a:solidFill>
+                  <a:schemeClr val="accent3"/>
+                </a:solidFill>
+              </a:rPr>
+              <a:t>Phase 3: Solution Development </a:t>
+            </a:r>
+          </a:p>
+        </p:txBody>
+      </p:sp>
+      <p:sp>
+        <p:nvSpPr>
+          <p:cNvPr id="64" name="TextBox 63">
+            <a:extLst>
+              <a:ext uri="{FF2B5EF4-FFF2-40B4-BE49-F238E27FC236}">
+                <a16:creationId xmlns:a16="http://schemas.microsoft.com/office/drawing/2014/main" id="{9847CC13-65DE-48A4-9DFB-B9E4328C26A4}"/>
+              </a:ext>
+            </a:extLst>
+          </p:cNvPr>
+          <p:cNvSpPr txBox="1"/>
+          <p:nvPr/>
+        </p:nvSpPr>
+        <p:spPr>
+          <a:xfrm>
+            <a:off x="3059825" y="610931"/>
+            <a:ext cx="5748634" cy="430887"/>
+          </a:xfrm>
+          <a:prstGeom prst="rect">
+            <a:avLst/>
+          </a:prstGeom>
+          <a:noFill/>
+        </p:spPr>
+        <p:txBody>
+          <a:bodyPr wrap="square" rtlCol="0">
+            <a:spAutoFit/>
+            <a:scene3d>
+              <a:camera prst="orthographicFront"/>
+              <a:lightRig rig="harsh" dir="t"/>
+            </a:scene3d>
+            <a:sp3d extrusionH="57150" prstMaterial="matte">
+              <a:bevelT w="63500" h="12700" prst="angle"/>
+              <a:contourClr>
+                <a:schemeClr val="bg1">
+                  <a:lumMod val="65000"/>
+                </a:schemeClr>
+              </a:contourClr>
+            </a:sp3d>
+          </a:bodyPr>
+          <a:lstStyle/>
+          <a:p>
+            <a:pPr algn="ctr"/>
+            <a:r>
+              <a:rPr lang="en-US" sz="2200" b="1" dirty="0">
+                <a:ln/>
+                <a:solidFill>
+                  <a:schemeClr val="accent3"/>
+                </a:solidFill>
+              </a:rPr>
+              <a:t>Phase 2: Data Prep and Problem Exploration</a:t>
+            </a:r>
+          </a:p>
+        </p:txBody>
+      </p:sp>
+      <p:sp>
+        <p:nvSpPr>
+          <p:cNvPr id="65" name="TextBox 64">
+            <a:extLst>
+              <a:ext uri="{FF2B5EF4-FFF2-40B4-BE49-F238E27FC236}">
+                <a16:creationId xmlns:a16="http://schemas.microsoft.com/office/drawing/2014/main" id="{E543883D-31C4-4521-BFBF-51022A2D9EFB}"/>
+              </a:ext>
+            </a:extLst>
+          </p:cNvPr>
+          <p:cNvSpPr txBox="1"/>
+          <p:nvPr/>
+        </p:nvSpPr>
+        <p:spPr>
+          <a:xfrm>
+            <a:off x="4335917" y="6314458"/>
+            <a:ext cx="3171216" cy="369332"/>
+          </a:xfrm>
+          <a:prstGeom prst="rect">
+            <a:avLst/>
+          </a:prstGeom>
+          <a:noFill/>
+        </p:spPr>
+        <p:txBody>
+          <a:bodyPr wrap="square" rtlCol="0">
+            <a:spAutoFit/>
+            <a:scene3d>
+              <a:camera prst="orthographicFront"/>
+              <a:lightRig rig="harsh" dir="t"/>
+            </a:scene3d>
+            <a:sp3d extrusionH="57150" prstMaterial="matte">
+              <a:bevelT w="63500" h="12700" prst="angle"/>
+              <a:contourClr>
+                <a:schemeClr val="bg1">
+                  <a:lumMod val="65000"/>
+                </a:schemeClr>
+              </a:contourClr>
+            </a:sp3d>
+          </a:bodyPr>
+          <a:lstStyle/>
+          <a:p>
+            <a:pPr algn="ctr"/>
+            <a:r>
+              <a:rPr lang="en-US" b="1" dirty="0">
+                <a:ln/>
+                <a:solidFill>
+                  <a:schemeClr val="accent3"/>
+                </a:solidFill>
+              </a:rPr>
+              <a:t>Phase 4: Solution Deployment   </a:t>
+            </a:r>
+          </a:p>
+        </p:txBody>
+      </p:sp>
+      <p:pic>
+        <p:nvPicPr>
+          <p:cNvPr id="66" name="Picture 2">
+            <a:extLst>
+              <a:ext uri="{FF2B5EF4-FFF2-40B4-BE49-F238E27FC236}">
+                <a16:creationId xmlns:a16="http://schemas.microsoft.com/office/drawing/2014/main" id="{42D08057-CF3F-489B-B3EF-8800A76FBC5C}"/>
+              </a:ext>
+            </a:extLst>
+          </p:cNvPr>
+          <p:cNvPicPr>
+            <a:picLocks noChangeAspect="1" noChangeArrowheads="1"/>
+          </p:cNvPicPr>
+          <p:nvPr/>
+        </p:nvPicPr>
+        <p:blipFill>
+          <a:blip r:embed="rId2" cstate="email">
+            <a:extLst>
+              <a:ext uri="{28A0092B-C50C-407E-A947-70E740481C1C}">
+                <a14:useLocalDpi xmlns:a14="http://schemas.microsoft.com/office/drawing/2010/main" val="0"/>
+              </a:ext>
+            </a:extLst>
+          </a:blip>
+          <a:srcRect/>
+          <a:stretch>
+            <a:fillRect/>
+          </a:stretch>
+        </p:blipFill>
+        <p:spPr bwMode="auto">
+          <a:xfrm>
+            <a:off x="230356" y="5217300"/>
+            <a:ext cx="1562706" cy="1526605"/>
+          </a:xfrm>
+          <a:prstGeom prst="rect">
+            <a:avLst/>
+          </a:prstGeom>
+          <a:noFill/>
+          <a:extLst>
+            <a:ext uri="{909E8E84-426E-40DD-AFC4-6F175D3DCCD1}">
+              <a14:hiddenFill xmlns:a14="http://schemas.microsoft.com/office/drawing/2010/main">
+                <a:solidFill>
+                  <a:srgbClr val="FFFFFF"/>
+                </a:solidFill>
+              </a14:hiddenFill>
+            </a:ext>
+          </a:extLst>
+        </p:spPr>
+      </p:pic>
+      <p:sp>
+        <p:nvSpPr>
+          <p:cNvPr id="67" name="Isosceles Triangle 66">
+            <a:extLst>
+              <a:ext uri="{FF2B5EF4-FFF2-40B4-BE49-F238E27FC236}">
+                <a16:creationId xmlns:a16="http://schemas.microsoft.com/office/drawing/2014/main" id="{F8E1FB28-FD4F-4F3C-AEF8-039679795EEA}"/>
+              </a:ext>
+            </a:extLst>
+          </p:cNvPr>
+          <p:cNvSpPr/>
+          <p:nvPr/>
+        </p:nvSpPr>
+        <p:spPr>
+          <a:xfrm>
+            <a:off x="2814189" y="967986"/>
+            <a:ext cx="955833" cy="436936"/>
+          </a:xfrm>
+          <a:prstGeom prst="triangle">
+            <a:avLst/>
+          </a:prstGeom>
+        </p:spPr>
+        <p:style>
+          <a:lnRef idx="2">
+            <a:schemeClr val="accent1">
+              <a:shade val="50000"/>
+            </a:schemeClr>
+          </a:lnRef>
+          <a:fillRef idx="1">
+            <a:schemeClr val="accent1"/>
+          </a:fillRef>
+          <a:effectRef idx="0">
+            <a:schemeClr val="accent1"/>
+          </a:effectRef>
+          <a:fontRef idx="minor">
+            <a:schemeClr val="lt1"/>
+          </a:fontRef>
+        </p:style>
+        <p:txBody>
+          <a:bodyPr rtlCol="0" anchor="b"/>
+          <a:lstStyle/>
+          <a:p>
+            <a:pPr algn="ctr"/>
+            <a:r>
+              <a:rPr lang="en-US" dirty="0"/>
+              <a:t>G1</a:t>
+            </a:r>
+          </a:p>
+        </p:txBody>
+      </p:sp>
+      <p:sp>
+        <p:nvSpPr>
+          <p:cNvPr id="68" name="Isosceles Triangle 67">
+            <a:extLst>
+              <a:ext uri="{FF2B5EF4-FFF2-40B4-BE49-F238E27FC236}">
+                <a16:creationId xmlns:a16="http://schemas.microsoft.com/office/drawing/2014/main" id="{847ED309-922A-4087-AB10-789FAB35C691}"/>
+              </a:ext>
+            </a:extLst>
+          </p:cNvPr>
+          <p:cNvSpPr/>
+          <p:nvPr/>
+        </p:nvSpPr>
+        <p:spPr>
+          <a:xfrm>
+            <a:off x="8144791" y="984504"/>
+            <a:ext cx="955833" cy="436936"/>
+          </a:xfrm>
+          <a:prstGeom prst="triangle">
+            <a:avLst/>
+          </a:prstGeom>
+        </p:spPr>
+        <p:style>
+          <a:lnRef idx="2">
+            <a:schemeClr val="accent1">
+              <a:shade val="50000"/>
+            </a:schemeClr>
+          </a:lnRef>
+          <a:fillRef idx="1">
+            <a:schemeClr val="accent1"/>
+          </a:fillRef>
+          <a:effectRef idx="0">
+            <a:schemeClr val="accent1"/>
+          </a:effectRef>
+          <a:fontRef idx="minor">
+            <a:schemeClr val="lt1"/>
+          </a:fontRef>
+        </p:style>
+        <p:txBody>
+          <a:bodyPr rtlCol="0" anchor="b"/>
+          <a:lstStyle/>
+          <a:p>
+            <a:pPr algn="ctr"/>
+            <a:r>
+              <a:rPr lang="en-US" dirty="0"/>
+              <a:t>G2</a:t>
+            </a:r>
+          </a:p>
+        </p:txBody>
+      </p:sp>
+      <p:sp>
+        <p:nvSpPr>
+          <p:cNvPr id="69" name="Isosceles Triangle 68">
+            <a:extLst>
+              <a:ext uri="{FF2B5EF4-FFF2-40B4-BE49-F238E27FC236}">
+                <a16:creationId xmlns:a16="http://schemas.microsoft.com/office/drawing/2014/main" id="{31A322F4-21E7-4CE5-9E22-02BFB5D15DDE}"/>
+              </a:ext>
+            </a:extLst>
+          </p:cNvPr>
+          <p:cNvSpPr/>
+          <p:nvPr/>
+        </p:nvSpPr>
+        <p:spPr>
+          <a:xfrm>
+            <a:off x="7998225" y="3767332"/>
+            <a:ext cx="955833" cy="436936"/>
+          </a:xfrm>
+          <a:prstGeom prst="triangle">
+            <a:avLst/>
+          </a:prstGeom>
+        </p:spPr>
+        <p:style>
+          <a:lnRef idx="2">
+            <a:schemeClr val="accent1">
+              <a:shade val="50000"/>
+            </a:schemeClr>
+          </a:lnRef>
+          <a:fillRef idx="1">
+            <a:schemeClr val="accent1"/>
+          </a:fillRef>
+          <a:effectRef idx="0">
+            <a:schemeClr val="accent1"/>
+          </a:effectRef>
+          <a:fontRef idx="minor">
+            <a:schemeClr val="lt1"/>
+          </a:fontRef>
+        </p:style>
+        <p:txBody>
+          <a:bodyPr rtlCol="0" anchor="b"/>
+          <a:lstStyle/>
+          <a:p>
+            <a:pPr algn="ctr"/>
+            <a:r>
+              <a:rPr lang="en-US" dirty="0"/>
+              <a:t>G3</a:t>
+            </a:r>
+          </a:p>
+        </p:txBody>
+      </p:sp>
+      <p:sp>
+        <p:nvSpPr>
+          <p:cNvPr id="70" name="Isosceles Triangle 69">
+            <a:extLst>
+              <a:ext uri="{FF2B5EF4-FFF2-40B4-BE49-F238E27FC236}">
+                <a16:creationId xmlns:a16="http://schemas.microsoft.com/office/drawing/2014/main" id="{6D1BE310-BC41-470D-AD36-58CCF1EB11ED}"/>
+              </a:ext>
+            </a:extLst>
+          </p:cNvPr>
+          <p:cNvSpPr/>
+          <p:nvPr/>
+        </p:nvSpPr>
+        <p:spPr>
+          <a:xfrm>
+            <a:off x="8772917" y="5356102"/>
+            <a:ext cx="449108" cy="253293"/>
+          </a:xfrm>
+          <a:prstGeom prst="triangle">
+            <a:avLst/>
+          </a:prstGeom>
+        </p:spPr>
+        <p:style>
+          <a:lnRef idx="2">
+            <a:schemeClr val="accent1">
+              <a:shade val="50000"/>
+            </a:schemeClr>
+          </a:lnRef>
+          <a:fillRef idx="1">
+            <a:schemeClr val="accent1"/>
+          </a:fillRef>
+          <a:effectRef idx="0">
+            <a:schemeClr val="accent1"/>
+          </a:effectRef>
+          <a:fontRef idx="minor">
+            <a:schemeClr val="lt1"/>
+          </a:fontRef>
+        </p:style>
+        <p:txBody>
+          <a:bodyPr rtlCol="0" anchor="b"/>
+          <a:lstStyle/>
+          <a:p>
+            <a:pPr algn="ctr"/>
+            <a:endParaRPr lang="en-US" dirty="0"/>
+          </a:p>
+        </p:txBody>
+      </p:sp>
+      <p:sp>
+        <p:nvSpPr>
+          <p:cNvPr id="71" name="TextBox 70">
+            <a:extLst>
+              <a:ext uri="{FF2B5EF4-FFF2-40B4-BE49-F238E27FC236}">
+                <a16:creationId xmlns:a16="http://schemas.microsoft.com/office/drawing/2014/main" id="{042CCCD2-1920-4C9B-9B9C-702286FED74D}"/>
+              </a:ext>
+            </a:extLst>
+          </p:cNvPr>
+          <p:cNvSpPr txBox="1"/>
+          <p:nvPr/>
+        </p:nvSpPr>
+        <p:spPr>
+          <a:xfrm>
+            <a:off x="9222025" y="5173486"/>
+            <a:ext cx="1025060" cy="646331"/>
+          </a:xfrm>
+          <a:prstGeom prst="rect">
+            <a:avLst/>
+          </a:prstGeom>
+          <a:noFill/>
+        </p:spPr>
+        <p:txBody>
+          <a:bodyPr wrap="square" rtlCol="0">
+            <a:spAutoFit/>
+          </a:bodyPr>
+          <a:lstStyle/>
+          <a:p>
+            <a:pPr algn="ctr"/>
+            <a:r>
+              <a:rPr lang="en-US" b="1" dirty="0"/>
+              <a:t>Gate Reviews</a:t>
+            </a:r>
+          </a:p>
+        </p:txBody>
+      </p:sp>
+      <p:sp>
+        <p:nvSpPr>
+          <p:cNvPr id="75" name="Arrow: Right 74">
+            <a:extLst>
+              <a:ext uri="{FF2B5EF4-FFF2-40B4-BE49-F238E27FC236}">
+                <a16:creationId xmlns:a16="http://schemas.microsoft.com/office/drawing/2014/main" id="{94F676AE-C1D1-433F-8AEF-EF6C6E713409}"/>
+              </a:ext>
+            </a:extLst>
+          </p:cNvPr>
+          <p:cNvSpPr/>
+          <p:nvPr/>
+        </p:nvSpPr>
+        <p:spPr>
+          <a:xfrm rot="10800000">
+            <a:off x="3266095" y="3311949"/>
+            <a:ext cx="503935" cy="341103"/>
+          </a:xfrm>
+          <a:prstGeom prst="rightArrow">
+            <a:avLst/>
+          </a:prstGeom>
+        </p:spPr>
+        <p:style>
+          <a:lnRef idx="2">
+            <a:schemeClr val="accent1">
+              <a:shade val="50000"/>
+            </a:schemeClr>
+          </a:lnRef>
+          <a:fillRef idx="1">
+            <a:schemeClr val="accent1"/>
+          </a:fillRef>
+          <a:effectRef idx="0">
+            <a:schemeClr val="accent1"/>
+          </a:effectRef>
+          <a:fontRef idx="minor">
+            <a:schemeClr val="lt1"/>
+          </a:fontRef>
+        </p:style>
+        <p:txBody>
+          <a:bodyPr rtlCol="0" anchor="ctr"/>
+          <a:lstStyle/>
+          <a:p>
+            <a:pPr algn="ctr"/>
+            <a:endParaRPr lang="en-US" b="1"/>
           </a:p>
         </p:txBody>
       </p:sp>
     </p:spTree>
     <p:extLst>
       <p:ext uri="{BB962C8B-B14F-4D97-AF65-F5344CB8AC3E}">
-        <p14:creationId xmlns:p14="http://schemas.microsoft.com/office/powerpoint/2010/main" val="173245280"/>
+        <p14:creationId xmlns:p14="http://schemas.microsoft.com/office/powerpoint/2010/main" val="1873886493"/>
       </p:ext>
     </p:extLst>
   </p:cSld>
   <p:clrMapOvr>
     <a:masterClrMapping/>
   </p:clrMapOvr>
+  <p:timing>
+    <p:tnLst>
+      <p:par>
+        <p:cTn id="1" dur="indefinite" restart="never" nodeType="tmRoot">
+          <p:childTnLst>
+            <p:seq concurrent="1" nextAc="seek">
+              <p:cTn id="2" dur="indefinite" nodeType="mainSeq">
+                <p:childTnLst>
+                  <p:par>
+                    <p:cTn id="3" fill="hold">
+                      <p:stCondLst>
+                        <p:cond delay="indefinite"/>
+                      </p:stCondLst>
+                      <p:childTnLst>
+                        <p:par>
+                          <p:cTn id="4" fill="hold">
+                            <p:stCondLst>
+                              <p:cond delay="0"/>
+                            </p:stCondLst>
+                            <p:childTnLst>
+                              <p:par>
+                                <p:cTn id="5" presetID="42" presetClass="entr" presetSubtype="0" fill="hold" nodeType="clickEffect">
+                                  <p:stCondLst>
+                                    <p:cond delay="0"/>
+                                  </p:stCondLst>
+                                  <p:childTnLst>
+                                    <p:set>
+                                      <p:cBhvr>
+                                        <p:cTn id="6" dur="1" fill="hold">
+                                          <p:stCondLst>
+                                            <p:cond delay="0"/>
+                                          </p:stCondLst>
+                                        </p:cTn>
+                                        <p:tgtEl>
+                                          <p:spTgt spid="66"/>
+                                        </p:tgtEl>
+                                        <p:attrNameLst>
+                                          <p:attrName>style.visibility</p:attrName>
+                                        </p:attrNameLst>
+                                      </p:cBhvr>
+                                      <p:to>
+                                        <p:strVal val="visible"/>
+                                      </p:to>
+                                    </p:set>
+                                    <p:animEffect transition="in" filter="fade">
+                                      <p:cBhvr>
+                                        <p:cTn id="7" dur="1000"/>
+                                        <p:tgtEl>
+                                          <p:spTgt spid="66"/>
+                                        </p:tgtEl>
+                                      </p:cBhvr>
+                                    </p:animEffect>
+                                    <p:anim calcmode="lin" valueType="num">
+                                      <p:cBhvr>
+                                        <p:cTn id="8" dur="1000" fill="hold"/>
+                                        <p:tgtEl>
+                                          <p:spTgt spid="66"/>
+                                        </p:tgtEl>
+                                        <p:attrNameLst>
+                                          <p:attrName>ppt_x</p:attrName>
+                                        </p:attrNameLst>
+                                      </p:cBhvr>
+                                      <p:tavLst>
+                                        <p:tav tm="0">
+                                          <p:val>
+                                            <p:strVal val="#ppt_x"/>
+                                          </p:val>
+                                        </p:tav>
+                                        <p:tav tm="100000">
+                                          <p:val>
+                                            <p:strVal val="#ppt_x"/>
+                                          </p:val>
+                                        </p:tav>
+                                      </p:tavLst>
+                                    </p:anim>
+                                    <p:anim calcmode="lin" valueType="num">
+                                      <p:cBhvr>
+                                        <p:cTn id="9" dur="1000" fill="hold"/>
+                                        <p:tgtEl>
+                                          <p:spTgt spid="66"/>
+                                        </p:tgtEl>
+                                        <p:attrNameLst>
+                                          <p:attrName>ppt_y</p:attrName>
+                                        </p:attrNameLst>
+                                      </p:cBhvr>
+                                      <p:tavLst>
+                                        <p:tav tm="0">
+                                          <p:val>
+                                            <p:strVal val="#ppt_y+.1"/>
+                                          </p:val>
+                                        </p:tav>
+                                        <p:tav tm="100000">
+                                          <p:val>
+                                            <p:strVal val="#ppt_y"/>
+                                          </p:val>
+                                        </p:tav>
+                                      </p:tavLst>
+                                    </p:anim>
+                                  </p:childTnLst>
+                                </p:cTn>
+                              </p:par>
+                            </p:childTnLst>
+                          </p:cTn>
+                        </p:par>
+                      </p:childTnLst>
+                    </p:cTn>
+                  </p:par>
+                </p:childTnLst>
+              </p:cTn>
+              <p:prevCondLst>
+                <p:cond evt="onPrev" delay="0">
+                  <p:tgtEl>
+                    <p:sldTgt/>
+                  </p:tgtEl>
+                </p:cond>
+              </p:prevCondLst>
+              <p:nextCondLst>
+                <p:cond evt="onNext" delay="0">
+                  <p:tgtEl>
+                    <p:sldTgt/>
+                  </p:tgtEl>
+                </p:cond>
+              </p:nextCondLst>
+            </p:seq>
+          </p:childTnLst>
+        </p:cTn>
+      </p:par>
+    </p:tnLst>
+  </p:timing>
 </p:sld>
 </file>
 
@@ -23239,16 +25353,7 @@
           <a:p>
             <a:r>
               <a:rPr lang="en-US" dirty="0"/>
-              <a:t> Thresholding – The percentage point where our models will predict the result to be either a 0 or 1, in the typical binary case. </a:t>
-            </a:r>
-          </a:p>
-          <a:p>
-            <a:endParaRPr lang="en-US" dirty="0"/>
-          </a:p>
-          <a:p>
-            <a:r>
-              <a:rPr lang="en-US" dirty="0"/>
-              <a:t> Adjust the threshold associated with indication of a positive class.  The default is 50%, could be that we want to be extra careful and instead adjust that measure up to 75% or 90%. </a:t>
+              <a:t># Parameters versus Hyperparameters</a:t>
             </a:r>
           </a:p>
         </p:txBody>
@@ -23286,7 +25391,7 @@
     </p:spTree>
     <p:extLst>
       <p:ext uri="{BB962C8B-B14F-4D97-AF65-F5344CB8AC3E}">
-        <p14:creationId xmlns:p14="http://schemas.microsoft.com/office/powerpoint/2010/main" val="3307537858"/>
+        <p14:creationId xmlns:p14="http://schemas.microsoft.com/office/powerpoint/2010/main" val="4164795414"/>
       </p:ext>
     </p:extLst>
   </p:cSld>
@@ -23371,7 +25476,16 @@
           <a:p>
             <a:r>
               <a:rPr lang="en-US" dirty="0"/>
-              <a:t> Evaluation – The metrics you use to assess model quality. There are a ton of this measures, and we are dedicating an entire week to the exploring these further.  I’ll show some examples in the code for this week. </a:t>
+              <a:t> Thresholding – The percentage point where our models will predict the result to be either a 0 or 1, in the typical binary case. </a:t>
+            </a:r>
+          </a:p>
+          <a:p>
+            <a:endParaRPr lang="en-US" dirty="0"/>
+          </a:p>
+          <a:p>
+            <a:r>
+              <a:rPr lang="en-US" dirty="0"/>
+              <a:t> Adjust the threshold associated with indication of a positive class.  The default is 50%, could be that we want to be extra careful and instead adjust that measure up to 75% or 90%. </a:t>
             </a:r>
           </a:p>
         </p:txBody>
@@ -23409,7 +25523,7 @@
     </p:spTree>
     <p:extLst>
       <p:ext uri="{BB962C8B-B14F-4D97-AF65-F5344CB8AC3E}">
-        <p14:creationId xmlns:p14="http://schemas.microsoft.com/office/powerpoint/2010/main" val="1353548055"/>
+        <p14:creationId xmlns:p14="http://schemas.microsoft.com/office/powerpoint/2010/main" val="3307537858"/>
       </p:ext>
     </p:extLst>
   </p:cSld>
@@ -23438,6 +25552,259 @@
       </p:grpSpPr>
       <p:sp>
         <p:nvSpPr>
+          <p:cNvPr id="2" name="Title 1">
+            <a:extLst>
+              <a:ext uri="{FF2B5EF4-FFF2-40B4-BE49-F238E27FC236}">
+                <a16:creationId xmlns:a16="http://schemas.microsoft.com/office/drawing/2014/main" id="{00C29119-EB12-4B2B-BF70-415E235B92E2}"/>
+              </a:ext>
+            </a:extLst>
+          </p:cNvPr>
+          <p:cNvSpPr>
+            <a:spLocks noGrp="1"/>
+          </p:cNvSpPr>
+          <p:nvPr>
+            <p:ph type="title"/>
+          </p:nvPr>
+        </p:nvSpPr>
+        <p:spPr/>
+        <p:txBody>
+          <a:bodyPr/>
+          <a:lstStyle/>
+          <a:p>
+            <a:r>
+              <a:rPr lang="en-US" dirty="0"/>
+              <a:t>Overview of Key ML Methods/Terms </a:t>
+            </a:r>
+          </a:p>
+        </p:txBody>
+      </p:sp>
+      <p:sp>
+        <p:nvSpPr>
+          <p:cNvPr id="3" name="Content Placeholder 2">
+            <a:extLst>
+              <a:ext uri="{FF2B5EF4-FFF2-40B4-BE49-F238E27FC236}">
+                <a16:creationId xmlns:a16="http://schemas.microsoft.com/office/drawing/2014/main" id="{7D9C13FB-F3EB-4BC0-B130-143DCC8FEBB4}"/>
+              </a:ext>
+            </a:extLst>
+          </p:cNvPr>
+          <p:cNvSpPr>
+            <a:spLocks noGrp="1"/>
+          </p:cNvSpPr>
+          <p:nvPr>
+            <p:ph idx="1"/>
+          </p:nvPr>
+        </p:nvSpPr>
+        <p:spPr>
+          <a:xfrm>
+            <a:off x="80554" y="804930"/>
+            <a:ext cx="10515600" cy="5248208"/>
+          </a:xfrm>
+        </p:spPr>
+        <p:txBody>
+          <a:bodyPr>
+            <a:normAutofit/>
+          </a:bodyPr>
+          <a:lstStyle/>
+          <a:p>
+            <a:r>
+              <a:rPr lang="en-US" dirty="0"/>
+              <a:t># Feature Engineering – Combining or exploring different levels of variable that best work in your model. </a:t>
+            </a:r>
+          </a:p>
+          <a:p>
+            <a:r>
+              <a:rPr lang="en-US" dirty="0"/>
+              <a:t> We will see different examples of this throughout the rest of the class</a:t>
+            </a:r>
+          </a:p>
+        </p:txBody>
+      </p:sp>
+      <p:sp>
+        <p:nvSpPr>
+          <p:cNvPr id="4" name="Slide Number Placeholder 3">
+            <a:extLst>
+              <a:ext uri="{FF2B5EF4-FFF2-40B4-BE49-F238E27FC236}">
+                <a16:creationId xmlns:a16="http://schemas.microsoft.com/office/drawing/2014/main" id="{D92C9808-45ED-4122-BCBD-B3884450838E}"/>
+              </a:ext>
+            </a:extLst>
+          </p:cNvPr>
+          <p:cNvSpPr>
+            <a:spLocks noGrp="1"/>
+          </p:cNvSpPr>
+          <p:nvPr>
+            <p:ph type="sldNum" sz="quarter" idx="12"/>
+          </p:nvPr>
+        </p:nvSpPr>
+        <p:spPr/>
+        <p:txBody>
+          <a:bodyPr/>
+          <a:lstStyle/>
+          <a:p>
+            <a:fld id="{5ACD0CF0-90CC-9C41-A77B-2776398A8C8B}" type="slidenum">
+              <a:rPr lang="en-US" smtClean="0"/>
+              <a:pPr/>
+              <a:t>49</a:t>
+            </a:fld>
+            <a:endParaRPr lang="en-US"/>
+          </a:p>
+        </p:txBody>
+      </p:sp>
+    </p:spTree>
+    <p:extLst>
+      <p:ext uri="{BB962C8B-B14F-4D97-AF65-F5344CB8AC3E}">
+        <p14:creationId xmlns:p14="http://schemas.microsoft.com/office/powerpoint/2010/main" val="173245280"/>
+      </p:ext>
+    </p:extLst>
+  </p:cSld>
+  <p:clrMapOvr>
+    <a:masterClrMapping/>
+  </p:clrMapOvr>
+</p:sld>
+</file>
+
+<file path=ppt/slides/slide5.xml><?xml version="1.0" encoding="utf-8"?>
+<p:sld xmlns:a="http://schemas.openxmlformats.org/drawingml/2006/main" xmlns:r="http://schemas.openxmlformats.org/officeDocument/2006/relationships" xmlns:p="http://schemas.openxmlformats.org/presentationml/2006/main">
+  <p:cSld>
+    <p:spTree>
+      <p:nvGrpSpPr>
+        <p:cNvPr id="1" name=""/>
+        <p:cNvGrpSpPr/>
+        <p:nvPr/>
+      </p:nvGrpSpPr>
+      <p:grpSpPr>
+        <a:xfrm>
+          <a:off x="0" y="0"/>
+          <a:ext cx="0" cy="0"/>
+          <a:chOff x="0" y="0"/>
+          <a:chExt cx="0" cy="0"/>
+        </a:xfrm>
+      </p:grpSpPr>
+      <p:sp>
+        <p:nvSpPr>
+          <p:cNvPr id="4" name="Slide Number Placeholder 3">
+            <a:extLst>
+              <a:ext uri="{FF2B5EF4-FFF2-40B4-BE49-F238E27FC236}">
+                <a16:creationId xmlns:a16="http://schemas.microsoft.com/office/drawing/2014/main" id="{3C5AA856-BCB8-476B-A754-B50044D29C5D}"/>
+              </a:ext>
+            </a:extLst>
+          </p:cNvPr>
+          <p:cNvSpPr>
+            <a:spLocks noGrp="1"/>
+          </p:cNvSpPr>
+          <p:nvPr>
+            <p:ph type="sldNum" sz="quarter" idx="12"/>
+          </p:nvPr>
+        </p:nvSpPr>
+        <p:spPr/>
+        <p:txBody>
+          <a:bodyPr/>
+          <a:lstStyle/>
+          <a:p>
+            <a:fld id="{5ACD0CF0-90CC-9C41-A77B-2776398A8C8B}" type="slidenum">
+              <a:rPr lang="en-US" smtClean="0"/>
+              <a:pPr/>
+              <a:t>5</a:t>
+            </a:fld>
+            <a:endParaRPr lang="en-US"/>
+          </a:p>
+        </p:txBody>
+      </p:sp>
+      <p:sp>
+        <p:nvSpPr>
+          <p:cNvPr id="5" name="Rectangle 4">
+            <a:extLst>
+              <a:ext uri="{FF2B5EF4-FFF2-40B4-BE49-F238E27FC236}">
+                <a16:creationId xmlns:a16="http://schemas.microsoft.com/office/drawing/2014/main" id="{B4E86C8C-65F8-4D08-AAB5-F053F4C84415}"/>
+              </a:ext>
+            </a:extLst>
+          </p:cNvPr>
+          <p:cNvSpPr/>
+          <p:nvPr/>
+        </p:nvSpPr>
+        <p:spPr>
+          <a:xfrm>
+            <a:off x="3473450" y="1948644"/>
+            <a:ext cx="4800600" cy="2515406"/>
+          </a:xfrm>
+          <a:prstGeom prst="rect">
+            <a:avLst/>
+          </a:prstGeom>
+        </p:spPr>
+        <p:style>
+          <a:lnRef idx="2">
+            <a:schemeClr val="accent1">
+              <a:shade val="50000"/>
+            </a:schemeClr>
+          </a:lnRef>
+          <a:fillRef idx="1">
+            <a:schemeClr val="accent1"/>
+          </a:fillRef>
+          <a:effectRef idx="0">
+            <a:schemeClr val="accent1"/>
+          </a:effectRef>
+          <a:fontRef idx="minor">
+            <a:schemeClr val="lt1"/>
+          </a:fontRef>
+        </p:style>
+        <p:txBody>
+          <a:bodyPr rtlCol="0" anchor="ctr"/>
+          <a:lstStyle/>
+          <a:p>
+            <a:pPr marL="0" indent="0" algn="ctr">
+              <a:buNone/>
+            </a:pPr>
+            <a:r>
+              <a:rPr lang="en-US" sz="4000" b="1" dirty="0">
+                <a:solidFill>
+                  <a:schemeClr val="bg1"/>
+                </a:solidFill>
+                <a:latin typeface="Aharoni" panose="02010803020104030203" pitchFamily="2" charset="-79"/>
+                <a:cs typeface="Aharoni" panose="02010803020104030203" pitchFamily="2" charset="-79"/>
+              </a:rPr>
+              <a:t>Machine Learning Time</a:t>
+            </a:r>
+            <a:endParaRPr lang="en-US" sz="2800" b="1" dirty="0">
+              <a:solidFill>
+                <a:schemeClr val="bg1"/>
+              </a:solidFill>
+              <a:latin typeface="Aharoni" panose="02010803020104030203" pitchFamily="2" charset="-79"/>
+              <a:cs typeface="Aharoni" panose="02010803020104030203" pitchFamily="2" charset="-79"/>
+            </a:endParaRPr>
+          </a:p>
+        </p:txBody>
+      </p:sp>
+    </p:spTree>
+    <p:extLst>
+      <p:ext uri="{BB962C8B-B14F-4D97-AF65-F5344CB8AC3E}">
+        <p14:creationId xmlns:p14="http://schemas.microsoft.com/office/powerpoint/2010/main" val="2607541999"/>
+      </p:ext>
+    </p:extLst>
+  </p:cSld>
+  <p:clrMapOvr>
+    <a:masterClrMapping/>
+  </p:clrMapOvr>
+</p:sld>
+</file>
+
+<file path=ppt/slides/slide50.xml><?xml version="1.0" encoding="utf-8"?>
+<p:sld xmlns:a="http://schemas.openxmlformats.org/drawingml/2006/main" xmlns:r="http://schemas.openxmlformats.org/officeDocument/2006/relationships" xmlns:p="http://schemas.openxmlformats.org/presentationml/2006/main">
+  <p:cSld>
+    <p:spTree>
+      <p:nvGrpSpPr>
+        <p:cNvPr id="1" name=""/>
+        <p:cNvGrpSpPr/>
+        <p:nvPr/>
+      </p:nvGrpSpPr>
+      <p:grpSpPr>
+        <a:xfrm>
+          <a:off x="0" y="0"/>
+          <a:ext cx="0" cy="0"/>
+          <a:chOff x="0" y="0"/>
+          <a:chExt cx="0" cy="0"/>
+        </a:xfrm>
+      </p:grpSpPr>
+      <p:sp>
+        <p:nvSpPr>
           <p:cNvPr id="2" name="Title 1"/>
           <p:cNvSpPr>
             <a:spLocks noGrp="1"/>
@@ -23476,7 +25843,7 @@
             <a:fld id="{5ACD0CF0-90CC-9C41-A77B-2776398A8C8B}" type="slidenum">
               <a:rPr lang="en-US" smtClean="0"/>
               <a:pPr/>
-              <a:t>49</a:t>
+              <a:t>50</a:t>
             </a:fld>
             <a:endParaRPr lang="en-US" dirty="0"/>
           </a:p>
@@ -23577,230 +25944,6 @@
 </p:sld>
 </file>
 
-<file path=ppt/slides/slide5.xml><?xml version="1.0" encoding="utf-8"?>
-<p:sld xmlns:a="http://schemas.openxmlformats.org/drawingml/2006/main" xmlns:r="http://schemas.openxmlformats.org/officeDocument/2006/relationships" xmlns:p="http://schemas.openxmlformats.org/presentationml/2006/main">
-  <p:cSld>
-    <p:spTree>
-      <p:nvGrpSpPr>
-        <p:cNvPr id="1" name=""/>
-        <p:cNvGrpSpPr/>
-        <p:nvPr/>
-      </p:nvGrpSpPr>
-      <p:grpSpPr>
-        <a:xfrm>
-          <a:off x="0" y="0"/>
-          <a:ext cx="0" cy="0"/>
-          <a:chOff x="0" y="0"/>
-          <a:chExt cx="0" cy="0"/>
-        </a:xfrm>
-      </p:grpSpPr>
-      <p:sp>
-        <p:nvSpPr>
-          <p:cNvPr id="4" name="Slide Number Placeholder 3">
-            <a:extLst>
-              <a:ext uri="{FF2B5EF4-FFF2-40B4-BE49-F238E27FC236}">
-                <a16:creationId xmlns:a16="http://schemas.microsoft.com/office/drawing/2014/main" id="{3C5AA856-BCB8-476B-A754-B50044D29C5D}"/>
-              </a:ext>
-            </a:extLst>
-          </p:cNvPr>
-          <p:cNvSpPr>
-            <a:spLocks noGrp="1"/>
-          </p:cNvSpPr>
-          <p:nvPr>
-            <p:ph type="sldNum" sz="quarter" idx="12"/>
-          </p:nvPr>
-        </p:nvSpPr>
-        <p:spPr/>
-        <p:txBody>
-          <a:bodyPr/>
-          <a:lstStyle/>
-          <a:p>
-            <a:fld id="{5ACD0CF0-90CC-9C41-A77B-2776398A8C8B}" type="slidenum">
-              <a:rPr lang="en-US" smtClean="0"/>
-              <a:pPr/>
-              <a:t>5</a:t>
-            </a:fld>
-            <a:endParaRPr lang="en-US"/>
-          </a:p>
-        </p:txBody>
-      </p:sp>
-      <p:sp>
-        <p:nvSpPr>
-          <p:cNvPr id="5" name="Rectangle 4">
-            <a:extLst>
-              <a:ext uri="{FF2B5EF4-FFF2-40B4-BE49-F238E27FC236}">
-                <a16:creationId xmlns:a16="http://schemas.microsoft.com/office/drawing/2014/main" id="{B4E86C8C-65F8-4D08-AAB5-F053F4C84415}"/>
-              </a:ext>
-            </a:extLst>
-          </p:cNvPr>
-          <p:cNvSpPr/>
-          <p:nvPr/>
-        </p:nvSpPr>
-        <p:spPr>
-          <a:xfrm>
-            <a:off x="3473450" y="1948644"/>
-            <a:ext cx="4800600" cy="2515406"/>
-          </a:xfrm>
-          <a:prstGeom prst="rect">
-            <a:avLst/>
-          </a:prstGeom>
-        </p:spPr>
-        <p:style>
-          <a:lnRef idx="2">
-            <a:schemeClr val="accent1">
-              <a:shade val="50000"/>
-            </a:schemeClr>
-          </a:lnRef>
-          <a:fillRef idx="1">
-            <a:schemeClr val="accent1"/>
-          </a:fillRef>
-          <a:effectRef idx="0">
-            <a:schemeClr val="accent1"/>
-          </a:effectRef>
-          <a:fontRef idx="minor">
-            <a:schemeClr val="lt1"/>
-          </a:fontRef>
-        </p:style>
-        <p:txBody>
-          <a:bodyPr rtlCol="0" anchor="ctr"/>
-          <a:lstStyle/>
-          <a:p>
-            <a:pPr marL="0" indent="0" algn="ctr">
-              <a:buNone/>
-            </a:pPr>
-            <a:r>
-              <a:rPr lang="en-US" sz="4000" b="1" dirty="0">
-                <a:solidFill>
-                  <a:schemeClr val="bg1"/>
-                </a:solidFill>
-                <a:latin typeface="Aharoni" panose="02010803020104030203" pitchFamily="2" charset="-79"/>
-                <a:cs typeface="Aharoni" panose="02010803020104030203" pitchFamily="2" charset="-79"/>
-              </a:rPr>
-              <a:t>Machine Learning Time</a:t>
-            </a:r>
-            <a:endParaRPr lang="en-US" sz="2800" b="1" dirty="0">
-              <a:solidFill>
-                <a:schemeClr val="bg1"/>
-              </a:solidFill>
-              <a:latin typeface="Aharoni" panose="02010803020104030203" pitchFamily="2" charset="-79"/>
-              <a:cs typeface="Aharoni" panose="02010803020104030203" pitchFamily="2" charset="-79"/>
-            </a:endParaRPr>
-          </a:p>
-        </p:txBody>
-      </p:sp>
-    </p:spTree>
-    <p:extLst>
-      <p:ext uri="{BB962C8B-B14F-4D97-AF65-F5344CB8AC3E}">
-        <p14:creationId xmlns:p14="http://schemas.microsoft.com/office/powerpoint/2010/main" val="2607541999"/>
-      </p:ext>
-    </p:extLst>
-  </p:cSld>
-  <p:clrMapOvr>
-    <a:masterClrMapping/>
-  </p:clrMapOvr>
-</p:sld>
-</file>
-
-<file path=ppt/slides/slide50.xml><?xml version="1.0" encoding="utf-8"?>
-<p:sld xmlns:a="http://schemas.openxmlformats.org/drawingml/2006/main" xmlns:r="http://schemas.openxmlformats.org/officeDocument/2006/relationships" xmlns:p="http://schemas.openxmlformats.org/presentationml/2006/main">
-  <p:cSld>
-    <p:spTree>
-      <p:nvGrpSpPr>
-        <p:cNvPr id="1" name=""/>
-        <p:cNvGrpSpPr/>
-        <p:nvPr/>
-      </p:nvGrpSpPr>
-      <p:grpSpPr>
-        <a:xfrm>
-          <a:off x="0" y="0"/>
-          <a:ext cx="0" cy="0"/>
-          <a:chOff x="0" y="0"/>
-          <a:chExt cx="0" cy="0"/>
-        </a:xfrm>
-      </p:grpSpPr>
-      <p:sp>
-        <p:nvSpPr>
-          <p:cNvPr id="4" name="Slide Number Placeholder 3">
-            <a:extLst>
-              <a:ext uri="{FF2B5EF4-FFF2-40B4-BE49-F238E27FC236}">
-                <a16:creationId xmlns:a16="http://schemas.microsoft.com/office/drawing/2014/main" id="{19A27C0B-F6A4-4D93-BA7D-9C1AD70732FD}"/>
-              </a:ext>
-            </a:extLst>
-          </p:cNvPr>
-          <p:cNvSpPr>
-            <a:spLocks noGrp="1"/>
-          </p:cNvSpPr>
-          <p:nvPr>
-            <p:ph type="sldNum" sz="quarter" idx="12"/>
-          </p:nvPr>
-        </p:nvSpPr>
-        <p:spPr/>
-        <p:txBody>
-          <a:bodyPr/>
-          <a:lstStyle/>
-          <a:p>
-            <a:fld id="{5ACD0CF0-90CC-9C41-A77B-2776398A8C8B}" type="slidenum">
-              <a:rPr lang="en-US" smtClean="0"/>
-              <a:pPr/>
-              <a:t>50</a:t>
-            </a:fld>
-            <a:endParaRPr lang="en-US"/>
-          </a:p>
-        </p:txBody>
-      </p:sp>
-      <p:sp>
-        <p:nvSpPr>
-          <p:cNvPr id="5" name="TextBox 4">
-            <a:extLst>
-              <a:ext uri="{FF2B5EF4-FFF2-40B4-BE49-F238E27FC236}">
-                <a16:creationId xmlns:a16="http://schemas.microsoft.com/office/drawing/2014/main" id="{4AA4C0B5-5CE5-4A91-8249-0DE79811D7E7}"/>
-              </a:ext>
-            </a:extLst>
-          </p:cNvPr>
-          <p:cNvSpPr txBox="1"/>
-          <p:nvPr/>
-        </p:nvSpPr>
-        <p:spPr>
-          <a:xfrm>
-            <a:off x="2085654" y="1433245"/>
-            <a:ext cx="8378575" cy="769441"/>
-          </a:xfrm>
-          <a:prstGeom prst="rect">
-            <a:avLst/>
-          </a:prstGeom>
-          <a:noFill/>
-        </p:spPr>
-        <p:txBody>
-          <a:bodyPr wrap="square" rtlCol="0">
-            <a:spAutoFit/>
-          </a:bodyPr>
-          <a:lstStyle/>
-          <a:p>
-            <a:pPr algn="ctr"/>
-            <a:r>
-              <a:rPr lang="en-US" sz="4400" dirty="0">
-                <a:solidFill>
-                  <a:schemeClr val="accent1"/>
-                </a:solidFill>
-              </a:rPr>
-              <a:t>Extra Material </a:t>
-            </a:r>
-          </a:p>
-        </p:txBody>
-      </p:sp>
-    </p:spTree>
-    <p:extLst>
-      <p:ext uri="{BB962C8B-B14F-4D97-AF65-F5344CB8AC3E}">
-        <p14:creationId xmlns:p14="http://schemas.microsoft.com/office/powerpoint/2010/main" val="1516860987"/>
-      </p:ext>
-    </p:extLst>
-  </p:cSld>
-  <p:clrMapOvr>
-    <a:masterClrMapping/>
-  </p:clrMapOvr>
-</p:sld>
-</file>
-
 <file path=ppt/slides/slide51.xml><?xml version="1.0" encoding="utf-8"?>
 <p:sld xmlns:a="http://schemas.openxmlformats.org/drawingml/2006/main" xmlns:r="http://schemas.openxmlformats.org/officeDocument/2006/relationships" xmlns:p="http://schemas.openxmlformats.org/presentationml/2006/main">
   <p:cSld>
@@ -23820,10 +25963,80 @@
       </p:grpSpPr>
       <p:sp>
         <p:nvSpPr>
+          <p:cNvPr id="2" name="Title 1">
+            <a:extLst>
+              <a:ext uri="{FF2B5EF4-FFF2-40B4-BE49-F238E27FC236}">
+                <a16:creationId xmlns:a16="http://schemas.microsoft.com/office/drawing/2014/main" id="{00C29119-EB12-4B2B-BF70-415E235B92E2}"/>
+              </a:ext>
+            </a:extLst>
+          </p:cNvPr>
+          <p:cNvSpPr>
+            <a:spLocks noGrp="1"/>
+          </p:cNvSpPr>
+          <p:nvPr>
+            <p:ph type="title"/>
+          </p:nvPr>
+        </p:nvSpPr>
+        <p:spPr/>
+        <p:txBody>
+          <a:bodyPr/>
+          <a:lstStyle/>
+          <a:p>
+            <a:r>
+              <a:rPr lang="en-US" dirty="0"/>
+              <a:t>Overview of Key ML Methods/Terms </a:t>
+            </a:r>
+          </a:p>
+        </p:txBody>
+      </p:sp>
+      <p:sp>
+        <p:nvSpPr>
+          <p:cNvPr id="3" name="Content Placeholder 2">
+            <a:extLst>
+              <a:ext uri="{FF2B5EF4-FFF2-40B4-BE49-F238E27FC236}">
+                <a16:creationId xmlns:a16="http://schemas.microsoft.com/office/drawing/2014/main" id="{7D9C13FB-F3EB-4BC0-B130-143DCC8FEBB4}"/>
+              </a:ext>
+            </a:extLst>
+          </p:cNvPr>
+          <p:cNvSpPr>
+            <a:spLocks noGrp="1"/>
+          </p:cNvSpPr>
+          <p:nvPr>
+            <p:ph idx="1"/>
+          </p:nvPr>
+        </p:nvSpPr>
+        <p:spPr>
+          <a:xfrm>
+            <a:off x="80554" y="804930"/>
+            <a:ext cx="10515600" cy="2099635"/>
+          </a:xfrm>
+        </p:spPr>
+        <p:txBody>
+          <a:bodyPr>
+            <a:normAutofit/>
+          </a:bodyPr>
+          <a:lstStyle/>
+          <a:p>
+            <a:r>
+              <a:rPr lang="en-US" dirty="0"/>
+              <a:t> Model Evaluation – The metrics you use to assess model quality. There are a ton of this measures, and we are dedicating an entire week to the exploring these further.  I’ll show some examples in the code for this week. </a:t>
+            </a:r>
+          </a:p>
+          <a:p>
+            <a:pPr lvl="1"/>
+            <a:r>
+              <a:rPr lang="en-US" dirty="0"/>
+              <a:t> Everything is evaluation</a:t>
+            </a:r>
+          </a:p>
+        </p:txBody>
+      </p:sp>
+      <p:sp>
+        <p:nvSpPr>
           <p:cNvPr id="4" name="Slide Number Placeholder 3">
             <a:extLst>
               <a:ext uri="{FF2B5EF4-FFF2-40B4-BE49-F238E27FC236}">
-                <a16:creationId xmlns:a16="http://schemas.microsoft.com/office/drawing/2014/main" id="{9C9FFE13-F397-4340-AE28-9AE96E56F414}"/>
+                <a16:creationId xmlns:a16="http://schemas.microsoft.com/office/drawing/2014/main" id="{D92C9808-45ED-4122-BCBD-B3884450838E}"/>
               </a:ext>
             </a:extLst>
           </p:cNvPr>
@@ -23848,67 +26061,1783 @@
           </a:p>
         </p:txBody>
       </p:sp>
-      <p:sp>
-        <p:nvSpPr>
-          <p:cNvPr id="5" name="Rectangle 4">
+      <p:grpSp>
+        <p:nvGrpSpPr>
+          <p:cNvPr id="41" name="Group 40">
             <a:extLst>
               <a:ext uri="{FF2B5EF4-FFF2-40B4-BE49-F238E27FC236}">
-                <a16:creationId xmlns:a16="http://schemas.microsoft.com/office/drawing/2014/main" id="{BBD9ADDE-BA09-449C-A1B4-28422D7C76D2}"/>
+                <a16:creationId xmlns:a16="http://schemas.microsoft.com/office/drawing/2014/main" id="{8E130FDB-D1BC-4CF8-859B-B0A0E37B4E8A}"/>
               </a:ext>
             </a:extLst>
           </p:cNvPr>
-          <p:cNvSpPr/>
+          <p:cNvGrpSpPr/>
           <p:nvPr/>
-        </p:nvSpPr>
-        <p:spPr>
+        </p:nvGrpSpPr>
+        <p:grpSpPr>
           <a:xfrm>
-            <a:off x="3131672" y="2325968"/>
-            <a:ext cx="6484470" cy="1495425"/>
+            <a:off x="2196290" y="3046063"/>
+            <a:ext cx="7999820" cy="3541432"/>
+            <a:chOff x="1509846" y="967986"/>
+            <a:chExt cx="9197315" cy="5388364"/>
           </a:xfrm>
-          <a:prstGeom prst="rect">
-            <a:avLst/>
-          </a:prstGeom>
-        </p:spPr>
-        <p:style>
-          <a:lnRef idx="2">
-            <a:schemeClr val="accent1">
-              <a:shade val="50000"/>
-            </a:schemeClr>
-          </a:lnRef>
-          <a:fillRef idx="1">
-            <a:schemeClr val="accent1"/>
-          </a:fillRef>
-          <a:effectRef idx="0">
-            <a:schemeClr val="accent1"/>
-          </a:effectRef>
-          <a:fontRef idx="minor">
-            <a:schemeClr val="lt1"/>
-          </a:fontRef>
-        </p:style>
-        <p:txBody>
-          <a:bodyPr rtlCol="0" anchor="ctr"/>
-          <a:lstStyle/>
-          <a:p>
-            <a:pPr marL="0" indent="0" algn="ctr">
-              <a:buNone/>
-            </a:pPr>
-            <a:r>
-              <a:rPr lang="en-US" sz="3200" b="1" dirty="0">
+        </p:grpSpPr>
+        <p:sp>
+          <p:nvSpPr>
+            <p:cNvPr id="5" name="Rectangle: Rounded Corners 4">
+              <a:extLst>
+                <a:ext uri="{FF2B5EF4-FFF2-40B4-BE49-F238E27FC236}">
+                  <a16:creationId xmlns:a16="http://schemas.microsoft.com/office/drawing/2014/main" id="{CBAA898E-F0C8-4F93-9E3C-B03E14EEA34E}"/>
+                </a:ext>
+              </a:extLst>
+            </p:cNvPr>
+            <p:cNvSpPr/>
+            <p:nvPr/>
+          </p:nvSpPr>
+          <p:spPr>
+            <a:xfrm>
+              <a:off x="3540456" y="3091967"/>
+              <a:ext cx="4604335" cy="3264383"/>
+            </a:xfrm>
+            <a:prstGeom prst="roundRect">
+              <a:avLst/>
+            </a:prstGeom>
+            <a:solidFill>
+              <a:schemeClr val="accent4">
+                <a:lumMod val="20000"/>
+                <a:lumOff val="80000"/>
+                <a:alpha val="80000"/>
+              </a:schemeClr>
+            </a:solidFill>
+            <a:ln>
+              <a:noFill/>
+            </a:ln>
+          </p:spPr>
+          <p:style>
+            <a:lnRef idx="2">
+              <a:schemeClr val="accent1">
+                <a:shade val="50000"/>
+              </a:schemeClr>
+            </a:lnRef>
+            <a:fillRef idx="1">
+              <a:schemeClr val="accent1"/>
+            </a:fillRef>
+            <a:effectRef idx="0">
+              <a:schemeClr val="accent1"/>
+            </a:effectRef>
+            <a:fontRef idx="minor">
+              <a:schemeClr val="lt1"/>
+            </a:fontRef>
+          </p:style>
+          <p:txBody>
+            <a:bodyPr rtlCol="0" anchor="ctr"/>
+            <a:lstStyle/>
+            <a:p>
+              <a:pPr algn="ctr"/>
+              <a:endParaRPr lang="en-US" b="1"/>
+            </a:p>
+          </p:txBody>
+        </p:sp>
+        <p:sp>
+          <p:nvSpPr>
+            <p:cNvPr id="6" name="Rectangle: Rounded Corners 5">
+              <a:extLst>
+                <a:ext uri="{FF2B5EF4-FFF2-40B4-BE49-F238E27FC236}">
+                  <a16:creationId xmlns:a16="http://schemas.microsoft.com/office/drawing/2014/main" id="{5A14C708-8548-4CB0-A633-056E3AB586A0}"/>
+                </a:ext>
+              </a:extLst>
+            </p:cNvPr>
+            <p:cNvSpPr/>
+            <p:nvPr/>
+          </p:nvSpPr>
+          <p:spPr>
+            <a:xfrm>
+              <a:off x="8775076" y="1142304"/>
+              <a:ext cx="1932085" cy="3242848"/>
+            </a:xfrm>
+            <a:prstGeom prst="roundRect">
+              <a:avLst/>
+            </a:prstGeom>
+            <a:solidFill>
+              <a:schemeClr val="accent4">
+                <a:lumMod val="20000"/>
+                <a:lumOff val="80000"/>
+                <a:alpha val="80000"/>
+              </a:schemeClr>
+            </a:solidFill>
+            <a:ln>
+              <a:noFill/>
+            </a:ln>
+          </p:spPr>
+          <p:style>
+            <a:lnRef idx="2">
+              <a:schemeClr val="accent1">
+                <a:shade val="50000"/>
+              </a:schemeClr>
+            </a:lnRef>
+            <a:fillRef idx="1">
+              <a:schemeClr val="accent1"/>
+            </a:fillRef>
+            <a:effectRef idx="0">
+              <a:schemeClr val="accent1"/>
+            </a:effectRef>
+            <a:fontRef idx="minor">
+              <a:schemeClr val="lt1"/>
+            </a:fontRef>
+          </p:style>
+          <p:txBody>
+            <a:bodyPr rtlCol="0" anchor="ctr"/>
+            <a:lstStyle/>
+            <a:p>
+              <a:pPr algn="ctr"/>
+              <a:endParaRPr lang="en-US" b="1"/>
+            </a:p>
+          </p:txBody>
+        </p:sp>
+        <p:sp>
+          <p:nvSpPr>
+            <p:cNvPr id="7" name="Rectangle: Rounded Corners 6">
+              <a:extLst>
+                <a:ext uri="{FF2B5EF4-FFF2-40B4-BE49-F238E27FC236}">
+                  <a16:creationId xmlns:a16="http://schemas.microsoft.com/office/drawing/2014/main" id="{E8A6F577-928C-4499-A400-8C331D22F536}"/>
+                </a:ext>
+              </a:extLst>
+            </p:cNvPr>
+            <p:cNvSpPr/>
+            <p:nvPr/>
+          </p:nvSpPr>
+          <p:spPr>
+            <a:xfrm rot="5400000">
+              <a:off x="5231523" y="-750951"/>
+              <a:ext cx="1405238" cy="5098172"/>
+            </a:xfrm>
+            <a:prstGeom prst="roundRect">
+              <a:avLst/>
+            </a:prstGeom>
+            <a:solidFill>
+              <a:schemeClr val="accent4">
+                <a:lumMod val="40000"/>
+                <a:lumOff val="60000"/>
+                <a:alpha val="69000"/>
+              </a:schemeClr>
+            </a:solidFill>
+            <a:ln>
+              <a:noFill/>
+            </a:ln>
+          </p:spPr>
+          <p:style>
+            <a:lnRef idx="2">
+              <a:schemeClr val="accent1">
+                <a:shade val="50000"/>
+              </a:schemeClr>
+            </a:lnRef>
+            <a:fillRef idx="1">
+              <a:schemeClr val="accent1"/>
+            </a:fillRef>
+            <a:effectRef idx="0">
+              <a:schemeClr val="accent1"/>
+            </a:effectRef>
+            <a:fontRef idx="minor">
+              <a:schemeClr val="lt1"/>
+            </a:fontRef>
+          </p:style>
+          <p:txBody>
+            <a:bodyPr rtlCol="0" anchor="ctr"/>
+            <a:lstStyle/>
+            <a:p>
+              <a:pPr algn="ctr"/>
+              <a:endParaRPr lang="en-US" b="1"/>
+            </a:p>
+          </p:txBody>
+        </p:sp>
+        <p:sp>
+          <p:nvSpPr>
+            <p:cNvPr id="8" name="Rectangle: Rounded Corners 7">
+              <a:extLst>
+                <a:ext uri="{FF2B5EF4-FFF2-40B4-BE49-F238E27FC236}">
+                  <a16:creationId xmlns:a16="http://schemas.microsoft.com/office/drawing/2014/main" id="{3E635FD8-DA99-4E4C-9AE6-FEB8DECD3108}"/>
+                </a:ext>
+              </a:extLst>
+            </p:cNvPr>
+            <p:cNvSpPr/>
+            <p:nvPr/>
+          </p:nvSpPr>
+          <p:spPr>
+            <a:xfrm>
+              <a:off x="1509846" y="1095517"/>
+              <a:ext cx="1699259" cy="4008110"/>
+            </a:xfrm>
+            <a:prstGeom prst="roundRect">
+              <a:avLst/>
+            </a:prstGeom>
+            <a:solidFill>
+              <a:schemeClr val="accent4">
+                <a:lumMod val="20000"/>
+                <a:lumOff val="80000"/>
+                <a:alpha val="76000"/>
+              </a:schemeClr>
+            </a:solidFill>
+            <a:ln>
+              <a:noFill/>
+            </a:ln>
+          </p:spPr>
+          <p:style>
+            <a:lnRef idx="2">
+              <a:schemeClr val="accent1">
+                <a:shade val="50000"/>
+              </a:schemeClr>
+            </a:lnRef>
+            <a:fillRef idx="1">
+              <a:schemeClr val="accent1"/>
+            </a:fillRef>
+            <a:effectRef idx="0">
+              <a:schemeClr val="accent1"/>
+            </a:effectRef>
+            <a:fontRef idx="minor">
+              <a:schemeClr val="lt1"/>
+            </a:fontRef>
+          </p:style>
+          <p:txBody>
+            <a:bodyPr rtlCol="0" anchor="ctr"/>
+            <a:lstStyle/>
+            <a:p>
+              <a:pPr algn="ctr"/>
+              <a:endParaRPr lang="en-US" b="1"/>
+            </a:p>
+          </p:txBody>
+        </p:sp>
+        <p:sp>
+          <p:nvSpPr>
+            <p:cNvPr id="9" name="Arrow: Right 8">
+              <a:extLst>
+                <a:ext uri="{FF2B5EF4-FFF2-40B4-BE49-F238E27FC236}">
+                  <a16:creationId xmlns:a16="http://schemas.microsoft.com/office/drawing/2014/main" id="{CCAC6279-9F8E-4B9A-8DB5-03729A4F915F}"/>
+                </a:ext>
+              </a:extLst>
+            </p:cNvPr>
+            <p:cNvSpPr/>
+            <p:nvPr/>
+          </p:nvSpPr>
+          <p:spPr>
+            <a:xfrm>
+              <a:off x="1568078" y="1696628"/>
+              <a:ext cx="7264604" cy="252445"/>
+            </a:xfrm>
+            <a:prstGeom prst="rightArrow">
+              <a:avLst/>
+            </a:prstGeom>
+          </p:spPr>
+          <p:style>
+            <a:lnRef idx="2">
+              <a:schemeClr val="accent1">
+                <a:shade val="50000"/>
+              </a:schemeClr>
+            </a:lnRef>
+            <a:fillRef idx="1">
+              <a:schemeClr val="accent1"/>
+            </a:fillRef>
+            <a:effectRef idx="0">
+              <a:schemeClr val="accent1"/>
+            </a:effectRef>
+            <a:fontRef idx="minor">
+              <a:schemeClr val="lt1"/>
+            </a:fontRef>
+          </p:style>
+          <p:txBody>
+            <a:bodyPr rtlCol="0" anchor="ctr"/>
+            <a:lstStyle/>
+            <a:p>
+              <a:pPr algn="ctr"/>
+              <a:endParaRPr lang="en-US" b="1"/>
+            </a:p>
+          </p:txBody>
+        </p:sp>
+        <p:sp>
+          <p:nvSpPr>
+            <p:cNvPr id="10" name="Arrow: Right 9">
+              <a:extLst>
+                <a:ext uri="{FF2B5EF4-FFF2-40B4-BE49-F238E27FC236}">
+                  <a16:creationId xmlns:a16="http://schemas.microsoft.com/office/drawing/2014/main" id="{3FC1601B-5487-4771-B389-BD62AF1F2803}"/>
+                </a:ext>
+              </a:extLst>
+            </p:cNvPr>
+            <p:cNvSpPr/>
+            <p:nvPr/>
+          </p:nvSpPr>
+          <p:spPr>
+            <a:xfrm rot="16200000">
+              <a:off x="966848" y="3447437"/>
+              <a:ext cx="2790838" cy="236770"/>
+            </a:xfrm>
+            <a:prstGeom prst="rightArrow">
+              <a:avLst/>
+            </a:prstGeom>
+          </p:spPr>
+          <p:style>
+            <a:lnRef idx="2">
+              <a:schemeClr val="accent1">
+                <a:shade val="50000"/>
+              </a:schemeClr>
+            </a:lnRef>
+            <a:fillRef idx="1">
+              <a:schemeClr val="accent1"/>
+            </a:fillRef>
+            <a:effectRef idx="0">
+              <a:schemeClr val="accent1"/>
+            </a:effectRef>
+            <a:fontRef idx="minor">
+              <a:schemeClr val="lt1"/>
+            </a:fontRef>
+          </p:style>
+          <p:txBody>
+            <a:bodyPr rtlCol="0" anchor="ctr"/>
+            <a:lstStyle/>
+            <a:p>
+              <a:pPr algn="ctr"/>
+              <a:endParaRPr lang="en-US" b="1"/>
+            </a:p>
+          </p:txBody>
+        </p:sp>
+        <p:sp>
+          <p:nvSpPr>
+            <p:cNvPr id="11" name="Rectangle: Rounded Corners 10">
+              <a:extLst>
+                <a:ext uri="{FF2B5EF4-FFF2-40B4-BE49-F238E27FC236}">
+                  <a16:creationId xmlns:a16="http://schemas.microsoft.com/office/drawing/2014/main" id="{1C533F6D-674D-4F1F-9FC5-F5D74E449A06}"/>
+                </a:ext>
+              </a:extLst>
+            </p:cNvPr>
+            <p:cNvSpPr/>
+            <p:nvPr/>
+          </p:nvSpPr>
+          <p:spPr>
+            <a:xfrm>
+              <a:off x="1561929" y="3346410"/>
+              <a:ext cx="1610940" cy="667451"/>
+            </a:xfrm>
+            <a:prstGeom prst="roundRect">
+              <a:avLst/>
+            </a:prstGeom>
+          </p:spPr>
+          <p:style>
+            <a:lnRef idx="2">
+              <a:schemeClr val="accent2">
+                <a:shade val="50000"/>
+              </a:schemeClr>
+            </a:lnRef>
+            <a:fillRef idx="1">
+              <a:schemeClr val="accent2"/>
+            </a:fillRef>
+            <a:effectRef idx="0">
+              <a:schemeClr val="accent2"/>
+            </a:effectRef>
+            <a:fontRef idx="minor">
+              <a:schemeClr val="lt1"/>
+            </a:fontRef>
+          </p:style>
+          <p:txBody>
+            <a:bodyPr rtlCol="0" anchor="ctr"/>
+            <a:lstStyle/>
+            <a:p>
+              <a:pPr algn="ctr"/>
+              <a:r>
+                <a:rPr lang="en-US" b="1" dirty="0"/>
+                <a:t>Question ID</a:t>
+              </a:r>
+            </a:p>
+          </p:txBody>
+        </p:sp>
+        <p:sp>
+          <p:nvSpPr>
+            <p:cNvPr id="12" name="Rectangle: Rounded Corners 11">
+              <a:extLst>
+                <a:ext uri="{FF2B5EF4-FFF2-40B4-BE49-F238E27FC236}">
+                  <a16:creationId xmlns:a16="http://schemas.microsoft.com/office/drawing/2014/main" id="{F8958758-AAEC-4652-8D39-C1E563E91CBE}"/>
+                </a:ext>
+              </a:extLst>
+            </p:cNvPr>
+            <p:cNvSpPr/>
+            <p:nvPr/>
+          </p:nvSpPr>
+          <p:spPr>
+            <a:xfrm>
+              <a:off x="1561929" y="4295535"/>
+              <a:ext cx="1610940" cy="667451"/>
+            </a:xfrm>
+            <a:prstGeom prst="roundRect">
+              <a:avLst/>
+            </a:prstGeom>
+          </p:spPr>
+          <p:style>
+            <a:lnRef idx="2">
+              <a:schemeClr val="accent1">
+                <a:shade val="50000"/>
+              </a:schemeClr>
+            </a:lnRef>
+            <a:fillRef idx="1">
+              <a:schemeClr val="accent1"/>
+            </a:fillRef>
+            <a:effectRef idx="0">
+              <a:schemeClr val="accent1"/>
+            </a:effectRef>
+            <a:fontRef idx="minor">
+              <a:schemeClr val="lt1"/>
+            </a:fontRef>
+          </p:style>
+          <p:txBody>
+            <a:bodyPr rtlCol="0" anchor="ctr"/>
+            <a:lstStyle/>
+            <a:p>
+              <a:pPr algn="ctr"/>
+              <a:r>
+                <a:rPr lang="en-US" sz="1750" b="1" dirty="0"/>
+                <a:t>Business Understanding</a:t>
+              </a:r>
+            </a:p>
+          </p:txBody>
+        </p:sp>
+        <p:sp>
+          <p:nvSpPr>
+            <p:cNvPr id="13" name="Rectangle: Rounded Corners 12">
+              <a:extLst>
+                <a:ext uri="{FF2B5EF4-FFF2-40B4-BE49-F238E27FC236}">
+                  <a16:creationId xmlns:a16="http://schemas.microsoft.com/office/drawing/2014/main" id="{8918EA52-0687-4600-9433-0F2B4679D07C}"/>
+                </a:ext>
+              </a:extLst>
+            </p:cNvPr>
+            <p:cNvSpPr/>
+            <p:nvPr/>
+          </p:nvSpPr>
+          <p:spPr>
+            <a:xfrm>
+              <a:off x="1538049" y="1476029"/>
+              <a:ext cx="1610940" cy="667451"/>
+            </a:xfrm>
+            <a:prstGeom prst="roundRect">
+              <a:avLst/>
+            </a:prstGeom>
+            <a:solidFill>
+              <a:srgbClr val="FF0000"/>
+            </a:solidFill>
+          </p:spPr>
+          <p:style>
+            <a:lnRef idx="2">
+              <a:schemeClr val="accent2">
+                <a:shade val="50000"/>
+              </a:schemeClr>
+            </a:lnRef>
+            <a:fillRef idx="1">
+              <a:schemeClr val="accent2"/>
+            </a:fillRef>
+            <a:effectRef idx="0">
+              <a:schemeClr val="accent2"/>
+            </a:effectRef>
+            <a:fontRef idx="minor">
+              <a:schemeClr val="lt1"/>
+            </a:fontRef>
+          </p:style>
+          <p:txBody>
+            <a:bodyPr rtlCol="0" anchor="ctr"/>
+            <a:lstStyle/>
+            <a:p>
+              <a:pPr algn="ctr"/>
+              <a:r>
+                <a:rPr lang="en-US" sz="1600" b="1" dirty="0"/>
+                <a:t>Data Acquisition/ Representation</a:t>
+              </a:r>
+            </a:p>
+          </p:txBody>
+        </p:sp>
+        <p:sp>
+          <p:nvSpPr>
+            <p:cNvPr id="14" name="Rectangle: Rounded Corners 13">
+              <a:extLst>
+                <a:ext uri="{FF2B5EF4-FFF2-40B4-BE49-F238E27FC236}">
+                  <a16:creationId xmlns:a16="http://schemas.microsoft.com/office/drawing/2014/main" id="{698BBC15-1D5D-48EB-80C0-A5B7FCE0669D}"/>
+                </a:ext>
+              </a:extLst>
+            </p:cNvPr>
+            <p:cNvSpPr/>
+            <p:nvPr/>
+          </p:nvSpPr>
+          <p:spPr>
+            <a:xfrm>
+              <a:off x="6872288" y="1504779"/>
+              <a:ext cx="1610940" cy="667451"/>
+            </a:xfrm>
+            <a:prstGeom prst="roundRect">
+              <a:avLst/>
+            </a:prstGeom>
+          </p:spPr>
+          <p:style>
+            <a:lnRef idx="2">
+              <a:schemeClr val="accent2">
+                <a:shade val="50000"/>
+              </a:schemeClr>
+            </a:lnRef>
+            <a:fillRef idx="1">
+              <a:schemeClr val="accent2"/>
+            </a:fillRef>
+            <a:effectRef idx="0">
+              <a:schemeClr val="accent2"/>
+            </a:effectRef>
+            <a:fontRef idx="minor">
+              <a:schemeClr val="lt1"/>
+            </a:fontRef>
+          </p:style>
+          <p:txBody>
+            <a:bodyPr rtlCol="0" anchor="ctr"/>
+            <a:lstStyle/>
+            <a:p>
+              <a:pPr algn="ctr"/>
+              <a:r>
+                <a:rPr lang="en-US" sz="1200" b="1" dirty="0"/>
+                <a:t>Initial Model</a:t>
+              </a:r>
+            </a:p>
+            <a:p>
+              <a:pPr algn="ctr"/>
+              <a:r>
+                <a:rPr lang="en-US" sz="1200" b="1" dirty="0"/>
+                <a:t>Evaluation</a:t>
+              </a:r>
+            </a:p>
+          </p:txBody>
+        </p:sp>
+        <p:sp>
+          <p:nvSpPr>
+            <p:cNvPr id="15" name="Rectangle: Rounded Corners 14">
+              <a:extLst>
+                <a:ext uri="{FF2B5EF4-FFF2-40B4-BE49-F238E27FC236}">
+                  <a16:creationId xmlns:a16="http://schemas.microsoft.com/office/drawing/2014/main" id="{DECD25F2-32CE-4BA2-8A60-10F0A8453959}"/>
+                </a:ext>
+              </a:extLst>
+            </p:cNvPr>
+            <p:cNvSpPr/>
+            <p:nvPr/>
+          </p:nvSpPr>
+          <p:spPr>
+            <a:xfrm>
+              <a:off x="3385056" y="1493434"/>
+              <a:ext cx="1610940" cy="667451"/>
+            </a:xfrm>
+            <a:prstGeom prst="roundRect">
+              <a:avLst/>
+            </a:prstGeom>
+            <a:solidFill>
+              <a:srgbClr val="FF0000"/>
+            </a:solidFill>
+          </p:spPr>
+          <p:style>
+            <a:lnRef idx="2">
+              <a:schemeClr val="accent6">
+                <a:shade val="50000"/>
+              </a:schemeClr>
+            </a:lnRef>
+            <a:fillRef idx="1">
+              <a:schemeClr val="accent6"/>
+            </a:fillRef>
+            <a:effectRef idx="0">
+              <a:schemeClr val="accent6"/>
+            </a:effectRef>
+            <a:fontRef idx="minor">
+              <a:schemeClr val="lt1"/>
+            </a:fontRef>
+          </p:style>
+          <p:txBody>
+            <a:bodyPr rtlCol="0" anchor="ctr"/>
+            <a:lstStyle/>
+            <a:p>
+              <a:pPr algn="ctr"/>
+              <a:r>
+                <a:rPr lang="en-US" sz="1100" b="1" dirty="0"/>
+                <a:t>Data Understanding - EDA</a:t>
+              </a:r>
+            </a:p>
+          </p:txBody>
+        </p:sp>
+        <p:sp>
+          <p:nvSpPr>
+            <p:cNvPr id="16" name="Rectangle: Rounded Corners 15">
+              <a:extLst>
+                <a:ext uri="{FF2B5EF4-FFF2-40B4-BE49-F238E27FC236}">
+                  <a16:creationId xmlns:a16="http://schemas.microsoft.com/office/drawing/2014/main" id="{CD4EBABC-599F-4956-BF8B-0CBFE1B1DA60}"/>
+                </a:ext>
+              </a:extLst>
+            </p:cNvPr>
+            <p:cNvSpPr/>
+            <p:nvPr/>
+          </p:nvSpPr>
+          <p:spPr>
+            <a:xfrm>
+              <a:off x="5171947" y="1493433"/>
+              <a:ext cx="1610940" cy="667451"/>
+            </a:xfrm>
+            <a:prstGeom prst="roundRect">
+              <a:avLst/>
+            </a:prstGeom>
+          </p:spPr>
+          <p:style>
+            <a:lnRef idx="2">
+              <a:schemeClr val="accent6">
+                <a:shade val="50000"/>
+              </a:schemeClr>
+            </a:lnRef>
+            <a:fillRef idx="1">
+              <a:schemeClr val="accent6"/>
+            </a:fillRef>
+            <a:effectRef idx="0">
+              <a:schemeClr val="accent6"/>
+            </a:effectRef>
+            <a:fontRef idx="minor">
+              <a:schemeClr val="lt1"/>
+            </a:fontRef>
+          </p:style>
+          <p:txBody>
+            <a:bodyPr rtlCol="0" anchor="ctr"/>
+            <a:lstStyle/>
+            <a:p>
+              <a:pPr algn="ctr"/>
+              <a:r>
+                <a:rPr lang="en-US" sz="1100" b="1" dirty="0"/>
+                <a:t>Initial Model(s) Building</a:t>
+              </a:r>
+            </a:p>
+          </p:txBody>
+        </p:sp>
+        <p:sp>
+          <p:nvSpPr>
+            <p:cNvPr id="17" name="Rectangle: Rounded Corners 16">
+              <a:extLst>
+                <a:ext uri="{FF2B5EF4-FFF2-40B4-BE49-F238E27FC236}">
+                  <a16:creationId xmlns:a16="http://schemas.microsoft.com/office/drawing/2014/main" id="{92C413C3-8F83-4068-A5C0-E12B80777F0B}"/>
+                </a:ext>
+              </a:extLst>
+            </p:cNvPr>
+            <p:cNvSpPr/>
+            <p:nvPr/>
+          </p:nvSpPr>
+          <p:spPr>
+            <a:xfrm>
+              <a:off x="1538049" y="2445704"/>
+              <a:ext cx="1610940" cy="667451"/>
+            </a:xfrm>
+            <a:prstGeom prst="roundRect">
+              <a:avLst/>
+            </a:prstGeom>
+          </p:spPr>
+          <p:style>
+            <a:lnRef idx="2">
+              <a:schemeClr val="accent2">
+                <a:shade val="50000"/>
+              </a:schemeClr>
+            </a:lnRef>
+            <a:fillRef idx="1">
+              <a:schemeClr val="accent2"/>
+            </a:fillRef>
+            <a:effectRef idx="0">
+              <a:schemeClr val="accent2"/>
+            </a:effectRef>
+            <a:fontRef idx="minor">
+              <a:schemeClr val="lt1"/>
+            </a:fontRef>
+          </p:style>
+          <p:txBody>
+            <a:bodyPr rtlCol="0" anchor="ctr"/>
+            <a:lstStyle/>
+            <a:p>
+              <a:pPr algn="ctr"/>
+              <a:r>
+                <a:rPr lang="en-US" sz="1050" b="1" dirty="0"/>
+                <a:t>Evaluation Criteria/Value Metric </a:t>
+              </a:r>
+            </a:p>
+          </p:txBody>
+        </p:sp>
+        <p:sp>
+          <p:nvSpPr>
+            <p:cNvPr id="18" name="Rectangle: Rounded Corners 17">
+              <a:extLst>
+                <a:ext uri="{FF2B5EF4-FFF2-40B4-BE49-F238E27FC236}">
+                  <a16:creationId xmlns:a16="http://schemas.microsoft.com/office/drawing/2014/main" id="{92125C68-17DC-4029-955B-5F1BA7625CEF}"/>
+                </a:ext>
+              </a:extLst>
+            </p:cNvPr>
+            <p:cNvSpPr/>
+            <p:nvPr/>
+          </p:nvSpPr>
+          <p:spPr>
+            <a:xfrm>
+              <a:off x="8832682" y="1504779"/>
+              <a:ext cx="1610940" cy="667451"/>
+            </a:xfrm>
+            <a:prstGeom prst="roundRect">
+              <a:avLst/>
+            </a:prstGeom>
+          </p:spPr>
+          <p:style>
+            <a:lnRef idx="2">
+              <a:schemeClr val="accent6">
+                <a:shade val="50000"/>
+              </a:schemeClr>
+            </a:lnRef>
+            <a:fillRef idx="1">
+              <a:schemeClr val="accent6"/>
+            </a:fillRef>
+            <a:effectRef idx="0">
+              <a:schemeClr val="accent6"/>
+            </a:effectRef>
+            <a:fontRef idx="minor">
+              <a:schemeClr val="lt1"/>
+            </a:fontRef>
+          </p:style>
+          <p:txBody>
+            <a:bodyPr rtlCol="0" anchor="ctr"/>
+            <a:lstStyle/>
+            <a:p>
+              <a:pPr algn="ctr"/>
+              <a:r>
+                <a:rPr lang="en-US" sz="1000" b="1" dirty="0"/>
+                <a:t>Model Creation &amp; Training </a:t>
+              </a:r>
+            </a:p>
+          </p:txBody>
+        </p:sp>
+        <p:sp>
+          <p:nvSpPr>
+            <p:cNvPr id="19" name="Rectangle: Rounded Corners 18">
+              <a:extLst>
+                <a:ext uri="{FF2B5EF4-FFF2-40B4-BE49-F238E27FC236}">
+                  <a16:creationId xmlns:a16="http://schemas.microsoft.com/office/drawing/2014/main" id="{212213E3-B4A9-4475-8B99-EC6FC3024D7D}"/>
+                </a:ext>
+              </a:extLst>
+            </p:cNvPr>
+            <p:cNvSpPr/>
+            <p:nvPr/>
+          </p:nvSpPr>
+          <p:spPr>
+            <a:xfrm>
+              <a:off x="8890914" y="2369737"/>
+              <a:ext cx="1610940" cy="739334"/>
+            </a:xfrm>
+            <a:prstGeom prst="roundRect">
+              <a:avLst/>
+            </a:prstGeom>
+          </p:spPr>
+          <p:style>
+            <a:lnRef idx="2">
+              <a:schemeClr val="accent2">
+                <a:shade val="50000"/>
+              </a:schemeClr>
+            </a:lnRef>
+            <a:fillRef idx="1">
+              <a:schemeClr val="accent2"/>
+            </a:fillRef>
+            <a:effectRef idx="0">
+              <a:schemeClr val="accent2"/>
+            </a:effectRef>
+            <a:fontRef idx="minor">
+              <a:schemeClr val="lt1"/>
+            </a:fontRef>
+          </p:style>
+          <p:txBody>
+            <a:bodyPr rtlCol="0" anchor="ctr"/>
+            <a:lstStyle/>
+            <a:p>
+              <a:pPr algn="ctr"/>
+              <a:r>
+                <a:rPr lang="en-US" sz="1100" b="1" dirty="0"/>
+                <a:t>Feature Engineering and Evaluation</a:t>
+              </a:r>
+            </a:p>
+          </p:txBody>
+        </p:sp>
+        <p:sp>
+          <p:nvSpPr>
+            <p:cNvPr id="20" name="Rectangle: Rounded Corners 19">
+              <a:extLst>
+                <a:ext uri="{FF2B5EF4-FFF2-40B4-BE49-F238E27FC236}">
+                  <a16:creationId xmlns:a16="http://schemas.microsoft.com/office/drawing/2014/main" id="{C4DCB56E-D74C-466C-A962-F5C6E67D9C51}"/>
+                </a:ext>
+              </a:extLst>
+            </p:cNvPr>
+            <p:cNvSpPr/>
+            <p:nvPr/>
+          </p:nvSpPr>
+          <p:spPr>
+            <a:xfrm>
+              <a:off x="8907208" y="3329558"/>
+              <a:ext cx="1610940" cy="739334"/>
+            </a:xfrm>
+            <a:prstGeom prst="roundRect">
+              <a:avLst/>
+            </a:prstGeom>
+          </p:spPr>
+          <p:style>
+            <a:lnRef idx="2">
+              <a:schemeClr val="accent6">
+                <a:shade val="50000"/>
+              </a:schemeClr>
+            </a:lnRef>
+            <a:fillRef idx="1">
+              <a:schemeClr val="accent6"/>
+            </a:fillRef>
+            <a:effectRef idx="0">
+              <a:schemeClr val="accent6"/>
+            </a:effectRef>
+            <a:fontRef idx="minor">
+              <a:schemeClr val="lt1"/>
+            </a:fontRef>
+          </p:style>
+          <p:txBody>
+            <a:bodyPr rtlCol="0" anchor="ctr"/>
+            <a:lstStyle/>
+            <a:p>
+              <a:pPr algn="ctr"/>
+              <a:r>
+                <a:rPr lang="en-US" sz="1600" b="1" dirty="0"/>
+                <a:t>Final Model Development</a:t>
+              </a:r>
+            </a:p>
+          </p:txBody>
+        </p:sp>
+        <p:cxnSp>
+          <p:nvCxnSpPr>
+            <p:cNvPr id="21" name="Connector: Elbow 20">
+              <a:extLst>
+                <a:ext uri="{FF2B5EF4-FFF2-40B4-BE49-F238E27FC236}">
+                  <a16:creationId xmlns:a16="http://schemas.microsoft.com/office/drawing/2014/main" id="{FF1DF4B6-C463-4EA4-AE0C-6A53109BC29F}"/>
+                </a:ext>
+              </a:extLst>
+            </p:cNvPr>
+            <p:cNvCxnSpPr>
+              <a:stCxn id="19" idx="3"/>
+              <a:endCxn id="18" idx="3"/>
+            </p:cNvCxnSpPr>
+            <p:nvPr/>
+          </p:nvCxnSpPr>
+          <p:spPr>
+            <a:xfrm flipH="1" flipV="1">
+              <a:off x="10443622" y="1838505"/>
+              <a:ext cx="58232" cy="900899"/>
+            </a:xfrm>
+            <a:prstGeom prst="bentConnector3">
+              <a:avLst>
+                <a:gd name="adj1" fmla="val -392568"/>
+              </a:avLst>
+            </a:prstGeom>
+            <a:ln>
+              <a:tailEnd type="triangle"/>
+            </a:ln>
+          </p:spPr>
+          <p:style>
+            <a:lnRef idx="2">
+              <a:schemeClr val="accent4"/>
+            </a:lnRef>
+            <a:fillRef idx="0">
+              <a:schemeClr val="accent4"/>
+            </a:fillRef>
+            <a:effectRef idx="1">
+              <a:schemeClr val="accent4"/>
+            </a:effectRef>
+            <a:fontRef idx="minor">
+              <a:schemeClr val="tx1"/>
+            </a:fontRef>
+          </p:style>
+        </p:cxnSp>
+        <p:cxnSp>
+          <p:nvCxnSpPr>
+            <p:cNvPr id="22" name="Connector: Elbow 21">
+              <a:extLst>
+                <a:ext uri="{FF2B5EF4-FFF2-40B4-BE49-F238E27FC236}">
+                  <a16:creationId xmlns:a16="http://schemas.microsoft.com/office/drawing/2014/main" id="{AEC3EDCA-C88A-4224-B4D8-E418B9115D9F}"/>
+                </a:ext>
+              </a:extLst>
+            </p:cNvPr>
+            <p:cNvCxnSpPr>
+              <a:stCxn id="18" idx="1"/>
+              <a:endCxn id="19" idx="1"/>
+            </p:cNvCxnSpPr>
+            <p:nvPr/>
+          </p:nvCxnSpPr>
+          <p:spPr>
+            <a:xfrm rot="10800000" flipH="1" flipV="1">
+              <a:off x="8832682" y="1838504"/>
+              <a:ext cx="58232" cy="900899"/>
+            </a:xfrm>
+            <a:prstGeom prst="bentConnector3">
+              <a:avLst>
+                <a:gd name="adj1" fmla="val -392568"/>
+              </a:avLst>
+            </a:prstGeom>
+            <a:ln>
+              <a:tailEnd type="triangle"/>
+            </a:ln>
+          </p:spPr>
+          <p:style>
+            <a:lnRef idx="3">
+              <a:schemeClr val="accent4"/>
+            </a:lnRef>
+            <a:fillRef idx="0">
+              <a:schemeClr val="accent4"/>
+            </a:fillRef>
+            <a:effectRef idx="2">
+              <a:schemeClr val="accent4"/>
+            </a:effectRef>
+            <a:fontRef idx="minor">
+              <a:schemeClr val="tx1"/>
+            </a:fontRef>
+          </p:style>
+        </p:cxnSp>
+        <p:cxnSp>
+          <p:nvCxnSpPr>
+            <p:cNvPr id="23" name="Connector: Elbow 22">
+              <a:extLst>
+                <a:ext uri="{FF2B5EF4-FFF2-40B4-BE49-F238E27FC236}">
+                  <a16:creationId xmlns:a16="http://schemas.microsoft.com/office/drawing/2014/main" id="{5164912E-CFEE-479C-B72D-77C1E9B79E7C}"/>
+                </a:ext>
+              </a:extLst>
+            </p:cNvPr>
+            <p:cNvCxnSpPr>
+              <a:stCxn id="16" idx="2"/>
+              <a:endCxn id="14" idx="2"/>
+            </p:cNvCxnSpPr>
+            <p:nvPr/>
+          </p:nvCxnSpPr>
+          <p:spPr>
+            <a:xfrm rot="16200000" flipH="1">
+              <a:off x="6821914" y="1316386"/>
+              <a:ext cx="11346" cy="1700341"/>
+            </a:xfrm>
+            <a:prstGeom prst="bentConnector3">
+              <a:avLst>
+                <a:gd name="adj1" fmla="val 2114807"/>
+              </a:avLst>
+            </a:prstGeom>
+            <a:ln>
+              <a:tailEnd type="triangle"/>
+            </a:ln>
+          </p:spPr>
+          <p:style>
+            <a:lnRef idx="2">
+              <a:schemeClr val="accent2"/>
+            </a:lnRef>
+            <a:fillRef idx="0">
+              <a:schemeClr val="accent2"/>
+            </a:fillRef>
+            <a:effectRef idx="1">
+              <a:schemeClr val="accent2"/>
+            </a:effectRef>
+            <a:fontRef idx="minor">
+              <a:schemeClr val="tx1"/>
+            </a:fontRef>
+          </p:style>
+        </p:cxnSp>
+        <p:cxnSp>
+          <p:nvCxnSpPr>
+            <p:cNvPr id="24" name="Connector: Elbow 23">
+              <a:extLst>
+                <a:ext uri="{FF2B5EF4-FFF2-40B4-BE49-F238E27FC236}">
+                  <a16:creationId xmlns:a16="http://schemas.microsoft.com/office/drawing/2014/main" id="{E59A2849-565C-4569-B807-9D0EFE4B3F95}"/>
+                </a:ext>
+              </a:extLst>
+            </p:cNvPr>
+            <p:cNvCxnSpPr>
+              <a:stCxn id="14" idx="0"/>
+              <a:endCxn id="16" idx="0"/>
+            </p:cNvCxnSpPr>
+            <p:nvPr/>
+          </p:nvCxnSpPr>
+          <p:spPr>
+            <a:xfrm rot="16200000" flipV="1">
+              <a:off x="6821915" y="648935"/>
+              <a:ext cx="11346" cy="1700341"/>
+            </a:xfrm>
+            <a:prstGeom prst="bentConnector3">
+              <a:avLst>
+                <a:gd name="adj1" fmla="val 2114807"/>
+              </a:avLst>
+            </a:prstGeom>
+            <a:ln>
+              <a:tailEnd type="triangle"/>
+            </a:ln>
+          </p:spPr>
+          <p:style>
+            <a:lnRef idx="2">
+              <a:schemeClr val="accent2"/>
+            </a:lnRef>
+            <a:fillRef idx="0">
+              <a:schemeClr val="accent2"/>
+            </a:fillRef>
+            <a:effectRef idx="1">
+              <a:schemeClr val="accent2"/>
+            </a:effectRef>
+            <a:fontRef idx="minor">
+              <a:schemeClr val="tx1"/>
+            </a:fontRef>
+          </p:style>
+        </p:cxnSp>
+        <p:sp>
+          <p:nvSpPr>
+            <p:cNvPr id="25" name="Rectangle: Rounded Corners 24">
+              <a:extLst>
+                <a:ext uri="{FF2B5EF4-FFF2-40B4-BE49-F238E27FC236}">
+                  <a16:creationId xmlns:a16="http://schemas.microsoft.com/office/drawing/2014/main" id="{4BF83A45-2B05-466F-A0DF-989BEB3A8724}"/>
+                </a:ext>
+              </a:extLst>
+            </p:cNvPr>
+            <p:cNvSpPr/>
+            <p:nvPr/>
+          </p:nvSpPr>
+          <p:spPr>
+            <a:xfrm>
+              <a:off x="4974433" y="3197530"/>
+              <a:ext cx="1610940" cy="667451"/>
+            </a:xfrm>
+            <a:prstGeom prst="roundRect">
+              <a:avLst/>
+            </a:prstGeom>
+            <a:solidFill>
+              <a:srgbClr val="FF0000"/>
+            </a:solidFill>
+          </p:spPr>
+          <p:style>
+            <a:lnRef idx="2">
+              <a:schemeClr val="accent6">
+                <a:shade val="50000"/>
+              </a:schemeClr>
+            </a:lnRef>
+            <a:fillRef idx="1">
+              <a:schemeClr val="accent6"/>
+            </a:fillRef>
+            <a:effectRef idx="0">
+              <a:schemeClr val="accent6"/>
+            </a:effectRef>
+            <a:fontRef idx="minor">
+              <a:schemeClr val="lt1"/>
+            </a:fontRef>
+          </p:style>
+          <p:txBody>
+            <a:bodyPr rtlCol="0" anchor="ctr"/>
+            <a:lstStyle/>
+            <a:p>
+              <a:pPr algn="ctr"/>
+              <a:r>
+                <a:rPr lang="en-US" b="1" dirty="0"/>
+                <a:t>Model Deployment</a:t>
+              </a:r>
+            </a:p>
+          </p:txBody>
+        </p:sp>
+        <p:sp>
+          <p:nvSpPr>
+            <p:cNvPr id="26" name="Rectangle: Rounded Corners 25">
+              <a:extLst>
+                <a:ext uri="{FF2B5EF4-FFF2-40B4-BE49-F238E27FC236}">
+                  <a16:creationId xmlns:a16="http://schemas.microsoft.com/office/drawing/2014/main" id="{5D30EFC7-00BA-49E8-BA16-7AB60F5AC078}"/>
+                </a:ext>
+              </a:extLst>
+            </p:cNvPr>
+            <p:cNvSpPr/>
+            <p:nvPr/>
+          </p:nvSpPr>
+          <p:spPr>
+            <a:xfrm>
+              <a:off x="3910013" y="4002571"/>
+              <a:ext cx="1610940" cy="739334"/>
+            </a:xfrm>
+            <a:prstGeom prst="roundRect">
+              <a:avLst/>
+            </a:prstGeom>
+          </p:spPr>
+          <p:style>
+            <a:lnRef idx="2">
+              <a:schemeClr val="accent6">
+                <a:shade val="50000"/>
+              </a:schemeClr>
+            </a:lnRef>
+            <a:fillRef idx="1">
+              <a:schemeClr val="accent6"/>
+            </a:fillRef>
+            <a:effectRef idx="0">
+              <a:schemeClr val="accent6"/>
+            </a:effectRef>
+            <a:fontRef idx="minor">
+              <a:schemeClr val="lt1"/>
+            </a:fontRef>
+          </p:style>
+          <p:txBody>
+            <a:bodyPr rtlCol="0" anchor="ctr"/>
+            <a:lstStyle/>
+            <a:p>
+              <a:pPr algn="ctr"/>
+              <a:r>
+                <a:rPr lang="en-US" b="1" dirty="0"/>
+                <a:t>Data Drift Analysis</a:t>
+              </a:r>
+            </a:p>
+          </p:txBody>
+        </p:sp>
+        <p:sp>
+          <p:nvSpPr>
+            <p:cNvPr id="27" name="Rectangle: Rounded Corners 26">
+              <a:extLst>
+                <a:ext uri="{FF2B5EF4-FFF2-40B4-BE49-F238E27FC236}">
+                  <a16:creationId xmlns:a16="http://schemas.microsoft.com/office/drawing/2014/main" id="{4AB6BE32-92A4-4CF1-A675-0E7FA04A3E18}"/>
+                </a:ext>
+              </a:extLst>
+            </p:cNvPr>
+            <p:cNvSpPr/>
+            <p:nvPr/>
+          </p:nvSpPr>
+          <p:spPr>
+            <a:xfrm>
+              <a:off x="5896193" y="4002570"/>
+              <a:ext cx="1610940" cy="739334"/>
+            </a:xfrm>
+            <a:prstGeom prst="roundRect">
+              <a:avLst/>
+            </a:prstGeom>
+          </p:spPr>
+          <p:style>
+            <a:lnRef idx="2">
+              <a:schemeClr val="accent2">
+                <a:shade val="50000"/>
+              </a:schemeClr>
+            </a:lnRef>
+            <a:fillRef idx="1">
+              <a:schemeClr val="accent2"/>
+            </a:fillRef>
+            <a:effectRef idx="0">
+              <a:schemeClr val="accent2"/>
+            </a:effectRef>
+            <a:fontRef idx="minor">
+              <a:schemeClr val="lt1"/>
+            </a:fontRef>
+          </p:style>
+          <p:txBody>
+            <a:bodyPr rtlCol="0" anchor="ctr"/>
+            <a:lstStyle/>
+            <a:p>
+              <a:pPr algn="ctr"/>
+              <a:r>
+                <a:rPr lang="en-US" sz="1000" b="1" dirty="0"/>
+                <a:t>Model Performance – Evaluation Value Metric</a:t>
+              </a:r>
+            </a:p>
+          </p:txBody>
+        </p:sp>
+        <p:sp>
+          <p:nvSpPr>
+            <p:cNvPr id="28" name="Rectangle: Rounded Corners 27">
+              <a:extLst>
+                <a:ext uri="{FF2B5EF4-FFF2-40B4-BE49-F238E27FC236}">
+                  <a16:creationId xmlns:a16="http://schemas.microsoft.com/office/drawing/2014/main" id="{4FD46162-B890-41E8-B83C-AC8CB1EA77B2}"/>
+                </a:ext>
+              </a:extLst>
+            </p:cNvPr>
+            <p:cNvSpPr/>
+            <p:nvPr/>
+          </p:nvSpPr>
+          <p:spPr>
+            <a:xfrm>
+              <a:off x="4934760" y="4908915"/>
+              <a:ext cx="1610940" cy="739334"/>
+            </a:xfrm>
+            <a:prstGeom prst="roundRect">
+              <a:avLst/>
+            </a:prstGeom>
+          </p:spPr>
+          <p:style>
+            <a:lnRef idx="2">
+              <a:schemeClr val="accent2">
+                <a:shade val="50000"/>
+              </a:schemeClr>
+            </a:lnRef>
+            <a:fillRef idx="1">
+              <a:schemeClr val="accent2"/>
+            </a:fillRef>
+            <a:effectRef idx="0">
+              <a:schemeClr val="accent2"/>
+            </a:effectRef>
+            <a:fontRef idx="minor">
+              <a:schemeClr val="lt1"/>
+            </a:fontRef>
+          </p:style>
+          <p:txBody>
+            <a:bodyPr rtlCol="0" anchor="ctr"/>
+            <a:lstStyle/>
+            <a:p>
+              <a:pPr algn="ctr"/>
+              <a:r>
+                <a:rPr lang="en-US" sz="1400" b="1" dirty="0"/>
+                <a:t>Model Drift Analysis – Model Evaluation</a:t>
+              </a:r>
+            </a:p>
+          </p:txBody>
+        </p:sp>
+        <p:sp>
+          <p:nvSpPr>
+            <p:cNvPr id="29" name="Arrow: Curved Right 28">
+              <a:extLst>
+                <a:ext uri="{FF2B5EF4-FFF2-40B4-BE49-F238E27FC236}">
+                  <a16:creationId xmlns:a16="http://schemas.microsoft.com/office/drawing/2014/main" id="{845E1185-190A-4425-B1C2-D949023C4339}"/>
+                </a:ext>
+              </a:extLst>
+            </p:cNvPr>
+            <p:cNvSpPr/>
+            <p:nvPr/>
+          </p:nvSpPr>
+          <p:spPr>
+            <a:xfrm>
+              <a:off x="3626403" y="3351120"/>
+              <a:ext cx="1132406" cy="2274468"/>
+            </a:xfrm>
+            <a:prstGeom prst="curvedRightArrow">
+              <a:avLst/>
+            </a:prstGeom>
+          </p:spPr>
+          <p:style>
+            <a:lnRef idx="2">
+              <a:schemeClr val="accent1">
+                <a:shade val="50000"/>
+              </a:schemeClr>
+            </a:lnRef>
+            <a:fillRef idx="1">
+              <a:schemeClr val="accent1"/>
+            </a:fillRef>
+            <a:effectRef idx="0">
+              <a:schemeClr val="accent1"/>
+            </a:effectRef>
+            <a:fontRef idx="minor">
+              <a:schemeClr val="lt1"/>
+            </a:fontRef>
+          </p:style>
+          <p:txBody>
+            <a:bodyPr rtlCol="0" anchor="ctr"/>
+            <a:lstStyle/>
+            <a:p>
+              <a:pPr algn="ctr"/>
+              <a:endParaRPr lang="en-US" b="1">
                 <a:solidFill>
-                  <a:schemeClr val="bg1"/>
+                  <a:schemeClr val="tx1"/>
                 </a:solidFill>
-                <a:latin typeface="Aharoni" panose="02010803020104030203" pitchFamily="2" charset="-79"/>
-                <a:cs typeface="Aharoni" panose="02010803020104030203" pitchFamily="2" charset="-79"/>
-              </a:rPr>
-              <a:t>Bookings.com  </a:t>
-            </a:r>
-          </a:p>
-        </p:txBody>
-      </p:sp>
+              </a:endParaRPr>
+            </a:p>
+          </p:txBody>
+        </p:sp>
+        <p:sp>
+          <p:nvSpPr>
+            <p:cNvPr id="30" name="Arrow: Curved Right 29">
+              <a:extLst>
+                <a:ext uri="{FF2B5EF4-FFF2-40B4-BE49-F238E27FC236}">
+                  <a16:creationId xmlns:a16="http://schemas.microsoft.com/office/drawing/2014/main" id="{94C0D116-6E7C-4B9A-906C-4AB2F013C6AC}"/>
+                </a:ext>
+              </a:extLst>
+            </p:cNvPr>
+            <p:cNvSpPr/>
+            <p:nvPr/>
+          </p:nvSpPr>
+          <p:spPr>
+            <a:xfrm rot="10800000">
+              <a:off x="6761325" y="3243739"/>
+              <a:ext cx="1132406" cy="2274468"/>
+            </a:xfrm>
+            <a:prstGeom prst="curvedRightArrow">
+              <a:avLst/>
+            </a:prstGeom>
+          </p:spPr>
+          <p:style>
+            <a:lnRef idx="2">
+              <a:schemeClr val="accent1">
+                <a:shade val="50000"/>
+              </a:schemeClr>
+            </a:lnRef>
+            <a:fillRef idx="1">
+              <a:schemeClr val="accent1"/>
+            </a:fillRef>
+            <a:effectRef idx="0">
+              <a:schemeClr val="accent1"/>
+            </a:effectRef>
+            <a:fontRef idx="minor">
+              <a:schemeClr val="lt1"/>
+            </a:fontRef>
+          </p:style>
+          <p:txBody>
+            <a:bodyPr rtlCol="0" anchor="ctr"/>
+            <a:lstStyle/>
+            <a:p>
+              <a:pPr algn="ctr"/>
+              <a:endParaRPr lang="en-US" b="1">
+                <a:solidFill>
+                  <a:schemeClr val="tx1"/>
+                </a:solidFill>
+              </a:endParaRPr>
+            </a:p>
+          </p:txBody>
+        </p:sp>
+        <p:cxnSp>
+          <p:nvCxnSpPr>
+            <p:cNvPr id="31" name="Connector: Elbow 30">
+              <a:extLst>
+                <a:ext uri="{FF2B5EF4-FFF2-40B4-BE49-F238E27FC236}">
+                  <a16:creationId xmlns:a16="http://schemas.microsoft.com/office/drawing/2014/main" id="{2111C249-6D0E-4553-AC7C-42BF004F1042}"/>
+                </a:ext>
+              </a:extLst>
+            </p:cNvPr>
+            <p:cNvCxnSpPr>
+              <a:stCxn id="20" idx="3"/>
+              <a:endCxn id="18" idx="3"/>
+            </p:cNvCxnSpPr>
+            <p:nvPr/>
+          </p:nvCxnSpPr>
+          <p:spPr>
+            <a:xfrm flipH="1" flipV="1">
+              <a:off x="10443622" y="1838505"/>
+              <a:ext cx="74526" cy="1860720"/>
+            </a:xfrm>
+            <a:prstGeom prst="bentConnector3">
+              <a:avLst>
+                <a:gd name="adj1" fmla="val -306739"/>
+              </a:avLst>
+            </a:prstGeom>
+            <a:ln>
+              <a:tailEnd type="triangle"/>
+            </a:ln>
+          </p:spPr>
+          <p:style>
+            <a:lnRef idx="2">
+              <a:schemeClr val="accent4"/>
+            </a:lnRef>
+            <a:fillRef idx="0">
+              <a:schemeClr val="accent4"/>
+            </a:fillRef>
+            <a:effectRef idx="1">
+              <a:schemeClr val="accent4"/>
+            </a:effectRef>
+            <a:fontRef idx="minor">
+              <a:schemeClr val="tx1"/>
+            </a:fontRef>
+          </p:style>
+        </p:cxnSp>
+        <p:cxnSp>
+          <p:nvCxnSpPr>
+            <p:cNvPr id="32" name="Connector: Elbow 31">
+              <a:extLst>
+                <a:ext uri="{FF2B5EF4-FFF2-40B4-BE49-F238E27FC236}">
+                  <a16:creationId xmlns:a16="http://schemas.microsoft.com/office/drawing/2014/main" id="{0A1FFD0B-E8E3-49A2-8788-9CEC1F39F22D}"/>
+                </a:ext>
+              </a:extLst>
+            </p:cNvPr>
+            <p:cNvCxnSpPr>
+              <a:stCxn id="18" idx="1"/>
+              <a:endCxn id="20" idx="1"/>
+            </p:cNvCxnSpPr>
+            <p:nvPr/>
+          </p:nvCxnSpPr>
+          <p:spPr>
+            <a:xfrm rot="10800000" flipH="1" flipV="1">
+              <a:off x="8832682" y="1838505"/>
+              <a:ext cx="74526" cy="1860720"/>
+            </a:xfrm>
+            <a:prstGeom prst="bentConnector3">
+              <a:avLst>
+                <a:gd name="adj1" fmla="val -306739"/>
+              </a:avLst>
+            </a:prstGeom>
+            <a:ln>
+              <a:tailEnd type="triangle"/>
+            </a:ln>
+          </p:spPr>
+          <p:style>
+            <a:lnRef idx="2">
+              <a:schemeClr val="accent4"/>
+            </a:lnRef>
+            <a:fillRef idx="0">
+              <a:schemeClr val="accent4"/>
+            </a:fillRef>
+            <a:effectRef idx="1">
+              <a:schemeClr val="accent4"/>
+            </a:effectRef>
+            <a:fontRef idx="minor">
+              <a:schemeClr val="tx1"/>
+            </a:fontRef>
+          </p:style>
+        </p:cxnSp>
+        <p:sp>
+          <p:nvSpPr>
+            <p:cNvPr id="33" name="Rectangle: Rounded Corners 32">
+              <a:extLst>
+                <a:ext uri="{FF2B5EF4-FFF2-40B4-BE49-F238E27FC236}">
+                  <a16:creationId xmlns:a16="http://schemas.microsoft.com/office/drawing/2014/main" id="{F0B30532-E13E-4F86-AB5B-88567FF76D49}"/>
+                </a:ext>
+              </a:extLst>
+            </p:cNvPr>
+            <p:cNvSpPr/>
+            <p:nvPr/>
+          </p:nvSpPr>
+          <p:spPr>
+            <a:xfrm>
+              <a:off x="3649491" y="5851342"/>
+              <a:ext cx="4386263" cy="292066"/>
+            </a:xfrm>
+            <a:prstGeom prst="roundRect">
+              <a:avLst/>
+            </a:prstGeom>
+          </p:spPr>
+          <p:style>
+            <a:lnRef idx="2">
+              <a:schemeClr val="accent1">
+                <a:shade val="50000"/>
+              </a:schemeClr>
+            </a:lnRef>
+            <a:fillRef idx="1">
+              <a:schemeClr val="accent1"/>
+            </a:fillRef>
+            <a:effectRef idx="0">
+              <a:schemeClr val="accent1"/>
+            </a:effectRef>
+            <a:fontRef idx="minor">
+              <a:schemeClr val="lt1"/>
+            </a:fontRef>
+          </p:style>
+          <p:txBody>
+            <a:bodyPr rtlCol="0" anchor="ctr"/>
+            <a:lstStyle/>
+            <a:p>
+              <a:pPr algn="ctr"/>
+              <a:r>
+                <a:rPr lang="en-US" sz="1750" b="1" dirty="0"/>
+                <a:t>Reports – Dashboards - Products </a:t>
+              </a:r>
+            </a:p>
+          </p:txBody>
+        </p:sp>
+        <p:sp>
+          <p:nvSpPr>
+            <p:cNvPr id="34" name="Arrow: Right 33">
+              <a:extLst>
+                <a:ext uri="{FF2B5EF4-FFF2-40B4-BE49-F238E27FC236}">
+                  <a16:creationId xmlns:a16="http://schemas.microsoft.com/office/drawing/2014/main" id="{7F707E17-E54A-488F-BFE6-6CB551583C38}"/>
+                </a:ext>
+              </a:extLst>
+            </p:cNvPr>
+            <p:cNvSpPr/>
+            <p:nvPr/>
+          </p:nvSpPr>
+          <p:spPr>
+            <a:xfrm rot="10800000">
+              <a:off x="8181672" y="3347571"/>
+              <a:ext cx="503935" cy="341103"/>
+            </a:xfrm>
+            <a:prstGeom prst="rightArrow">
+              <a:avLst/>
+            </a:prstGeom>
+          </p:spPr>
+          <p:style>
+            <a:lnRef idx="2">
+              <a:schemeClr val="accent1">
+                <a:shade val="50000"/>
+              </a:schemeClr>
+            </a:lnRef>
+            <a:fillRef idx="1">
+              <a:schemeClr val="accent1"/>
+            </a:fillRef>
+            <a:effectRef idx="0">
+              <a:schemeClr val="accent1"/>
+            </a:effectRef>
+            <a:fontRef idx="minor">
+              <a:schemeClr val="lt1"/>
+            </a:fontRef>
+          </p:style>
+          <p:txBody>
+            <a:bodyPr rtlCol="0" anchor="ctr"/>
+            <a:lstStyle/>
+            <a:p>
+              <a:pPr algn="ctr"/>
+              <a:endParaRPr lang="en-US" b="1"/>
+            </a:p>
+          </p:txBody>
+        </p:sp>
+        <p:sp>
+          <p:nvSpPr>
+            <p:cNvPr id="35" name="Isosceles Triangle 34">
+              <a:extLst>
+                <a:ext uri="{FF2B5EF4-FFF2-40B4-BE49-F238E27FC236}">
+                  <a16:creationId xmlns:a16="http://schemas.microsoft.com/office/drawing/2014/main" id="{9B0A461F-6F3C-4CAA-AD3D-1EA28F1ECB5B}"/>
+                </a:ext>
+              </a:extLst>
+            </p:cNvPr>
+            <p:cNvSpPr/>
+            <p:nvPr/>
+          </p:nvSpPr>
+          <p:spPr>
+            <a:xfrm>
+              <a:off x="2814189" y="967986"/>
+              <a:ext cx="955833" cy="436936"/>
+            </a:xfrm>
+            <a:prstGeom prst="triangle">
+              <a:avLst/>
+            </a:prstGeom>
+          </p:spPr>
+          <p:style>
+            <a:lnRef idx="2">
+              <a:schemeClr val="accent1">
+                <a:shade val="50000"/>
+              </a:schemeClr>
+            </a:lnRef>
+            <a:fillRef idx="1">
+              <a:schemeClr val="accent1"/>
+            </a:fillRef>
+            <a:effectRef idx="0">
+              <a:schemeClr val="accent1"/>
+            </a:effectRef>
+            <a:fontRef idx="minor">
+              <a:schemeClr val="lt1"/>
+            </a:fontRef>
+          </p:style>
+          <p:txBody>
+            <a:bodyPr rtlCol="0" anchor="b"/>
+            <a:lstStyle/>
+            <a:p>
+              <a:pPr algn="ctr"/>
+              <a:r>
+                <a:rPr lang="en-US" dirty="0"/>
+                <a:t>G1</a:t>
+              </a:r>
+            </a:p>
+          </p:txBody>
+        </p:sp>
+        <p:sp>
+          <p:nvSpPr>
+            <p:cNvPr id="36" name="Isosceles Triangle 35">
+              <a:extLst>
+                <a:ext uri="{FF2B5EF4-FFF2-40B4-BE49-F238E27FC236}">
+                  <a16:creationId xmlns:a16="http://schemas.microsoft.com/office/drawing/2014/main" id="{DBAE530A-85DB-4C8D-8921-E4AC4A2CCD9F}"/>
+                </a:ext>
+              </a:extLst>
+            </p:cNvPr>
+            <p:cNvSpPr/>
+            <p:nvPr/>
+          </p:nvSpPr>
+          <p:spPr>
+            <a:xfrm>
+              <a:off x="8144791" y="984504"/>
+              <a:ext cx="955833" cy="436936"/>
+            </a:xfrm>
+            <a:prstGeom prst="triangle">
+              <a:avLst/>
+            </a:prstGeom>
+          </p:spPr>
+          <p:style>
+            <a:lnRef idx="2">
+              <a:schemeClr val="accent1">
+                <a:shade val="50000"/>
+              </a:schemeClr>
+            </a:lnRef>
+            <a:fillRef idx="1">
+              <a:schemeClr val="accent1"/>
+            </a:fillRef>
+            <a:effectRef idx="0">
+              <a:schemeClr val="accent1"/>
+            </a:effectRef>
+            <a:fontRef idx="minor">
+              <a:schemeClr val="lt1"/>
+            </a:fontRef>
+          </p:style>
+          <p:txBody>
+            <a:bodyPr rtlCol="0" anchor="b"/>
+            <a:lstStyle/>
+            <a:p>
+              <a:pPr algn="ctr"/>
+              <a:r>
+                <a:rPr lang="en-US" dirty="0"/>
+                <a:t>G2</a:t>
+              </a:r>
+            </a:p>
+          </p:txBody>
+        </p:sp>
+        <p:sp>
+          <p:nvSpPr>
+            <p:cNvPr id="37" name="Isosceles Triangle 36">
+              <a:extLst>
+                <a:ext uri="{FF2B5EF4-FFF2-40B4-BE49-F238E27FC236}">
+                  <a16:creationId xmlns:a16="http://schemas.microsoft.com/office/drawing/2014/main" id="{17F3EE3A-8C8C-4AED-929F-AB5FF18A2FCC}"/>
+                </a:ext>
+              </a:extLst>
+            </p:cNvPr>
+            <p:cNvSpPr/>
+            <p:nvPr/>
+          </p:nvSpPr>
+          <p:spPr>
+            <a:xfrm>
+              <a:off x="7998225" y="3767332"/>
+              <a:ext cx="955833" cy="436936"/>
+            </a:xfrm>
+            <a:prstGeom prst="triangle">
+              <a:avLst/>
+            </a:prstGeom>
+          </p:spPr>
+          <p:style>
+            <a:lnRef idx="2">
+              <a:schemeClr val="accent1">
+                <a:shade val="50000"/>
+              </a:schemeClr>
+            </a:lnRef>
+            <a:fillRef idx="1">
+              <a:schemeClr val="accent1"/>
+            </a:fillRef>
+            <a:effectRef idx="0">
+              <a:schemeClr val="accent1"/>
+            </a:effectRef>
+            <a:fontRef idx="minor">
+              <a:schemeClr val="lt1"/>
+            </a:fontRef>
+          </p:style>
+          <p:txBody>
+            <a:bodyPr rtlCol="0" anchor="b"/>
+            <a:lstStyle/>
+            <a:p>
+              <a:pPr algn="ctr"/>
+              <a:r>
+                <a:rPr lang="en-US" dirty="0"/>
+                <a:t>G3</a:t>
+              </a:r>
+            </a:p>
+          </p:txBody>
+        </p:sp>
+        <p:sp>
+          <p:nvSpPr>
+            <p:cNvPr id="38" name="Isosceles Triangle 37">
+              <a:extLst>
+                <a:ext uri="{FF2B5EF4-FFF2-40B4-BE49-F238E27FC236}">
+                  <a16:creationId xmlns:a16="http://schemas.microsoft.com/office/drawing/2014/main" id="{8B9B1CFA-174F-4CB2-BCC5-555147B1782A}"/>
+                </a:ext>
+              </a:extLst>
+            </p:cNvPr>
+            <p:cNvSpPr/>
+            <p:nvPr/>
+          </p:nvSpPr>
+          <p:spPr>
+            <a:xfrm>
+              <a:off x="8772917" y="5356102"/>
+              <a:ext cx="449108" cy="253293"/>
+            </a:xfrm>
+            <a:prstGeom prst="triangle">
+              <a:avLst/>
+            </a:prstGeom>
+          </p:spPr>
+          <p:style>
+            <a:lnRef idx="2">
+              <a:schemeClr val="accent1">
+                <a:shade val="50000"/>
+              </a:schemeClr>
+            </a:lnRef>
+            <a:fillRef idx="1">
+              <a:schemeClr val="accent1"/>
+            </a:fillRef>
+            <a:effectRef idx="0">
+              <a:schemeClr val="accent1"/>
+            </a:effectRef>
+            <a:fontRef idx="minor">
+              <a:schemeClr val="lt1"/>
+            </a:fontRef>
+          </p:style>
+          <p:txBody>
+            <a:bodyPr rtlCol="0" anchor="b"/>
+            <a:lstStyle/>
+            <a:p>
+              <a:pPr algn="ctr"/>
+              <a:endParaRPr lang="en-US" dirty="0"/>
+            </a:p>
+          </p:txBody>
+        </p:sp>
+        <p:sp>
+          <p:nvSpPr>
+            <p:cNvPr id="39" name="TextBox 38">
+              <a:extLst>
+                <a:ext uri="{FF2B5EF4-FFF2-40B4-BE49-F238E27FC236}">
+                  <a16:creationId xmlns:a16="http://schemas.microsoft.com/office/drawing/2014/main" id="{90382EEF-66E9-4504-965A-BA8C817348F6}"/>
+                </a:ext>
+              </a:extLst>
+            </p:cNvPr>
+            <p:cNvSpPr txBox="1"/>
+            <p:nvPr/>
+          </p:nvSpPr>
+          <p:spPr>
+            <a:xfrm>
+              <a:off x="9222025" y="5173486"/>
+              <a:ext cx="1025060" cy="646331"/>
+            </a:xfrm>
+            <a:prstGeom prst="rect">
+              <a:avLst/>
+            </a:prstGeom>
+            <a:noFill/>
+          </p:spPr>
+          <p:txBody>
+            <a:bodyPr wrap="square" rtlCol="0">
+              <a:spAutoFit/>
+            </a:bodyPr>
+            <a:lstStyle/>
+            <a:p>
+              <a:pPr algn="ctr"/>
+              <a:r>
+                <a:rPr lang="en-US" b="1" dirty="0"/>
+                <a:t>Gate Reviews</a:t>
+              </a:r>
+            </a:p>
+          </p:txBody>
+        </p:sp>
+        <p:sp>
+          <p:nvSpPr>
+            <p:cNvPr id="40" name="Arrow: Right 39">
+              <a:extLst>
+                <a:ext uri="{FF2B5EF4-FFF2-40B4-BE49-F238E27FC236}">
+                  <a16:creationId xmlns:a16="http://schemas.microsoft.com/office/drawing/2014/main" id="{2E078AB0-F751-490A-A156-8EA20323DC77}"/>
+                </a:ext>
+              </a:extLst>
+            </p:cNvPr>
+            <p:cNvSpPr/>
+            <p:nvPr/>
+          </p:nvSpPr>
+          <p:spPr>
+            <a:xfrm rot="10800000">
+              <a:off x="3266095" y="3311949"/>
+              <a:ext cx="503935" cy="341103"/>
+            </a:xfrm>
+            <a:prstGeom prst="rightArrow">
+              <a:avLst/>
+            </a:prstGeom>
+          </p:spPr>
+          <p:style>
+            <a:lnRef idx="2">
+              <a:schemeClr val="accent1">
+                <a:shade val="50000"/>
+              </a:schemeClr>
+            </a:lnRef>
+            <a:fillRef idx="1">
+              <a:schemeClr val="accent1"/>
+            </a:fillRef>
+            <a:effectRef idx="0">
+              <a:schemeClr val="accent1"/>
+            </a:effectRef>
+            <a:fontRef idx="minor">
+              <a:schemeClr val="lt1"/>
+            </a:fontRef>
+          </p:style>
+          <p:txBody>
+            <a:bodyPr rtlCol="0" anchor="ctr"/>
+            <a:lstStyle/>
+            <a:p>
+              <a:pPr algn="ctr"/>
+              <a:endParaRPr lang="en-US" b="1"/>
+            </a:p>
+          </p:txBody>
+        </p:sp>
+      </p:grpSp>
     </p:spTree>
     <p:extLst>
       <p:ext uri="{BB962C8B-B14F-4D97-AF65-F5344CB8AC3E}">
-        <p14:creationId xmlns:p14="http://schemas.microsoft.com/office/powerpoint/2010/main" val="716264179"/>
+        <p14:creationId xmlns:p14="http://schemas.microsoft.com/office/powerpoint/2010/main" val="1353548055"/>
       </p:ext>
     </p:extLst>
   </p:cSld>
@@ -23940,7 +27869,7 @@
           <p:cNvPr id="4" name="Slide Number Placeholder 3">
             <a:extLst>
               <a:ext uri="{FF2B5EF4-FFF2-40B4-BE49-F238E27FC236}">
-                <a16:creationId xmlns:a16="http://schemas.microsoft.com/office/drawing/2014/main" id="{D63E7B0A-0F6F-407D-B326-5869613FA0C1}"/>
+                <a16:creationId xmlns:a16="http://schemas.microsoft.com/office/drawing/2014/main" id="{19A27C0B-F6A4-4D93-BA7D-9C1AD70732FD}"/>
               </a:ext>
             </a:extLst>
           </p:cNvPr>
@@ -23970,7 +27899,7 @@
           <p:cNvPr id="5" name="TextBox 4">
             <a:extLst>
               <a:ext uri="{FF2B5EF4-FFF2-40B4-BE49-F238E27FC236}">
-                <a16:creationId xmlns:a16="http://schemas.microsoft.com/office/drawing/2014/main" id="{008389BF-DB6B-4DE8-9C67-D212F969903D}"/>
+                <a16:creationId xmlns:a16="http://schemas.microsoft.com/office/drawing/2014/main" id="{4AA4C0B5-5CE5-4A91-8249-0DE79811D7E7}"/>
               </a:ext>
             </a:extLst>
           </p:cNvPr>
@@ -23979,8 +27908,8 @@
         </p:nvSpPr>
         <p:spPr>
           <a:xfrm>
-            <a:off x="2550215" y="1724439"/>
-            <a:ext cx="7091569" cy="646331"/>
+            <a:off x="2085654" y="1433245"/>
+            <a:ext cx="8378575" cy="769441"/>
           </a:xfrm>
           <a:prstGeom prst="rect">
             <a:avLst/>
@@ -23995,16 +27924,12 @@
           <a:p>
             <a:pPr algn="ctr"/>
             <a:r>
-              <a:rPr lang="en-US" sz="3600" dirty="0">
+              <a:rPr lang="en-US" sz="4400" dirty="0">
                 <a:solidFill>
-                  <a:schemeClr val="accent1">
-                    <a:lumMod val="50000"/>
-                  </a:schemeClr>
+                  <a:schemeClr val="accent1"/>
                 </a:solidFill>
-                <a:latin typeface="Times New Roman" panose="02020603050405020304" pitchFamily="18" charset="0"/>
-                <a:cs typeface="Times New Roman" panose="02020603050405020304" pitchFamily="18" charset="0"/>
               </a:rPr>
-              <a:t>Lesson Learned: Booking.com</a:t>
+              <a:t>Extra Material </a:t>
             </a:r>
           </a:p>
         </p:txBody>
@@ -24012,7 +27937,7 @@
     </p:spTree>
     <p:extLst>
       <p:ext uri="{BB962C8B-B14F-4D97-AF65-F5344CB8AC3E}">
-        <p14:creationId xmlns:p14="http://schemas.microsoft.com/office/powerpoint/2010/main" val="1391280742"/>
+        <p14:creationId xmlns:p14="http://schemas.microsoft.com/office/powerpoint/2010/main" val="1516860987"/>
       </p:ext>
     </p:extLst>
   </p:cSld>
@@ -24041,6 +27966,227 @@
       </p:grpSpPr>
       <p:sp>
         <p:nvSpPr>
+          <p:cNvPr id="4" name="Slide Number Placeholder 3">
+            <a:extLst>
+              <a:ext uri="{FF2B5EF4-FFF2-40B4-BE49-F238E27FC236}">
+                <a16:creationId xmlns:a16="http://schemas.microsoft.com/office/drawing/2014/main" id="{9C9FFE13-F397-4340-AE28-9AE96E56F414}"/>
+              </a:ext>
+            </a:extLst>
+          </p:cNvPr>
+          <p:cNvSpPr>
+            <a:spLocks noGrp="1"/>
+          </p:cNvSpPr>
+          <p:nvPr>
+            <p:ph type="sldNum" sz="quarter" idx="12"/>
+          </p:nvPr>
+        </p:nvSpPr>
+        <p:spPr/>
+        <p:txBody>
+          <a:bodyPr/>
+          <a:lstStyle/>
+          <a:p>
+            <a:fld id="{5ACD0CF0-90CC-9C41-A77B-2776398A8C8B}" type="slidenum">
+              <a:rPr lang="en-US" smtClean="0"/>
+              <a:pPr/>
+              <a:t>53</a:t>
+            </a:fld>
+            <a:endParaRPr lang="en-US"/>
+          </a:p>
+        </p:txBody>
+      </p:sp>
+      <p:sp>
+        <p:nvSpPr>
+          <p:cNvPr id="5" name="Rectangle 4">
+            <a:extLst>
+              <a:ext uri="{FF2B5EF4-FFF2-40B4-BE49-F238E27FC236}">
+                <a16:creationId xmlns:a16="http://schemas.microsoft.com/office/drawing/2014/main" id="{BBD9ADDE-BA09-449C-A1B4-28422D7C76D2}"/>
+              </a:ext>
+            </a:extLst>
+          </p:cNvPr>
+          <p:cNvSpPr/>
+          <p:nvPr/>
+        </p:nvSpPr>
+        <p:spPr>
+          <a:xfrm>
+            <a:off x="3131672" y="2325968"/>
+            <a:ext cx="6484470" cy="1495425"/>
+          </a:xfrm>
+          <a:prstGeom prst="rect">
+            <a:avLst/>
+          </a:prstGeom>
+        </p:spPr>
+        <p:style>
+          <a:lnRef idx="2">
+            <a:schemeClr val="accent1">
+              <a:shade val="50000"/>
+            </a:schemeClr>
+          </a:lnRef>
+          <a:fillRef idx="1">
+            <a:schemeClr val="accent1"/>
+          </a:fillRef>
+          <a:effectRef idx="0">
+            <a:schemeClr val="accent1"/>
+          </a:effectRef>
+          <a:fontRef idx="minor">
+            <a:schemeClr val="lt1"/>
+          </a:fontRef>
+        </p:style>
+        <p:txBody>
+          <a:bodyPr rtlCol="0" anchor="ctr"/>
+          <a:lstStyle/>
+          <a:p>
+            <a:pPr marL="0" indent="0" algn="ctr">
+              <a:buNone/>
+            </a:pPr>
+            <a:r>
+              <a:rPr lang="en-US" sz="3200" b="1" dirty="0">
+                <a:solidFill>
+                  <a:schemeClr val="bg1"/>
+                </a:solidFill>
+                <a:latin typeface="Aharoni" panose="02010803020104030203" pitchFamily="2" charset="-79"/>
+                <a:cs typeface="Aharoni" panose="02010803020104030203" pitchFamily="2" charset="-79"/>
+              </a:rPr>
+              <a:t>Bookings.com  </a:t>
+            </a:r>
+          </a:p>
+        </p:txBody>
+      </p:sp>
+    </p:spTree>
+    <p:extLst>
+      <p:ext uri="{BB962C8B-B14F-4D97-AF65-F5344CB8AC3E}">
+        <p14:creationId xmlns:p14="http://schemas.microsoft.com/office/powerpoint/2010/main" val="716264179"/>
+      </p:ext>
+    </p:extLst>
+  </p:cSld>
+  <p:clrMapOvr>
+    <a:masterClrMapping/>
+  </p:clrMapOvr>
+</p:sld>
+</file>
+
+<file path=ppt/slides/slide54.xml><?xml version="1.0" encoding="utf-8"?>
+<p:sld xmlns:a="http://schemas.openxmlformats.org/drawingml/2006/main" xmlns:r="http://schemas.openxmlformats.org/officeDocument/2006/relationships" xmlns:p="http://schemas.openxmlformats.org/presentationml/2006/main">
+  <p:cSld>
+    <p:spTree>
+      <p:nvGrpSpPr>
+        <p:cNvPr id="1" name=""/>
+        <p:cNvGrpSpPr/>
+        <p:nvPr/>
+      </p:nvGrpSpPr>
+      <p:grpSpPr>
+        <a:xfrm>
+          <a:off x="0" y="0"/>
+          <a:ext cx="0" cy="0"/>
+          <a:chOff x="0" y="0"/>
+          <a:chExt cx="0" cy="0"/>
+        </a:xfrm>
+      </p:grpSpPr>
+      <p:sp>
+        <p:nvSpPr>
+          <p:cNvPr id="4" name="Slide Number Placeholder 3">
+            <a:extLst>
+              <a:ext uri="{FF2B5EF4-FFF2-40B4-BE49-F238E27FC236}">
+                <a16:creationId xmlns:a16="http://schemas.microsoft.com/office/drawing/2014/main" id="{D63E7B0A-0F6F-407D-B326-5869613FA0C1}"/>
+              </a:ext>
+            </a:extLst>
+          </p:cNvPr>
+          <p:cNvSpPr>
+            <a:spLocks noGrp="1"/>
+          </p:cNvSpPr>
+          <p:nvPr>
+            <p:ph type="sldNum" sz="quarter" idx="12"/>
+          </p:nvPr>
+        </p:nvSpPr>
+        <p:spPr/>
+        <p:txBody>
+          <a:bodyPr/>
+          <a:lstStyle/>
+          <a:p>
+            <a:fld id="{5ACD0CF0-90CC-9C41-A77B-2776398A8C8B}" type="slidenum">
+              <a:rPr lang="en-US" smtClean="0"/>
+              <a:pPr/>
+              <a:t>54</a:t>
+            </a:fld>
+            <a:endParaRPr lang="en-US"/>
+          </a:p>
+        </p:txBody>
+      </p:sp>
+      <p:sp>
+        <p:nvSpPr>
+          <p:cNvPr id="5" name="TextBox 4">
+            <a:extLst>
+              <a:ext uri="{FF2B5EF4-FFF2-40B4-BE49-F238E27FC236}">
+                <a16:creationId xmlns:a16="http://schemas.microsoft.com/office/drawing/2014/main" id="{008389BF-DB6B-4DE8-9C67-D212F969903D}"/>
+              </a:ext>
+            </a:extLst>
+          </p:cNvPr>
+          <p:cNvSpPr txBox="1"/>
+          <p:nvPr/>
+        </p:nvSpPr>
+        <p:spPr>
+          <a:xfrm>
+            <a:off x="2550215" y="1724439"/>
+            <a:ext cx="7091569" cy="646331"/>
+          </a:xfrm>
+          <a:prstGeom prst="rect">
+            <a:avLst/>
+          </a:prstGeom>
+          <a:noFill/>
+        </p:spPr>
+        <p:txBody>
+          <a:bodyPr wrap="square" rtlCol="0">
+            <a:spAutoFit/>
+          </a:bodyPr>
+          <a:lstStyle/>
+          <a:p>
+            <a:pPr algn="ctr"/>
+            <a:r>
+              <a:rPr lang="en-US" sz="3600" dirty="0">
+                <a:solidFill>
+                  <a:schemeClr val="accent1">
+                    <a:lumMod val="50000"/>
+                  </a:schemeClr>
+                </a:solidFill>
+                <a:latin typeface="Times New Roman" panose="02020603050405020304" pitchFamily="18" charset="0"/>
+                <a:cs typeface="Times New Roman" panose="02020603050405020304" pitchFamily="18" charset="0"/>
+              </a:rPr>
+              <a:t>Lesson Learned: Booking.com</a:t>
+            </a:r>
+          </a:p>
+        </p:txBody>
+      </p:sp>
+    </p:spTree>
+    <p:extLst>
+      <p:ext uri="{BB962C8B-B14F-4D97-AF65-F5344CB8AC3E}">
+        <p14:creationId xmlns:p14="http://schemas.microsoft.com/office/powerpoint/2010/main" val="1391280742"/>
+      </p:ext>
+    </p:extLst>
+  </p:cSld>
+  <p:clrMapOvr>
+    <a:masterClrMapping/>
+  </p:clrMapOvr>
+</p:sld>
+</file>
+
+<file path=ppt/slides/slide55.xml><?xml version="1.0" encoding="utf-8"?>
+<p:sld xmlns:a="http://schemas.openxmlformats.org/drawingml/2006/main" xmlns:r="http://schemas.openxmlformats.org/officeDocument/2006/relationships" xmlns:p="http://schemas.openxmlformats.org/presentationml/2006/main">
+  <p:cSld>
+    <p:spTree>
+      <p:nvGrpSpPr>
+        <p:cNvPr id="1" name=""/>
+        <p:cNvGrpSpPr/>
+        <p:nvPr/>
+      </p:nvGrpSpPr>
+      <p:grpSpPr>
+        <a:xfrm>
+          <a:off x="0" y="0"/>
+          <a:ext cx="0" cy="0"/>
+          <a:chOff x="0" y="0"/>
+          <a:chExt cx="0" cy="0"/>
+        </a:xfrm>
+      </p:grpSpPr>
+      <p:sp>
+        <p:nvSpPr>
           <p:cNvPr id="2" name="Title 1"/>
           <p:cNvSpPr>
             <a:spLocks noGrp="1"/>
@@ -24191,7 +28337,7 @@
                 <a:latin typeface="Times New Roman" panose="02020603050405020304" pitchFamily="18" charset="0"/>
                 <a:cs typeface="Times New Roman" panose="02020603050405020304" pitchFamily="18" charset="0"/>
               </a:rPr>
-              <a:t>53</a:t>
+              <a:t>55</a:t>
             </a:fld>
             <a:endParaRPr lang="en-US" dirty="0">
               <a:latin typeface="Times New Roman" panose="02020603050405020304" pitchFamily="18" charset="0"/>
@@ -24455,7 +28601,7 @@
 </p:sld>
 </file>
 
-<file path=ppt/slides/slide54.xml><?xml version="1.0" encoding="utf-8"?>
+<file path=ppt/slides/slide56.xml><?xml version="1.0" encoding="utf-8"?>
 <p:sld xmlns:a="http://schemas.openxmlformats.org/drawingml/2006/main" xmlns:r="http://schemas.openxmlformats.org/officeDocument/2006/relationships" xmlns:p="http://schemas.openxmlformats.org/presentationml/2006/main">
   <p:cSld>
     <p:spTree>
@@ -24640,7 +28786,7 @@
                 <a:latin typeface="Times New Roman" panose="02020603050405020304" pitchFamily="18" charset="0"/>
                 <a:cs typeface="Times New Roman" panose="02020603050405020304" pitchFamily="18" charset="0"/>
               </a:rPr>
-              <a:t>54</a:t>
+              <a:t>56</a:t>
             </a:fld>
             <a:endParaRPr lang="en-US" dirty="0">
               <a:latin typeface="Times New Roman" panose="02020603050405020304" pitchFamily="18" charset="0"/>
@@ -24904,7 +29050,7 @@
 </p:sld>
 </file>
 
-<file path=ppt/slides/slide55.xml><?xml version="1.0" encoding="utf-8"?>
+<file path=ppt/slides/slide57.xml><?xml version="1.0" encoding="utf-8"?>
 <p:sld xmlns:a="http://schemas.openxmlformats.org/drawingml/2006/main" xmlns:r="http://schemas.openxmlformats.org/officeDocument/2006/relationships" xmlns:p="http://schemas.openxmlformats.org/presentationml/2006/main">
   <p:cSld>
     <p:spTree>
@@ -25111,7 +29257,7 @@
                 <a:latin typeface="Times New Roman" panose="02020603050405020304" pitchFamily="18" charset="0"/>
                 <a:cs typeface="Times New Roman" panose="02020603050405020304" pitchFamily="18" charset="0"/>
               </a:rPr>
-              <a:t>55</a:t>
+              <a:t>57</a:t>
             </a:fld>
             <a:endParaRPr lang="en-US" dirty="0">
               <a:latin typeface="Times New Roman" panose="02020603050405020304" pitchFamily="18" charset="0"/>
@@ -25375,7 +29521,7 @@
 </p:sld>
 </file>
 
-<file path=ppt/slides/slide56.xml><?xml version="1.0" encoding="utf-8"?>
+<file path=ppt/slides/slide58.xml><?xml version="1.0" encoding="utf-8"?>
 <p:sld xmlns:a="http://schemas.openxmlformats.org/drawingml/2006/main" xmlns:r="http://schemas.openxmlformats.org/officeDocument/2006/relationships" xmlns:p="http://schemas.openxmlformats.org/presentationml/2006/main" show="0">
   <p:cSld>
     <p:spTree>
@@ -25416,7 +29562,7 @@
             <a:fld id="{A2644288-DBB5-B146-A4C9-3FE617AA0A71}" type="slidenum">
               <a:rPr lang="en-US" smtClean="0"/>
               <a:pPr/>
-              <a:t>56</a:t>
+              <a:t>58</a:t>
             </a:fld>
             <a:endParaRPr lang="en-US" dirty="0"/>
           </a:p>

--- a/05_ML_Concepts_II_Data_Prep/machine_learning_bootcamp.pptx
+++ b/05_ML_Concepts_II_Data_Prep/machine_learning_bootcamp.pptx
@@ -272,7 +272,7 @@
           <a:p>
             <a:fld id="{27160A0F-9B86-4581-85D6-AE4500F6A801}" type="datetimeFigureOut">
               <a:rPr lang="en-US" smtClean="0"/>
-              <a:t>2/21/2022</a:t>
+              <a:t>9/18/2023</a:t>
             </a:fld>
             <a:endParaRPr lang="en-US"/>
           </a:p>
@@ -498,7 +498,7 @@
           <a:p>
             <a:fld id="{27BE458A-CC06-48BE-991B-B3ACDD14B597}" type="datetimeFigureOut">
               <a:rPr lang="en-US" smtClean="0"/>
-              <a:t>2/21/2022</a:t>
+              <a:t>9/18/2023</a:t>
             </a:fld>
             <a:endParaRPr lang="en-US"/>
           </a:p>
@@ -2108,7 +2108,7 @@
           <a:p>
             <a:fld id="{04C01D68-98F0-4413-A543-950947CC53F4}" type="datetime1">
               <a:rPr lang="en-US" smtClean="0"/>
-              <a:t>2/21/2022</a:t>
+              <a:t>9/18/2023</a:t>
             </a:fld>
             <a:endParaRPr lang="en-US"/>
           </a:p>
@@ -2265,7 +2265,7 @@
           <a:p>
             <a:fld id="{F5166586-FB24-4278-9591-82C4BBCDCA89}" type="datetime1">
               <a:rPr lang="en-US" smtClean="0"/>
-              <a:t>2/21/2022</a:t>
+              <a:t>9/18/2023</a:t>
             </a:fld>
             <a:endParaRPr lang="en-US"/>
           </a:p>
@@ -2459,7 +2459,7 @@
           <a:p>
             <a:fld id="{D5A5CA0D-3537-42D6-B0CE-3FBC0D012150}" type="datetime1">
               <a:rPr lang="en-US" smtClean="0"/>
-              <a:t>2/21/2022</a:t>
+              <a:t>9/18/2023</a:t>
             </a:fld>
             <a:endParaRPr lang="en-US"/>
           </a:p>
@@ -3514,7 +3514,7 @@
           <a:p>
             <a:fld id="{FDB3EDF1-F613-4DA2-A80A-754A6940B2FC}" type="datetime1">
               <a:rPr lang="en-US" smtClean="0"/>
-              <a:t>2/21/2022</a:t>
+              <a:t>9/18/2023</a:t>
             </a:fld>
             <a:endParaRPr lang="en-US"/>
           </a:p>
@@ -3759,7 +3759,7 @@
           <a:p>
             <a:fld id="{FD3B0033-72B4-4535-88FF-3AD028C99723}" type="datetime1">
               <a:rPr lang="en-US" smtClean="0"/>
-              <a:t>2/21/2022</a:t>
+              <a:t>9/18/2023</a:t>
             </a:fld>
             <a:endParaRPr lang="en-US"/>
           </a:p>
@@ -4139,7 +4139,7 @@
           <a:p>
             <a:fld id="{96B2EC89-E834-484E-B15B-8A782CBE7E42}" type="datetime1">
               <a:rPr lang="en-US" smtClean="0"/>
-              <a:t>2/21/2022</a:t>
+              <a:t>9/18/2023</a:t>
             </a:fld>
             <a:endParaRPr lang="en-US"/>
           </a:p>
@@ -4272,7 +4272,7 @@
           <a:p>
             <a:fld id="{B0BFDB64-FBD6-4851-B5A5-2376FDD55407}" type="datetime1">
               <a:rPr lang="en-US" smtClean="0"/>
-              <a:t>2/21/2022</a:t>
+              <a:t>9/18/2023</a:t>
             </a:fld>
             <a:endParaRPr lang="en-US"/>
           </a:p>
@@ -4383,7 +4383,7 @@
           <a:p>
             <a:fld id="{A796691A-4010-4E41-AAA5-8BA8423BEAFA}" type="datetime1">
               <a:rPr lang="en-US" smtClean="0"/>
-              <a:t>2/21/2022</a:t>
+              <a:t>9/18/2023</a:t>
             </a:fld>
             <a:endParaRPr lang="en-US"/>
           </a:p>
@@ -4674,7 +4674,7 @@
           <a:p>
             <a:fld id="{19A26292-8CED-46F0-BBB1-1BA0D2A33D09}" type="datetime1">
               <a:rPr lang="en-US" smtClean="0"/>
-              <a:t>2/21/2022</a:t>
+              <a:t>9/18/2023</a:t>
             </a:fld>
             <a:endParaRPr lang="en-US"/>
           </a:p>
@@ -4942,7 +4942,7 @@
           <a:p>
             <a:fld id="{961AD9AB-7BFD-44AF-B1FE-05602162B8C3}" type="datetime1">
               <a:rPr lang="en-US" smtClean="0"/>
-              <a:t>2/21/2022</a:t>
+              <a:t>9/18/2023</a:t>
             </a:fld>
             <a:endParaRPr lang="en-US"/>
           </a:p>
@@ -5169,7 +5169,7 @@
           <a:p>
             <a:fld id="{475570EF-A0EC-4C7C-9082-FFE56C4913AF}" type="datetime1">
               <a:rPr lang="en-US" smtClean="0"/>
-              <a:t>2/21/2022</a:t>
+              <a:t>9/18/2023</a:t>
             </a:fld>
             <a:endParaRPr lang="en-US"/>
           </a:p>
@@ -18572,68 +18572,13 @@
         </p:spPr>
         <p:txBody>
           <a:bodyPr>
-            <a:normAutofit lnSpcReduction="10000"/>
+            <a:normAutofit/>
           </a:bodyPr>
           <a:lstStyle/>
           <a:p>
             <a:r>
               <a:rPr lang="en-US" dirty="0"/>
-              <a:t> Variable Types and Data Types</a:t>
-            </a:r>
-          </a:p>
-          <a:p>
-            <a:pPr lvl="1"/>
-            <a:r>
-              <a:rPr lang="en-US" dirty="0"/>
-              <a:t>  Five Atomic Variable Types in R</a:t>
-            </a:r>
-          </a:p>
-          <a:p>
-            <a:pPr lvl="2"/>
-            <a:r>
-              <a:rPr lang="en-US" sz="2400" dirty="0"/>
-              <a:t> Numeric – number unlimited size</a:t>
-            </a:r>
-          </a:p>
-          <a:p>
-            <a:pPr lvl="2"/>
-            <a:r>
-              <a:rPr lang="en-US" sz="2400" dirty="0"/>
-              <a:t> Integer – number with constraints on size  </a:t>
-            </a:r>
-          </a:p>
-          <a:p>
-            <a:pPr lvl="2"/>
-            <a:r>
-              <a:rPr lang="en-US" sz="2400" dirty="0"/>
-              <a:t> Complex – numbers and characters</a:t>
-            </a:r>
-          </a:p>
-          <a:p>
-            <a:pPr lvl="2"/>
-            <a:r>
-              <a:rPr lang="en-US" sz="2400" dirty="0"/>
-              <a:t> Character – words</a:t>
-            </a:r>
-          </a:p>
-          <a:p>
-            <a:pPr lvl="2"/>
-            <a:r>
-              <a:rPr lang="en-US" sz="2400" dirty="0"/>
-              <a:t> Factor – unique character class that is limited in the number of categories</a:t>
-            </a:r>
-          </a:p>
-          <a:p>
-            <a:pPr lvl="2"/>
-            <a:r>
-              <a:rPr lang="en-US" sz="2400" dirty="0"/>
-              <a:t> Logical – True or False </a:t>
-            </a:r>
-          </a:p>
-          <a:p>
-            <a:r>
-              <a:rPr lang="en-US" dirty="0"/>
-              <a:t> Data Types </a:t>
+              <a:t> Variable Types</a:t>
             </a:r>
           </a:p>
           <a:p>
@@ -18646,9 +18591,19 @@
               <a:rPr lang="en-US" dirty="0">
                 <a:effectLst/>
               </a:rPr>
-              <a:t>A list is an R-object containing different types of elements inside it like vectors, functions, and even another list inside it.</a:t>
-            </a:r>
-            <a:endParaRPr lang="en-US" sz="3200" dirty="0"/>
+              <a:t>A list is </a:t>
+            </a:r>
+            <a:r>
+              <a:rPr lang="en-US" dirty="0"/>
+              <a:t>an object </a:t>
+            </a:r>
+            <a:r>
+              <a:rPr lang="en-US" dirty="0">
+                <a:effectLst/>
+              </a:rPr>
+              <a:t>containing different types of elements inside it like vectors, functions, and even another list inside it.</a:t>
+            </a:r>
+            <a:endParaRPr lang="en-US" sz="2800" dirty="0"/>
           </a:p>
           <a:p>
             <a:pPr lvl="1"/>
@@ -18664,7 +18619,7 @@
             </a:r>
             <a:r>
               <a:rPr lang="en-US" dirty="0"/>
-              <a:t> in R is a series of data items of the same basic type (from above)</a:t>
+              <a:t> is a series of data items of the same basic type (from above)</a:t>
             </a:r>
           </a:p>
           <a:p>
@@ -18852,46 +18807,56 @@
           <a:p>
             <a:r>
               <a:rPr lang="en-US" dirty="0"/>
-              <a:t> Some useful variable and data type  </a:t>
+              <a:t> Some useful variable and data type, these are pandas functions </a:t>
             </a:r>
           </a:p>
           <a:p>
             <a:pPr lvl="1"/>
             <a:r>
               <a:rPr lang="en-US" dirty="0"/>
-              <a:t> str()</a:t>
+              <a:t> x.info()</a:t>
             </a:r>
           </a:p>
           <a:p>
             <a:pPr lvl="1"/>
             <a:r>
               <a:rPr lang="en-US" dirty="0"/>
-              <a:t> class()</a:t>
+              <a:t> </a:t>
+            </a:r>
+            <a:r>
+              <a:rPr lang="en-US" dirty="0" err="1"/>
+              <a:t>x.dtypes</a:t>
+            </a:r>
+            <a:r>
+              <a:rPr lang="en-US" dirty="0"/>
+              <a:t>()</a:t>
             </a:r>
           </a:p>
           <a:p>
             <a:pPr lvl="1"/>
             <a:r>
               <a:rPr lang="en-US" dirty="0"/>
-              <a:t> names()</a:t>
+              <a:t> </a:t>
+            </a:r>
+            <a:r>
+              <a:rPr lang="en-US" dirty="0" err="1"/>
+              <a:t>x.shape</a:t>
+            </a:r>
+            <a:r>
+              <a:rPr lang="en-US" dirty="0"/>
+              <a:t>()</a:t>
             </a:r>
           </a:p>
           <a:p>
             <a:pPr lvl="1"/>
             <a:r>
               <a:rPr lang="en-US" dirty="0"/>
-              <a:t> length()</a:t>
-            </a:r>
-          </a:p>
-          <a:p>
-            <a:pPr lvl="1"/>
-            <a:r>
-              <a:rPr lang="en-US" dirty="0"/>
-              <a:t> dim()</a:t>
-            </a:r>
-          </a:p>
-          <a:p>
-            <a:pPr lvl="1"/>
+              <a:t> </a:t>
+            </a:r>
+            <a:r>
+              <a:rPr lang="en-US" dirty="0" err="1"/>
+              <a:t>x.describe</a:t>
+            </a:r>
             <a:endParaRPr lang="en-US" dirty="0"/>
           </a:p>
           <a:p>
@@ -18900,23 +18865,30 @@
             </a:pPr>
             <a:r>
               <a:rPr lang="en-US" dirty="0"/>
+              <a:t> </a:t>
+            </a:r>
+          </a:p>
+          <a:p>
+            <a:pPr marL="457200" lvl="1" indent="0">
+              <a:buNone/>
+            </a:pPr>
+            <a:endParaRPr lang="en-US" dirty="0"/>
+          </a:p>
+          <a:p>
+            <a:pPr marL="457200" lvl="1" indent="0">
+              <a:buNone/>
+            </a:pPr>
+            <a:r>
+              <a:rPr lang="en-US" dirty="0"/>
               <a:t>Open up </a:t>
             </a:r>
             <a:r>
               <a:rPr lang="en-US" dirty="0" err="1"/>
-              <a:t>Rstudio</a:t>
+              <a:t>VScode</a:t>
             </a:r>
             <a:r>
               <a:rPr lang="en-US" dirty="0"/>
-              <a:t> and try these functions out on the </a:t>
-            </a:r>
-            <a:r>
-              <a:rPr lang="en-US" dirty="0" err="1"/>
-              <a:t>mtcars</a:t>
-            </a:r>
-            <a:r>
-              <a:rPr lang="en-US" dirty="0"/>
-              <a:t> dataset. See if you agree with the output. </a:t>
+              <a:t> and try these functions out on the any dataset, just to get used to the output and how it can be used. </a:t>
             </a:r>
           </a:p>
           <a:p>
@@ -19060,25 +19032,6 @@
             </a:r>
           </a:p>
           <a:p>
-            <a:pPr lvl="1"/>
-            <a:endParaRPr lang="en-US" dirty="0"/>
-          </a:p>
-          <a:p>
-            <a:pPr lvl="1"/>
-            <a:r>
-              <a:rPr lang="en-US" dirty="0"/>
-              <a:t> Using </a:t>
-            </a:r>
-            <a:r>
-              <a:rPr lang="en-US" dirty="0" err="1"/>
-              <a:t>mtcars</a:t>
-            </a:r>
-            <a:r>
-              <a:rPr lang="en-US" dirty="0"/>
-              <a:t> again, what is the prevalence of vs variable? </a:t>
-            </a:r>
-          </a:p>
-          <a:p>
             <a:pPr marL="0" indent="0">
               <a:buNone/>
             </a:pPr>
@@ -19234,42 +19187,6 @@
             </a:pPr>
             <a:endParaRPr lang="en-US" dirty="0"/>
           </a:p>
-          <a:p>
-            <a:r>
-              <a:rPr lang="en-US" dirty="0"/>
-              <a:t> Use the minmax scaling function in the </a:t>
-            </a:r>
-            <a:r>
-              <a:rPr lang="en-US" dirty="0" err="1"/>
-              <a:t>gradDescent</a:t>
-            </a:r>
-            <a:r>
-              <a:rPr lang="en-US" dirty="0"/>
-              <a:t> package and scale the </a:t>
-            </a:r>
-            <a:r>
-              <a:rPr lang="en-US" dirty="0" err="1"/>
-              <a:t>mtcars</a:t>
-            </a:r>
-            <a:r>
-              <a:rPr lang="en-US" dirty="0"/>
-              <a:t> dataset setting the results to a new object. What happens? What class is the object? Can you view the </a:t>
-            </a:r>
-            <a:r>
-              <a:rPr lang="en-US" dirty="0" err="1"/>
-              <a:t>data.frame</a:t>
-            </a:r>
-            <a:r>
-              <a:rPr lang="en-US" dirty="0"/>
-              <a:t>?  </a:t>
-            </a:r>
-          </a:p>
-          <a:p>
-            <a:pPr marL="0" indent="0">
-              <a:buNone/>
-            </a:pPr>
-            <a:endParaRPr lang="en-US" dirty="0"/>
-          </a:p>
         </p:txBody>
       </p:sp>
       <p:sp>
@@ -19404,11 +19321,11 @@
             <a:pPr lvl="1"/>
             <a:r>
               <a:rPr lang="en-US" dirty="0"/>
-              <a:t> R comes with several functions/packages that handle missing data we are going to focus on the MICE package. </a:t>
-            </a:r>
-          </a:p>
-          <a:p>
-            <a:pPr lvl="2"/>
+              <a:t> Python comes with several functions/packages that handle missing data </a:t>
+            </a:r>
+          </a:p>
+          <a:p>
+            <a:pPr lvl="1"/>
             <a:r>
               <a:rPr lang="en-US" dirty="0"/>
               <a:t> First you need to try to detect if there are patterns of missing data, is it random or not. If you detect patterns than you have to develop a strategy to deal with that issue. </a:t>
@@ -19432,7 +19349,7 @@
             <a:pPr lvl="2"/>
             <a:r>
               <a:rPr lang="en-US" dirty="0"/>
-              <a:t> Start with the summary() function on a data frame </a:t>
+              <a:t> Start with the info() function on a data frame </a:t>
             </a:r>
           </a:p>
           <a:p>
@@ -19454,29 +19371,7 @@
             <a:pPr lvl="3"/>
             <a:r>
               <a:rPr lang="en-US" dirty="0"/>
-              <a:t> Generally variables with more the about 5% missing values should be deleted or imputation needs to occur </a:t>
-            </a:r>
-          </a:p>
-          <a:p>
-            <a:pPr lvl="4"/>
-            <a:r>
-              <a:rPr lang="en-US" dirty="0"/>
-              <a:t> Dig a little deeper and use the </a:t>
-            </a:r>
-            <a:r>
-              <a:rPr lang="en-US" dirty="0" err="1"/>
-              <a:t>md.pattern</a:t>
-            </a:r>
-            <a:r>
-              <a:rPr lang="en-US" dirty="0"/>
-              <a:t>() function in the Mice package. </a:t>
-            </a:r>
-          </a:p>
-          <a:p>
-            <a:pPr lvl="4"/>
-            <a:r>
-              <a:rPr lang="en-US" dirty="0"/>
-              <a:t> Since there doesn’t appear to be a pattern we will use complete cases to remove the NAs. </a:t>
+              <a:t> Generally variables with more the about 5%-10% missing values should be deleted or imputation needs to occur </a:t>
             </a:r>
           </a:p>
           <a:p>
@@ -21782,7 +21677,7 @@
 </file>
 
 <file path=ppt/slides/slide40.xml><?xml version="1.0" encoding="utf-8"?>
-<p:sld xmlns:a="http://schemas.openxmlformats.org/drawingml/2006/main" xmlns:r="http://schemas.openxmlformats.org/officeDocument/2006/relationships" xmlns:p="http://schemas.openxmlformats.org/presentationml/2006/main">
+<p:sld xmlns:a="http://schemas.openxmlformats.org/drawingml/2006/main" xmlns:r="http://schemas.openxmlformats.org/officeDocument/2006/relationships" xmlns:p="http://schemas.openxmlformats.org/presentationml/2006/main" show="0">
   <p:cSld>
     <p:spTree>
       <p:nvGrpSpPr>
@@ -21862,131 +21757,155 @@
           <a:p>
             <a:pPr lvl="1"/>
             <a:r>
+              <a:rPr lang="en-US" dirty="0"/>
+              <a:t>We can use pandas functions to help understand the missing data </a:t>
+            </a:r>
+          </a:p>
+          <a:p>
+            <a:pPr lvl="2"/>
+            <a:r>
+              <a:rPr lang="en-US" dirty="0"/>
+              <a:t> </a:t>
+            </a:r>
+            <a:r>
               <a:rPr lang="en-US" dirty="0" err="1"/>
-              <a:t>Complete.cases</a:t>
+              <a:t>x.isna</a:t>
             </a:r>
             <a:r>
               <a:rPr lang="en-US" dirty="0"/>
-              <a:t>() function creates a index to remove missing values </a:t>
+              <a:t>()</a:t>
             </a:r>
           </a:p>
           <a:p>
             <a:pPr lvl="2"/>
             <a:r>
+              <a:rPr lang="en-US" dirty="0" err="1"/>
+              <a:t>x.notna</a:t>
+            </a:r>
+            <a:r>
               <a:rPr lang="en-US" dirty="0"/>
-              <a:t>remove missing values from a vector </a:t>
+              <a:t>()</a:t>
+            </a:r>
+          </a:p>
+          <a:p>
+            <a:pPr lvl="2"/>
+            <a:endParaRPr lang="en-US" dirty="0"/>
+          </a:p>
+          <a:p>
+            <a:pPr lvl="1"/>
+            <a:r>
+              <a:rPr lang="en-US" dirty="0"/>
+              <a:t> We can also use search functions (</a:t>
+            </a:r>
+            <a:r>
+              <a:rPr lang="en-US" dirty="0" err="1"/>
+              <a:t>iloc,loc</a:t>
+            </a:r>
+            <a:r>
+              <a:rPr lang="en-US" dirty="0"/>
+              <a:t>, etc.) in combination with the above indexing functions to locate and remove </a:t>
+            </a:r>
+            <a:r>
+              <a:rPr lang="en-US" dirty="0" err="1"/>
+              <a:t>nas</a:t>
+            </a:r>
+            <a:r>
+              <a:rPr lang="en-US" dirty="0"/>
+              <a:t>, what is the code below doing? </a:t>
+            </a:r>
+          </a:p>
+          <a:p>
+            <a:pPr lvl="2"/>
+            <a:r>
+              <a:rPr lang="en-US" dirty="0"/>
+              <a:t> </a:t>
+            </a:r>
+            <a:r>
+              <a:rPr lang="en-US" b="0" dirty="0" err="1">
+                <a:solidFill>
+                  <a:srgbClr val="C6C6C6"/>
+                </a:solidFill>
+                <a:effectLst/>
+                <a:latin typeface="Consolas" panose="020B0609020204030204" pitchFamily="49" charset="0"/>
+              </a:rPr>
+              <a:t>x.loc</a:t>
+            </a:r>
+            <a:r>
+              <a:rPr lang="en-US" b="0" dirty="0">
+                <a:solidFill>
+                  <a:srgbClr val="C6C6C6"/>
+                </a:solidFill>
+                <a:effectLst/>
+                <a:latin typeface="Consolas" panose="020B0609020204030204" pitchFamily="49" charset="0"/>
+              </a:rPr>
+              <a:t>[</a:t>
+            </a:r>
+            <a:r>
+              <a:rPr lang="en-US" b="0" dirty="0" err="1">
+                <a:solidFill>
+                  <a:srgbClr val="C6C6C6"/>
+                </a:solidFill>
+                <a:effectLst/>
+                <a:latin typeface="Consolas" panose="020B0609020204030204" pitchFamily="49" charset="0"/>
+              </a:rPr>
+              <a:t>x.notna</a:t>
+            </a:r>
+            <a:r>
+              <a:rPr lang="en-US" b="0" dirty="0">
+                <a:solidFill>
+                  <a:srgbClr val="C6C6C6"/>
+                </a:solidFill>
+                <a:effectLst/>
+                <a:latin typeface="Consolas" panose="020B0609020204030204" pitchFamily="49" charset="0"/>
+              </a:rPr>
+              <a:t>().all(</a:t>
+            </a:r>
+            <a:r>
+              <a:rPr lang="en-US" b="0" dirty="0">
+                <a:solidFill>
+                  <a:srgbClr val="E99C42"/>
+                </a:solidFill>
+                <a:effectLst/>
+                <a:latin typeface="Consolas" panose="020B0609020204030204" pitchFamily="49" charset="0"/>
+              </a:rPr>
+              <a:t>axis</a:t>
+            </a:r>
+            <a:r>
+              <a:rPr lang="en-US" b="0" dirty="0">
+                <a:solidFill>
+                  <a:srgbClr val="E8364F"/>
+                </a:solidFill>
+                <a:effectLst/>
+                <a:latin typeface="Consolas" panose="020B0609020204030204" pitchFamily="49" charset="0"/>
+              </a:rPr>
+              <a:t>=</a:t>
+            </a:r>
+            <a:r>
+              <a:rPr lang="en-US" b="0" dirty="0">
+                <a:solidFill>
+                  <a:srgbClr val="D3C970"/>
+                </a:solidFill>
+                <a:effectLst/>
+                <a:latin typeface="Consolas" panose="020B0609020204030204" pitchFamily="49" charset="0"/>
+              </a:rPr>
+              <a:t>'columns’</a:t>
+            </a:r>
+            <a:r>
+              <a:rPr lang="en-US" b="0" dirty="0">
+                <a:solidFill>
+                  <a:srgbClr val="C6C6C6"/>
+                </a:solidFill>
+                <a:effectLst/>
+                <a:latin typeface="Consolas" panose="020B0609020204030204" pitchFamily="49" charset="0"/>
+              </a:rPr>
+              <a:t>)]</a:t>
             </a:r>
           </a:p>
           <a:p>
             <a:pPr marL="914400" lvl="2" indent="0">
               <a:buNone/>
             </a:pPr>
-            <a:r>
-              <a:rPr lang="en-US" dirty="0"/>
-              <a:t>	x &lt;- x[</a:t>
-            </a:r>
-            <a:r>
-              <a:rPr lang="en-US" dirty="0" err="1"/>
-              <a:t>complete.cases</a:t>
-            </a:r>
-            <a:r>
-              <a:rPr lang="en-US" dirty="0"/>
-              <a:t>(x)]</a:t>
-            </a:r>
-          </a:p>
-          <a:p>
-            <a:pPr lvl="2"/>
-            <a:r>
-              <a:rPr lang="en-US" dirty="0"/>
-              <a:t> remove from a </a:t>
-            </a:r>
-            <a:r>
-              <a:rPr lang="en-US" dirty="0" err="1"/>
-              <a:t>data.frame</a:t>
-            </a:r>
-            <a:r>
-              <a:rPr lang="en-US" dirty="0"/>
-              <a:t> </a:t>
-            </a:r>
-          </a:p>
-          <a:p>
-            <a:pPr marL="914400" lvl="2" indent="0">
-              <a:buNone/>
-            </a:pPr>
-            <a:r>
-              <a:rPr lang="en-US" dirty="0"/>
-              <a:t>	df &lt;- df[</a:t>
-            </a:r>
-            <a:r>
-              <a:rPr lang="en-US" dirty="0" err="1"/>
-              <a:t>complete.cases</a:t>
-            </a:r>
-            <a:r>
-              <a:rPr lang="en-US" dirty="0"/>
-              <a:t>(df), ]</a:t>
-            </a:r>
-          </a:p>
-          <a:p>
-            <a:pPr lvl="2"/>
-            <a:r>
-              <a:rPr lang="en-US" dirty="0"/>
-              <a:t> remove from individual rows </a:t>
-            </a:r>
-          </a:p>
-          <a:p>
-            <a:pPr marL="914400" lvl="2" indent="0">
-              <a:buNone/>
-            </a:pPr>
-            <a:r>
-              <a:rPr lang="en-US" dirty="0"/>
-              <a:t>	df &lt;- df[</a:t>
-            </a:r>
-            <a:r>
-              <a:rPr lang="en-US" dirty="0" err="1"/>
-              <a:t>complete.cases</a:t>
-            </a:r>
-            <a:r>
-              <a:rPr lang="en-US" dirty="0"/>
-              <a:t>(df[ , c(row1, row2, ….)]), ]</a:t>
-            </a:r>
-          </a:p>
-          <a:p>
-            <a:pPr marL="457200" lvl="1" indent="0">
-              <a:buNone/>
-            </a:pPr>
             <a:endParaRPr lang="en-US" dirty="0"/>
-          </a:p>
-          <a:p>
-            <a:pPr marL="0" indent="0">
-              <a:buNone/>
-            </a:pPr>
-            <a:r>
-              <a:rPr lang="en-US" dirty="0"/>
-              <a:t>Try the </a:t>
-            </a:r>
-            <a:r>
-              <a:rPr lang="en-US" dirty="0" err="1"/>
-              <a:t>dataframe</a:t>
-            </a:r>
-            <a:r>
-              <a:rPr lang="en-US" dirty="0"/>
-              <a:t> version on the beaches dataset, then use summary() to see if the missing datapoints are gone. </a:t>
-            </a:r>
-          </a:p>
-          <a:p>
-            <a:pPr marL="0" indent="0">
-              <a:buNone/>
-            </a:pPr>
-            <a:endParaRPr lang="en-US" dirty="0"/>
-          </a:p>
-          <a:p>
-            <a:pPr marL="0" indent="0">
-              <a:buNone/>
-            </a:pPr>
-            <a:r>
-              <a:rPr lang="en-US" dirty="0"/>
-              <a:t>MICE package can also do imputation (NA replacement) very easily, lots of examples online on how to do these in very robust ways. </a:t>
-            </a:r>
           </a:p>
         </p:txBody>
       </p:sp>
@@ -22157,23 +22076,36 @@
               <a:t> The function we will be using throughout the course will be the </a:t>
             </a:r>
             <a:r>
-              <a:rPr lang="en-US" b="1" dirty="0" err="1"/>
-              <a:t>createDataPartition</a:t>
-            </a:r>
-            <a:r>
-              <a:rPr lang="en-US" b="1" dirty="0"/>
-              <a:t>() </a:t>
+              <a:rPr lang="en-US" b="0" dirty="0" err="1">
+                <a:solidFill>
+                  <a:srgbClr val="C6C6C6"/>
+                </a:solidFill>
+                <a:effectLst/>
+                <a:latin typeface="Consolas" panose="020B0609020204030204" pitchFamily="49" charset="0"/>
+              </a:rPr>
+              <a:t>train_test_split</a:t>
+            </a:r>
+            <a:r>
+              <a:rPr lang="en-US" b="0" dirty="0">
+                <a:solidFill>
+                  <a:srgbClr val="C6C6C6"/>
+                </a:solidFill>
+                <a:effectLst/>
+                <a:latin typeface="Consolas" panose="020B0609020204030204" pitchFamily="49" charset="0"/>
+              </a:rPr>
+              <a:t> </a:t>
             </a:r>
             <a:r>
               <a:rPr lang="en-US" dirty="0"/>
-              <a:t>function in the caret package. </a:t>
-            </a:r>
-          </a:p>
-          <a:p>
-            <a:pPr lvl="1"/>
+              <a:t>function in the </a:t>
+            </a:r>
+            <a:r>
+              <a:rPr lang="en-US" dirty="0" err="1"/>
+              <a:t>sklearn</a:t>
+            </a:r>
             <a:r>
               <a:rPr lang="en-US" dirty="0"/>
-              <a:t> The problem is that it’s not great at creating multiple partition, so we essentially use it twice to create a sample, then a sample of a sample. </a:t>
+              <a:t> package. </a:t>
             </a:r>
           </a:p>
           <a:p>
